--- a/full/intro-git-github-version-control/slides.pptx
+++ b/full/intro-git-github-version-control/slides.pptx
@@ -5,10 +5,10 @@
     <p:sldMasterId id="2147483648" r:id="rId4"/>
   </p:sldMasterIdLst>
   <p:notesMasterIdLst>
-    <p:notesMasterId r:id="rId37"/>
+    <p:notesMasterId r:id="rId36"/>
   </p:notesMasterIdLst>
   <p:handoutMasterIdLst>
-    <p:handoutMasterId r:id="rId38"/>
+    <p:handoutMasterId r:id="rId37"/>
   </p:handoutMasterIdLst>
   <p:sldIdLst>
     <p:sldId id="289" r:id="rId5"/>
@@ -27,22 +27,21 @@
     <p:sldId id="1886" r:id="rId18"/>
     <p:sldId id="304" r:id="rId19"/>
     <p:sldId id="1895" r:id="rId20"/>
-    <p:sldId id="1896" r:id="rId21"/>
-    <p:sldId id="1897" r:id="rId22"/>
-    <p:sldId id="1898" r:id="rId23"/>
-    <p:sldId id="1899" r:id="rId24"/>
-    <p:sldId id="1890" r:id="rId25"/>
-    <p:sldId id="1900" r:id="rId26"/>
-    <p:sldId id="1906" r:id="rId27"/>
-    <p:sldId id="1891" r:id="rId28"/>
-    <p:sldId id="1901" r:id="rId29"/>
-    <p:sldId id="1894" r:id="rId30"/>
-    <p:sldId id="305" r:id="rId31"/>
-    <p:sldId id="1902" r:id="rId32"/>
-    <p:sldId id="1903" r:id="rId33"/>
-    <p:sldId id="1904" r:id="rId34"/>
-    <p:sldId id="1905" r:id="rId35"/>
-    <p:sldId id="299" r:id="rId36"/>
+    <p:sldId id="1897" r:id="rId21"/>
+    <p:sldId id="1898" r:id="rId22"/>
+    <p:sldId id="1899" r:id="rId23"/>
+    <p:sldId id="1890" r:id="rId24"/>
+    <p:sldId id="1900" r:id="rId25"/>
+    <p:sldId id="1906" r:id="rId26"/>
+    <p:sldId id="1891" r:id="rId27"/>
+    <p:sldId id="1901" r:id="rId28"/>
+    <p:sldId id="1894" r:id="rId29"/>
+    <p:sldId id="305" r:id="rId30"/>
+    <p:sldId id="1902" r:id="rId31"/>
+    <p:sldId id="1903" r:id="rId32"/>
+    <p:sldId id="1904" r:id="rId33"/>
+    <p:sldId id="1905" r:id="rId34"/>
+    <p:sldId id="299" r:id="rId35"/>
   </p:sldIdLst>
   <p:sldSz cx="12192000" cy="6858000"/>
   <p:notesSz cx="6858000" cy="9144000"/>
@@ -266,7 +265,7 @@
           </a:lstStyle>
           <a:p>
             <a:fld id="{4C465657-3F36-724B-A332-D448C4527D30}" type="datetimeFigureOut">
-              <a:t>9/18/2023</a:t>
+              <a:t>9/23/2023</a:t>
             </a:fld>
             <a:endParaRPr lang="en-US"/>
           </a:p>
@@ -497,7 +496,7 @@
           <a:p>
             <a:fld id="{5E8E06ED-7D50-4BC0-A67C-04A5B8A7C6FE}" type="datetimeFigureOut">
               <a:rPr lang="en-US" smtClean="0"/>
-              <a:t>9/18/2023</a:t>
+              <a:t>9/23/2023</a:t>
             </a:fld>
             <a:endParaRPr lang="en-US"/>
           </a:p>
@@ -808,18 +807,45 @@
           <a:bodyPr/>
           <a:lstStyle/>
           <a:p>
-            <a:endParaRPr lang="en-US" dirty="0"/>
-          </a:p>
-        </p:txBody>
-      </p:sp>
-      <p:sp>
-        <p:nvSpPr>
-          <p:cNvPr id="6" name="Slide Number Placeholder 5"/>
+            <a:r>
+              <a:rPr lang="en-US" dirty="0"/>
+              <a:t>Good morning good afternoon good evening</a:t>
+            </a:r>
+          </a:p>
+          <a:p>
+            <a:r>
+              <a:rPr lang="en-US" dirty="0"/>
+              <a:t>Depending on where in the world you might be my name is ..</a:t>
+            </a:r>
+          </a:p>
+          <a:p>
+            <a:r>
+              <a:rPr lang="en-US" dirty="0"/>
+              <a:t>I’m a ..</a:t>
+            </a:r>
+          </a:p>
+          <a:p>
+            <a:r>
+              <a:rPr lang="en-US" dirty="0"/>
+              <a:t>As we go through this if you have questions feel free to go ahead and ask them.</a:t>
+            </a:r>
+          </a:p>
+          <a:p>
+            <a:r>
+              <a:rPr lang="en-US" dirty="0"/>
+              <a:t>One thing to note is that as we go through this if somebody asks a question, I may hold off for a couple of minutes to answer that either to try to keep with the flow or because we are going to answer the question a little bit later but please don’t be shy don’t be afraid at all to ask your questions.</a:t>
+            </a:r>
+          </a:p>
+        </p:txBody>
+      </p:sp>
+      <p:sp>
+        <p:nvSpPr>
+          <p:cNvPr id="4" name="Slide Number Placeholder 3"/>
           <p:cNvSpPr>
             <a:spLocks noGrp="1"/>
           </p:cNvSpPr>
           <p:nvPr>
-            <p:ph type="sldNum" sz="quarter" idx="12"/>
+            <p:ph type="sldNum" sz="quarter" idx="5"/>
           </p:nvPr>
         </p:nvSpPr>
         <p:spPr/>
@@ -827,99 +853,18 @@
           <a:bodyPr/>
           <a:lstStyle/>
           <a:p>
-            <a:fld id="{B4008EB6-D09E-4580-8CD6-DDB14511944F}" type="slidenum">
+            <a:fld id="{59D8E94C-5589-4D72-8241-BC981646923E}" type="slidenum">
               <a:rPr lang="en-US" smtClean="0"/>
-              <a:pPr/>
-              <a:t>11</a:t>
+              <a:t>1</a:t>
             </a:fld>
-            <a:endParaRPr lang="en-US" dirty="0"/>
-          </a:p>
-        </p:txBody>
-      </p:sp>
-      <p:sp>
-        <p:nvSpPr>
-          <p:cNvPr id="10" name="Date Placeholder 9"/>
-          <p:cNvSpPr>
-            <a:spLocks noGrp="1"/>
-          </p:cNvSpPr>
-          <p:nvPr>
-            <p:ph type="dt" idx="13"/>
-          </p:nvPr>
-        </p:nvSpPr>
-        <p:spPr/>
-        <p:txBody>
-          <a:bodyPr/>
-          <a:lstStyle/>
-          <a:p>
-            <a:fld id="{D44C3489-8257-4E60-994D-6A5CEE67ED71}" type="datetime8">
-              <a:rPr lang="en-US" smtClean="0"/>
-              <a:t>9/18/2023 12:16 AM</a:t>
-            </a:fld>
-            <a:endParaRPr lang="en-US" dirty="0"/>
-          </a:p>
-        </p:txBody>
-      </p:sp>
-      <p:sp>
-        <p:nvSpPr>
-          <p:cNvPr id="4" name="Footer Placeholder 3"/>
-          <p:cNvSpPr>
-            <a:spLocks noGrp="1"/>
-          </p:cNvSpPr>
-          <p:nvPr>
-            <p:ph type="ftr" sz="quarter" idx="14"/>
-          </p:nvPr>
-        </p:nvSpPr>
-        <p:spPr/>
-        <p:txBody>
-          <a:bodyPr/>
-          <a:lstStyle/>
-          <a:p>
-            <a:pPr defTabSz="914099" eaLnBrk="0" hangingPunct="0"/>
-            <a:r>
-              <a:rPr lang="en-US" sz="400" dirty="0">
-                <a:gradFill>
-                  <a:gsLst>
-                    <a:gs pos="0">
-                      <a:prstClr val="black"/>
-                    </a:gs>
-                    <a:gs pos="100000">
-                      <a:prstClr val="black"/>
-                    </a:gs>
-                  </a:gsLst>
-                  <a:lin ang="5400000" scaled="0"/>
-                </a:gradFill>
-                <a:latin typeface="Segoe UI" pitchFamily="34" charset="0"/>
-                <a:ea typeface="Segoe UI" pitchFamily="34" charset="0"/>
-                <a:cs typeface="Segoe UI" pitchFamily="34" charset="0"/>
-              </a:rPr>
-              <a:t>© Microsoft Corporation. All rights reserved. MICROSOFT MAKES NO WARRANTIES, EXPRESS, IMPLIED OR STATUTORY, AS TO THE INFORMATION IN THIS PRESENTATION.</a:t>
-            </a:r>
-          </a:p>
-        </p:txBody>
-      </p:sp>
-      <p:sp>
-        <p:nvSpPr>
-          <p:cNvPr id="5" name="Header Placeholder 4"/>
-          <p:cNvSpPr>
-            <a:spLocks noGrp="1"/>
-          </p:cNvSpPr>
-          <p:nvPr>
-            <p:ph type="hdr" sz="quarter" idx="15"/>
-          </p:nvPr>
-        </p:nvSpPr>
-        <p:spPr/>
-        <p:txBody>
-          <a:bodyPr/>
-          <a:lstStyle/>
-          <a:p>
-            <a:endParaRPr lang="en-US" dirty="0"/>
+            <a:endParaRPr lang="en-US"/>
           </a:p>
         </p:txBody>
       </p:sp>
     </p:spTree>
     <p:extLst>
       <p:ext uri="{BB962C8B-B14F-4D97-AF65-F5344CB8AC3E}">
-        <p14:creationId xmlns:p14="http://schemas.microsoft.com/office/powerpoint/2010/main" val="2768876051"/>
+        <p14:creationId xmlns:p14="http://schemas.microsoft.com/office/powerpoint/2010/main" val="2173199285"/>
       </p:ext>
     </p:extLst>
   </p:cSld>
@@ -973,18 +918,66 @@
           <a:bodyPr/>
           <a:lstStyle/>
           <a:p>
-            <a:endParaRPr lang="en-US" dirty="0"/>
-          </a:p>
-        </p:txBody>
-      </p:sp>
-      <p:sp>
-        <p:nvSpPr>
-          <p:cNvPr id="6" name="Slide Number Placeholder 5"/>
+            <a:r>
+              <a:rPr lang="en-US" dirty="0"/>
+              <a:t>Let’s get started with our first exercise today which is to install and configure git, </a:t>
+            </a:r>
+          </a:p>
+          <a:p>
+            <a:r>
+              <a:rPr lang="en-US" dirty="0"/>
+              <a:t>In this exercise, we will:</a:t>
+            </a:r>
+          </a:p>
+          <a:p>
+            <a:pPr marL="285750" indent="-285750">
+              <a:lnSpc>
+                <a:spcPts val="2800"/>
+              </a:lnSpc>
+              <a:buFont typeface="Arial" panose="020B0604020202020204" pitchFamily="34" charset="0"/>
+              <a:buChar char="•"/>
+            </a:pPr>
+            <a:r>
+              <a:rPr lang="en-US" dirty="0"/>
+              <a:t>Download and install Git.</a:t>
+            </a:r>
+          </a:p>
+          <a:p>
+            <a:pPr marL="285750" indent="-285750">
+              <a:lnSpc>
+                <a:spcPts val="2800"/>
+              </a:lnSpc>
+              <a:buFont typeface="Arial" panose="020B0604020202020204" pitchFamily="34" charset="0"/>
+              <a:buChar char="•"/>
+            </a:pPr>
+            <a:r>
+              <a:rPr lang="en-US" dirty="0"/>
+              <a:t>Perform first time configuration for Git.</a:t>
+            </a:r>
+          </a:p>
+          <a:p>
+            <a:pPr marL="285750" indent="-285750">
+              <a:lnSpc>
+                <a:spcPts val="2800"/>
+              </a:lnSpc>
+              <a:buFont typeface="Arial" panose="020B0604020202020204" pitchFamily="34" charset="0"/>
+              <a:buChar char="•"/>
+            </a:pPr>
+            <a:r>
+              <a:rPr lang="en-US" dirty="0"/>
+              <a:t>Configure Git with out Code Editor.</a:t>
+            </a:r>
+          </a:p>
+        </p:txBody>
+      </p:sp>
+      <p:sp>
+        <p:nvSpPr>
+          <p:cNvPr id="4" name="Slide Number Placeholder 3"/>
           <p:cNvSpPr>
             <a:spLocks noGrp="1"/>
           </p:cNvSpPr>
           <p:nvPr>
-            <p:ph type="sldNum" sz="quarter" idx="12"/>
+            <p:ph type="sldNum" sz="quarter" idx="5"/>
           </p:nvPr>
         </p:nvSpPr>
         <p:spPr/>
@@ -992,99 +985,18 @@
           <a:bodyPr/>
           <a:lstStyle/>
           <a:p>
-            <a:fld id="{B4008EB6-D09E-4580-8CD6-DDB14511944F}" type="slidenum">
+            <a:fld id="{59D8E94C-5589-4D72-8241-BC981646923E}" type="slidenum">
               <a:rPr lang="en-US" smtClean="0"/>
-              <a:pPr/>
-              <a:t>21</a:t>
+              <a:t>10</a:t>
             </a:fld>
-            <a:endParaRPr lang="en-US" dirty="0"/>
-          </a:p>
-        </p:txBody>
-      </p:sp>
-      <p:sp>
-        <p:nvSpPr>
-          <p:cNvPr id="10" name="Date Placeholder 9"/>
-          <p:cNvSpPr>
-            <a:spLocks noGrp="1"/>
-          </p:cNvSpPr>
-          <p:nvPr>
-            <p:ph type="dt" idx="13"/>
-          </p:nvPr>
-        </p:nvSpPr>
-        <p:spPr/>
-        <p:txBody>
-          <a:bodyPr/>
-          <a:lstStyle/>
-          <a:p>
-            <a:fld id="{D44C3489-8257-4E60-994D-6A5CEE67ED71}" type="datetime8">
-              <a:rPr lang="en-US" smtClean="0"/>
-              <a:t>9/18/2023 12:16 AM</a:t>
-            </a:fld>
-            <a:endParaRPr lang="en-US" dirty="0"/>
-          </a:p>
-        </p:txBody>
-      </p:sp>
-      <p:sp>
-        <p:nvSpPr>
-          <p:cNvPr id="4" name="Footer Placeholder 3"/>
-          <p:cNvSpPr>
-            <a:spLocks noGrp="1"/>
-          </p:cNvSpPr>
-          <p:nvPr>
-            <p:ph type="ftr" sz="quarter" idx="14"/>
-          </p:nvPr>
-        </p:nvSpPr>
-        <p:spPr/>
-        <p:txBody>
-          <a:bodyPr/>
-          <a:lstStyle/>
-          <a:p>
-            <a:pPr defTabSz="914099" eaLnBrk="0" hangingPunct="0"/>
-            <a:r>
-              <a:rPr lang="en-US" sz="400" dirty="0">
-                <a:gradFill>
-                  <a:gsLst>
-                    <a:gs pos="0">
-                      <a:prstClr val="black"/>
-                    </a:gs>
-                    <a:gs pos="100000">
-                      <a:prstClr val="black"/>
-                    </a:gs>
-                  </a:gsLst>
-                  <a:lin ang="5400000" scaled="0"/>
-                </a:gradFill>
-                <a:latin typeface="Segoe UI" pitchFamily="34" charset="0"/>
-                <a:ea typeface="Segoe UI" pitchFamily="34" charset="0"/>
-                <a:cs typeface="Segoe UI" pitchFamily="34" charset="0"/>
-              </a:rPr>
-              <a:t>© Microsoft Corporation. All rights reserved. MICROSOFT MAKES NO WARRANTIES, EXPRESS, IMPLIED OR STATUTORY, AS TO THE INFORMATION IN THIS PRESENTATION.</a:t>
-            </a:r>
-          </a:p>
-        </p:txBody>
-      </p:sp>
-      <p:sp>
-        <p:nvSpPr>
-          <p:cNvPr id="5" name="Header Placeholder 4"/>
-          <p:cNvSpPr>
-            <a:spLocks noGrp="1"/>
-          </p:cNvSpPr>
-          <p:nvPr>
-            <p:ph type="hdr" sz="quarter" idx="15"/>
-          </p:nvPr>
-        </p:nvSpPr>
-        <p:spPr/>
-        <p:txBody>
-          <a:bodyPr/>
-          <a:lstStyle/>
-          <a:p>
-            <a:endParaRPr lang="en-US" dirty="0"/>
+            <a:endParaRPr lang="en-US"/>
           </a:p>
         </p:txBody>
       </p:sp>
     </p:spTree>
     <p:extLst>
       <p:ext uri="{BB962C8B-B14F-4D97-AF65-F5344CB8AC3E}">
-        <p14:creationId xmlns:p14="http://schemas.microsoft.com/office/powerpoint/2010/main" val="4282024216"/>
+        <p14:creationId xmlns:p14="http://schemas.microsoft.com/office/powerpoint/2010/main" val="2084185018"/>
       </p:ext>
     </p:extLst>
   </p:cSld>
@@ -1160,7 +1072,7 @@
             <a:fld id="{B4008EB6-D09E-4580-8CD6-DDB14511944F}" type="slidenum">
               <a:rPr lang="en-US" smtClean="0"/>
               <a:pPr/>
-              <a:t>22</a:t>
+              <a:t>11</a:t>
             </a:fld>
             <a:endParaRPr lang="en-US" dirty="0"/>
           </a:p>
@@ -1183,7 +1095,7 @@
           <a:p>
             <a:fld id="{D44C3489-8257-4E60-994D-6A5CEE67ED71}" type="datetime8">
               <a:rPr lang="en-US" smtClean="0"/>
-              <a:t>9/18/2023 12:16 AM</a:t>
+              <a:t>9/23/2023 11:34 PM</a:t>
             </a:fld>
             <a:endParaRPr lang="en-US" dirty="0"/>
           </a:p>
@@ -1249,7 +1161,7 @@
     </p:spTree>
     <p:extLst>
       <p:ext uri="{BB962C8B-B14F-4D97-AF65-F5344CB8AC3E}">
-        <p14:creationId xmlns:p14="http://schemas.microsoft.com/office/powerpoint/2010/main" val="2377185402"/>
+        <p14:creationId xmlns:p14="http://schemas.microsoft.com/office/powerpoint/2010/main" val="2768876051"/>
       </p:ext>
     </p:extLst>
   </p:cSld>
@@ -1325,7 +1237,7 @@
             <a:fld id="{B4008EB6-D09E-4580-8CD6-DDB14511944F}" type="slidenum">
               <a:rPr lang="en-US" smtClean="0"/>
               <a:pPr/>
-              <a:t>23</a:t>
+              <a:t>12</a:t>
             </a:fld>
             <a:endParaRPr lang="en-US" dirty="0"/>
           </a:p>
@@ -1348,7 +1260,7 @@
           <a:p>
             <a:fld id="{D44C3489-8257-4E60-994D-6A5CEE67ED71}" type="datetime8">
               <a:rPr lang="en-US" smtClean="0"/>
-              <a:t>9/18/2023 12:16 AM</a:t>
+              <a:t>9/23/2023 11:34 PM</a:t>
             </a:fld>
             <a:endParaRPr lang="en-US" dirty="0"/>
           </a:p>
@@ -1414,7 +1326,7 @@
     </p:spTree>
     <p:extLst>
       <p:ext uri="{BB962C8B-B14F-4D97-AF65-F5344CB8AC3E}">
-        <p14:creationId xmlns:p14="http://schemas.microsoft.com/office/powerpoint/2010/main" val="2300152402"/>
+        <p14:creationId xmlns:p14="http://schemas.microsoft.com/office/powerpoint/2010/main" val="1517149110"/>
       </p:ext>
     </p:extLst>
   </p:cSld>
@@ -1490,7 +1402,7 @@
             <a:fld id="{B4008EB6-D09E-4580-8CD6-DDB14511944F}" type="slidenum">
               <a:rPr lang="en-US" smtClean="0"/>
               <a:pPr/>
-              <a:t>24</a:t>
+              <a:t>13</a:t>
             </a:fld>
             <a:endParaRPr lang="en-US" dirty="0"/>
           </a:p>
@@ -1513,7 +1425,7 @@
           <a:p>
             <a:fld id="{D44C3489-8257-4E60-994D-6A5CEE67ED71}" type="datetime8">
               <a:rPr lang="en-US" smtClean="0"/>
-              <a:t>9/18/2023 12:16 AM</a:t>
+              <a:t>9/23/2023 11:34 PM</a:t>
             </a:fld>
             <a:endParaRPr lang="en-US" dirty="0"/>
           </a:p>
@@ -1579,7 +1491,7 @@
     </p:spTree>
     <p:extLst>
       <p:ext uri="{BB962C8B-B14F-4D97-AF65-F5344CB8AC3E}">
-        <p14:creationId xmlns:p14="http://schemas.microsoft.com/office/powerpoint/2010/main" val="945898321"/>
+        <p14:creationId xmlns:p14="http://schemas.microsoft.com/office/powerpoint/2010/main" val="1371671546"/>
       </p:ext>
     </p:extLst>
   </p:cSld>
@@ -1655,7 +1567,7 @@
             <a:fld id="{B4008EB6-D09E-4580-8CD6-DDB14511944F}" type="slidenum">
               <a:rPr lang="en-US" smtClean="0"/>
               <a:pPr/>
-              <a:t>25</a:t>
+              <a:t>14</a:t>
             </a:fld>
             <a:endParaRPr lang="en-US" dirty="0"/>
           </a:p>
@@ -1678,7 +1590,7 @@
           <a:p>
             <a:fld id="{D44C3489-8257-4E60-994D-6A5CEE67ED71}" type="datetime8">
               <a:rPr lang="en-US" smtClean="0"/>
-              <a:t>9/18/2023 12:16 AM</a:t>
+              <a:t>9/23/2023 11:34 PM</a:t>
             </a:fld>
             <a:endParaRPr lang="en-US" dirty="0"/>
           </a:p>
@@ -1744,7 +1656,7 @@
     </p:spTree>
     <p:extLst>
       <p:ext uri="{BB962C8B-B14F-4D97-AF65-F5344CB8AC3E}">
-        <p14:creationId xmlns:p14="http://schemas.microsoft.com/office/powerpoint/2010/main" val="973484404"/>
+        <p14:creationId xmlns:p14="http://schemas.microsoft.com/office/powerpoint/2010/main" val="2312861842"/>
       </p:ext>
     </p:extLst>
   </p:cSld>
@@ -1798,18 +1710,66 @@
           <a:bodyPr/>
           <a:lstStyle/>
           <a:p>
-            <a:endParaRPr lang="en-US" dirty="0"/>
-          </a:p>
-        </p:txBody>
-      </p:sp>
-      <p:sp>
-        <p:nvSpPr>
-          <p:cNvPr id="6" name="Slide Number Placeholder 5"/>
+            <a:r>
+              <a:rPr lang="en-US" dirty="0"/>
+              <a:t>Let’s get started with our second exercise today which is to working with a local repository, </a:t>
+            </a:r>
+          </a:p>
+          <a:p>
+            <a:r>
+              <a:rPr lang="en-US" dirty="0"/>
+              <a:t>In this exercise, we will:</a:t>
+            </a:r>
+          </a:p>
+          <a:p>
+            <a:pPr marL="285750" indent="-285750">
+              <a:lnSpc>
+                <a:spcPts val="2800"/>
+              </a:lnSpc>
+              <a:buFont typeface="Arial" panose="020B0604020202020204" pitchFamily="34" charset="0"/>
+              <a:buChar char="•"/>
+            </a:pPr>
+            <a:r>
+              <a:rPr lang="en-US" dirty="0"/>
+              <a:t>Create a Git Local Repository.</a:t>
+            </a:r>
+          </a:p>
+          <a:p>
+            <a:pPr marL="285750" indent="-285750">
+              <a:lnSpc>
+                <a:spcPts val="2800"/>
+              </a:lnSpc>
+              <a:buFont typeface="Arial" panose="020B0604020202020204" pitchFamily="34" charset="0"/>
+              <a:buChar char="•"/>
+            </a:pPr>
+            <a:r>
+              <a:rPr lang="en-US" dirty="0"/>
+              <a:t>Make Changes, add, and commit them.</a:t>
+            </a:r>
+          </a:p>
+          <a:p>
+            <a:pPr marL="285750" indent="-285750">
+              <a:lnSpc>
+                <a:spcPts val="2800"/>
+              </a:lnSpc>
+              <a:buFont typeface="Arial" panose="020B0604020202020204" pitchFamily="34" charset="0"/>
+              <a:buChar char="•"/>
+            </a:pPr>
+            <a:r>
+              <a:rPr lang="en-US" dirty="0"/>
+              <a:t>Review the repository’s history.</a:t>
+            </a:r>
+          </a:p>
+        </p:txBody>
+      </p:sp>
+      <p:sp>
+        <p:nvSpPr>
+          <p:cNvPr id="4" name="Slide Number Placeholder 3"/>
           <p:cNvSpPr>
             <a:spLocks noGrp="1"/>
           </p:cNvSpPr>
           <p:nvPr>
-            <p:ph type="sldNum" sz="quarter" idx="12"/>
+            <p:ph type="sldNum" sz="quarter" idx="5"/>
           </p:nvPr>
         </p:nvSpPr>
         <p:spPr/>
@@ -1817,99 +1777,18 @@
           <a:bodyPr/>
           <a:lstStyle/>
           <a:p>
-            <a:fld id="{B4008EB6-D09E-4580-8CD6-DDB14511944F}" type="slidenum">
+            <a:fld id="{59D8E94C-5589-4D72-8241-BC981646923E}" type="slidenum">
               <a:rPr lang="en-US" smtClean="0"/>
-              <a:pPr/>
-              <a:t>26</a:t>
+              <a:t>15</a:t>
             </a:fld>
-            <a:endParaRPr lang="en-US" dirty="0"/>
-          </a:p>
-        </p:txBody>
-      </p:sp>
-      <p:sp>
-        <p:nvSpPr>
-          <p:cNvPr id="10" name="Date Placeholder 9"/>
-          <p:cNvSpPr>
-            <a:spLocks noGrp="1"/>
-          </p:cNvSpPr>
-          <p:nvPr>
-            <p:ph type="dt" idx="13"/>
-          </p:nvPr>
-        </p:nvSpPr>
-        <p:spPr/>
-        <p:txBody>
-          <a:bodyPr/>
-          <a:lstStyle/>
-          <a:p>
-            <a:fld id="{D44C3489-8257-4E60-994D-6A5CEE67ED71}" type="datetime8">
-              <a:rPr lang="en-US" smtClean="0"/>
-              <a:t>9/18/2023 12:16 AM</a:t>
-            </a:fld>
-            <a:endParaRPr lang="en-US" dirty="0"/>
-          </a:p>
-        </p:txBody>
-      </p:sp>
-      <p:sp>
-        <p:nvSpPr>
-          <p:cNvPr id="4" name="Footer Placeholder 3"/>
-          <p:cNvSpPr>
-            <a:spLocks noGrp="1"/>
-          </p:cNvSpPr>
-          <p:nvPr>
-            <p:ph type="ftr" sz="quarter" idx="14"/>
-          </p:nvPr>
-        </p:nvSpPr>
-        <p:spPr/>
-        <p:txBody>
-          <a:bodyPr/>
-          <a:lstStyle/>
-          <a:p>
-            <a:pPr defTabSz="914099" eaLnBrk="0" hangingPunct="0"/>
-            <a:r>
-              <a:rPr lang="en-US" sz="400" dirty="0">
-                <a:gradFill>
-                  <a:gsLst>
-                    <a:gs pos="0">
-                      <a:prstClr val="black"/>
-                    </a:gs>
-                    <a:gs pos="100000">
-                      <a:prstClr val="black"/>
-                    </a:gs>
-                  </a:gsLst>
-                  <a:lin ang="5400000" scaled="0"/>
-                </a:gradFill>
-                <a:latin typeface="Segoe UI" pitchFamily="34" charset="0"/>
-                <a:ea typeface="Segoe UI" pitchFamily="34" charset="0"/>
-                <a:cs typeface="Segoe UI" pitchFamily="34" charset="0"/>
-              </a:rPr>
-              <a:t>© Microsoft Corporation. All rights reserved. MICROSOFT MAKES NO WARRANTIES, EXPRESS, IMPLIED OR STATUTORY, AS TO THE INFORMATION IN THIS PRESENTATION.</a:t>
-            </a:r>
-          </a:p>
-        </p:txBody>
-      </p:sp>
-      <p:sp>
-        <p:nvSpPr>
-          <p:cNvPr id="5" name="Header Placeholder 4"/>
-          <p:cNvSpPr>
-            <a:spLocks noGrp="1"/>
-          </p:cNvSpPr>
-          <p:nvPr>
-            <p:ph type="hdr" sz="quarter" idx="15"/>
-          </p:nvPr>
-        </p:nvSpPr>
-        <p:spPr/>
-        <p:txBody>
-          <a:bodyPr/>
-          <a:lstStyle/>
-          <a:p>
-            <a:endParaRPr lang="en-US" dirty="0"/>
+            <a:endParaRPr lang="en-US"/>
           </a:p>
         </p:txBody>
       </p:sp>
     </p:spTree>
     <p:extLst>
       <p:ext uri="{BB962C8B-B14F-4D97-AF65-F5344CB8AC3E}">
-        <p14:creationId xmlns:p14="http://schemas.microsoft.com/office/powerpoint/2010/main" val="435218024"/>
+        <p14:creationId xmlns:p14="http://schemas.microsoft.com/office/powerpoint/2010/main" val="2777959101"/>
       </p:ext>
     </p:extLst>
   </p:cSld>
@@ -1985,7 +1864,7 @@
             <a:fld id="{B4008EB6-D09E-4580-8CD6-DDB14511944F}" type="slidenum">
               <a:rPr lang="en-US" smtClean="0"/>
               <a:pPr/>
-              <a:t>28</a:t>
+              <a:t>16</a:t>
             </a:fld>
             <a:endParaRPr lang="en-US" dirty="0"/>
           </a:p>
@@ -2008,7 +1887,7 @@
           <a:p>
             <a:fld id="{D44C3489-8257-4E60-994D-6A5CEE67ED71}" type="datetime8">
               <a:rPr lang="en-US" smtClean="0"/>
-              <a:t>9/18/2023 12:16 AM</a:t>
+              <a:t>9/23/2023 11:34 PM</a:t>
             </a:fld>
             <a:endParaRPr lang="en-US" dirty="0"/>
           </a:p>
@@ -2074,7 +1953,7 @@
     </p:spTree>
     <p:extLst>
       <p:ext uri="{BB962C8B-B14F-4D97-AF65-F5344CB8AC3E}">
-        <p14:creationId xmlns:p14="http://schemas.microsoft.com/office/powerpoint/2010/main" val="4124742762"/>
+        <p14:creationId xmlns:p14="http://schemas.microsoft.com/office/powerpoint/2010/main" val="130046276"/>
       </p:ext>
     </p:extLst>
   </p:cSld>
@@ -2128,6 +2007,42 @@
           <a:bodyPr/>
           <a:lstStyle/>
           <a:p>
+            <a:r>
+              <a:rPr lang="en-US" dirty="0"/>
+              <a:t>How git works?</a:t>
+            </a:r>
+          </a:p>
+          <a:p>
+            <a:r>
+              <a:rPr lang="en-US" dirty="0"/>
+              <a:t>To get started, we have three different places or virtual places.</a:t>
+            </a:r>
+          </a:p>
+          <a:p>
+            <a:r>
+              <a:rPr lang="en-US" dirty="0"/>
+              <a:t>We have the working directory which we have just created our file inside, and we have the staging area which is the intermediate place between saving the changes forever in the local repository or leaving them in an intermediate state in the working directory.</a:t>
+            </a:r>
+          </a:p>
+          <a:p>
+            <a:r>
+              <a:rPr lang="en-US" dirty="0"/>
+              <a:t>What can we do to ship our changes to the staging area?</a:t>
+            </a:r>
+          </a:p>
+          <a:p>
+            <a:r>
+              <a:rPr lang="en-US" dirty="0"/>
+              <a:t>Imagine you have a cruise trip, the first thing you do is that you load the ship with your luggage or bags so, to load the ship with our files or code, we use a command called git add and then we give it the name of the file.</a:t>
+            </a:r>
+          </a:p>
+          <a:p>
+            <a:r>
+              <a:rPr lang="en-US" dirty="0"/>
+              <a:t>For example, we can say git add new-text-file.txt</a:t>
+            </a:r>
+          </a:p>
+          <a:p>
             <a:endParaRPr lang="en-US" dirty="0"/>
           </a:p>
         </p:txBody>
@@ -2150,7 +2065,7 @@
             <a:fld id="{B4008EB6-D09E-4580-8CD6-DDB14511944F}" type="slidenum">
               <a:rPr lang="en-US" smtClean="0"/>
               <a:pPr/>
-              <a:t>29</a:t>
+              <a:t>17</a:t>
             </a:fld>
             <a:endParaRPr lang="en-US" dirty="0"/>
           </a:p>
@@ -2173,7 +2088,7 @@
           <a:p>
             <a:fld id="{D44C3489-8257-4E60-994D-6A5CEE67ED71}" type="datetime8">
               <a:rPr lang="en-US" smtClean="0"/>
-              <a:t>9/18/2023 12:16 AM</a:t>
+              <a:t>9/23/2023 11:34 PM</a:t>
             </a:fld>
             <a:endParaRPr lang="en-US" dirty="0"/>
           </a:p>
@@ -2239,7 +2154,7 @@
     </p:spTree>
     <p:extLst>
       <p:ext uri="{BB962C8B-B14F-4D97-AF65-F5344CB8AC3E}">
-        <p14:creationId xmlns:p14="http://schemas.microsoft.com/office/powerpoint/2010/main" val="1918191571"/>
+        <p14:creationId xmlns:p14="http://schemas.microsoft.com/office/powerpoint/2010/main" val="2251075269"/>
       </p:ext>
     </p:extLst>
   </p:cSld>
@@ -2293,7 +2208,28 @@
           <a:bodyPr/>
           <a:lstStyle/>
           <a:p>
-            <a:endParaRPr lang="en-US" dirty="0"/>
+            <a:r>
+              <a:rPr lang="en-US" dirty="0"/>
+              <a:t>And it will move our file to the staging area or the staging index which is the intermediate place that we have talked about.</a:t>
+            </a:r>
+          </a:p>
+          <a:p>
+            <a:r>
+              <a:rPr lang="en-US" dirty="0"/>
+              <a:t>In order to do the next step which is moving the file to the local repository you have to use a command called git commit which makes our changes saved in the git history.</a:t>
+            </a:r>
+          </a:p>
+          <a:p>
+            <a:r>
+              <a:rPr lang="en-US" dirty="0"/>
+              <a:t>So, to make our changes there we use git commit and we give it a message.</a:t>
+            </a:r>
+          </a:p>
+          <a:p>
+            <a:r>
+              <a:rPr lang="en-US" dirty="0"/>
+              <a:t>For Example, “Message” any message you want but this message is really important, and we are going to get back to that in another slide but for now there is a command called git commit and we give it a dash m small to specify a specific message, and then a double quotation inside it our message.</a:t>
+            </a:r>
           </a:p>
         </p:txBody>
       </p:sp>
@@ -2315,7 +2251,7 @@
             <a:fld id="{B4008EB6-D09E-4580-8CD6-DDB14511944F}" type="slidenum">
               <a:rPr lang="en-US" smtClean="0"/>
               <a:pPr/>
-              <a:t>30</a:t>
+              <a:t>18</a:t>
             </a:fld>
             <a:endParaRPr lang="en-US" dirty="0"/>
           </a:p>
@@ -2338,7 +2274,7 @@
           <a:p>
             <a:fld id="{D44C3489-8257-4E60-994D-6A5CEE67ED71}" type="datetime8">
               <a:rPr lang="en-US" smtClean="0"/>
-              <a:t>9/18/2023 12:16 AM</a:t>
+              <a:t>9/23/2023 11:34 PM</a:t>
             </a:fld>
             <a:endParaRPr lang="en-US" dirty="0"/>
           </a:p>
@@ -2404,7 +2340,7 @@
     </p:spTree>
     <p:extLst>
       <p:ext uri="{BB962C8B-B14F-4D97-AF65-F5344CB8AC3E}">
-        <p14:creationId xmlns:p14="http://schemas.microsoft.com/office/powerpoint/2010/main" val="168903592"/>
+        <p14:creationId xmlns:p14="http://schemas.microsoft.com/office/powerpoint/2010/main" val="1619054649"/>
       </p:ext>
     </p:extLst>
   </p:cSld>
@@ -2458,7 +2394,10 @@
           <a:bodyPr/>
           <a:lstStyle/>
           <a:p>
-            <a:endParaRPr lang="en-US" dirty="0"/>
+            <a:r>
+              <a:rPr lang="en-US" dirty="0"/>
+              <a:t>And then the file is saved in the local repository.</a:t>
+            </a:r>
           </a:p>
         </p:txBody>
       </p:sp>
@@ -2480,7 +2419,7 @@
             <a:fld id="{B4008EB6-D09E-4580-8CD6-DDB14511944F}" type="slidenum">
               <a:rPr lang="en-US" smtClean="0"/>
               <a:pPr/>
-              <a:t>31</a:t>
+              <a:t>19</a:t>
             </a:fld>
             <a:endParaRPr lang="en-US" dirty="0"/>
           </a:p>
@@ -2503,7 +2442,7 @@
           <a:p>
             <a:fld id="{D44C3489-8257-4E60-994D-6A5CEE67ED71}" type="datetime8">
               <a:rPr lang="en-US" smtClean="0"/>
-              <a:t>9/18/2023 12:16 AM</a:t>
+              <a:t>9/23/2023 11:34 PM</a:t>
             </a:fld>
             <a:endParaRPr lang="en-US" dirty="0"/>
           </a:p>
@@ -2569,7 +2508,7 @@
     </p:spTree>
     <p:extLst>
       <p:ext uri="{BB962C8B-B14F-4D97-AF65-F5344CB8AC3E}">
-        <p14:creationId xmlns:p14="http://schemas.microsoft.com/office/powerpoint/2010/main" val="2360128096"/>
+        <p14:creationId xmlns:p14="http://schemas.microsoft.com/office/powerpoint/2010/main" val="1147678853"/>
       </p:ext>
     </p:extLst>
   </p:cSld>
@@ -2623,6 +2562,99 @@
           <a:bodyPr/>
           <a:lstStyle/>
           <a:p>
+            <a:r>
+              <a:rPr lang="en-US" dirty="0"/>
+              <a:t>What are we going to do today?</a:t>
+            </a:r>
+          </a:p>
+          <a:p>
+            <a:r>
+              <a:rPr lang="en-US" dirty="0"/>
+              <a:t>We are going to get to know what is version control, install git together, work on a local repository, work with remotes on GitHub, and finally we are going to work on another developer’s repository.</a:t>
+            </a:r>
+          </a:p>
+        </p:txBody>
+      </p:sp>
+      <p:sp>
+        <p:nvSpPr>
+          <p:cNvPr id="4" name="Slide Number Placeholder 3"/>
+          <p:cNvSpPr>
+            <a:spLocks noGrp="1"/>
+          </p:cNvSpPr>
+          <p:nvPr>
+            <p:ph type="sldNum" sz="quarter" idx="5"/>
+          </p:nvPr>
+        </p:nvSpPr>
+        <p:spPr/>
+        <p:txBody>
+          <a:bodyPr/>
+          <a:lstStyle/>
+          <a:p>
+            <a:fld id="{59D8E94C-5589-4D72-8241-BC981646923E}" type="slidenum">
+              <a:rPr lang="en-US" smtClean="0"/>
+              <a:t>2</a:t>
+            </a:fld>
+            <a:endParaRPr lang="en-US"/>
+          </a:p>
+        </p:txBody>
+      </p:sp>
+    </p:spTree>
+    <p:extLst>
+      <p:ext uri="{BB962C8B-B14F-4D97-AF65-F5344CB8AC3E}">
+        <p14:creationId xmlns:p14="http://schemas.microsoft.com/office/powerpoint/2010/main" val="1442608240"/>
+      </p:ext>
+    </p:extLst>
+  </p:cSld>
+  <p:clrMapOvr>
+    <a:masterClrMapping/>
+  </p:clrMapOvr>
+</p:notes>
+</file>
+
+<file path=ppt/notesSlides/notesSlide20.xml><?xml version="1.0" encoding="utf-8"?>
+<p:notes xmlns:a="http://schemas.openxmlformats.org/drawingml/2006/main" xmlns:r="http://schemas.openxmlformats.org/officeDocument/2006/relationships" xmlns:p="http://schemas.openxmlformats.org/presentationml/2006/main">
+  <p:cSld>
+    <p:spTree>
+      <p:nvGrpSpPr>
+        <p:cNvPr id="1" name=""/>
+        <p:cNvGrpSpPr/>
+        <p:nvPr/>
+      </p:nvGrpSpPr>
+      <p:grpSpPr>
+        <a:xfrm>
+          <a:off x="0" y="0"/>
+          <a:ext cx="0" cy="0"/>
+          <a:chOff x="0" y="0"/>
+          <a:chExt cx="0" cy="0"/>
+        </a:xfrm>
+      </p:grpSpPr>
+      <p:sp>
+        <p:nvSpPr>
+          <p:cNvPr id="2" name="Slide Image Placeholder 1"/>
+          <p:cNvSpPr>
+            <a:spLocks noGrp="1" noRot="1" noChangeAspect="1"/>
+          </p:cNvSpPr>
+          <p:nvPr>
+            <p:ph type="sldImg"/>
+          </p:nvPr>
+        </p:nvSpPr>
+        <p:spPr/>
+      </p:sp>
+      <p:sp>
+        <p:nvSpPr>
+          <p:cNvPr id="3" name="Notes Placeholder 2"/>
+          <p:cNvSpPr>
+            <a:spLocks noGrp="1"/>
+          </p:cNvSpPr>
+          <p:nvPr>
+            <p:ph type="body" idx="1"/>
+          </p:nvPr>
+        </p:nvSpPr>
+        <p:spPr/>
+        <p:txBody>
+          <a:bodyPr/>
+          <a:lstStyle/>
+          <a:p>
             <a:endParaRPr lang="en-US" dirty="0"/>
           </a:p>
         </p:txBody>
@@ -2645,7 +2677,7 @@
             <a:fld id="{B4008EB6-D09E-4580-8CD6-DDB14511944F}" type="slidenum">
               <a:rPr lang="en-US" smtClean="0"/>
               <a:pPr/>
-              <a:t>12</a:t>
+              <a:t>20</a:t>
             </a:fld>
             <a:endParaRPr lang="en-US" dirty="0"/>
           </a:p>
@@ -2668,7 +2700,7 @@
           <a:p>
             <a:fld id="{D44C3489-8257-4E60-994D-6A5CEE67ED71}" type="datetime8">
               <a:rPr lang="en-US" smtClean="0"/>
-              <a:t>9/18/2023 12:16 AM</a:t>
+              <a:t>9/23/2023 11:34 PM</a:t>
             </a:fld>
             <a:endParaRPr lang="en-US" dirty="0"/>
           </a:p>
@@ -2734,7 +2766,1505 @@
     </p:spTree>
     <p:extLst>
       <p:ext uri="{BB962C8B-B14F-4D97-AF65-F5344CB8AC3E}">
-        <p14:creationId xmlns:p14="http://schemas.microsoft.com/office/powerpoint/2010/main" val="1517149110"/>
+        <p14:creationId xmlns:p14="http://schemas.microsoft.com/office/powerpoint/2010/main" val="4282024216"/>
+      </p:ext>
+    </p:extLst>
+  </p:cSld>
+  <p:clrMapOvr>
+    <a:masterClrMapping/>
+  </p:clrMapOvr>
+</p:notes>
+</file>
+
+<file path=ppt/notesSlides/notesSlide21.xml><?xml version="1.0" encoding="utf-8"?>
+<p:notes xmlns:a="http://schemas.openxmlformats.org/drawingml/2006/main" xmlns:r="http://schemas.openxmlformats.org/officeDocument/2006/relationships" xmlns:p="http://schemas.openxmlformats.org/presentationml/2006/main">
+  <p:cSld>
+    <p:spTree>
+      <p:nvGrpSpPr>
+        <p:cNvPr id="1" name=""/>
+        <p:cNvGrpSpPr/>
+        <p:nvPr/>
+      </p:nvGrpSpPr>
+      <p:grpSpPr>
+        <a:xfrm>
+          <a:off x="0" y="0"/>
+          <a:ext cx="0" cy="0"/>
+          <a:chOff x="0" y="0"/>
+          <a:chExt cx="0" cy="0"/>
+        </a:xfrm>
+      </p:grpSpPr>
+      <p:sp>
+        <p:nvSpPr>
+          <p:cNvPr id="2" name="Slide Image Placeholder 1"/>
+          <p:cNvSpPr>
+            <a:spLocks noGrp="1" noRot="1" noChangeAspect="1"/>
+          </p:cNvSpPr>
+          <p:nvPr>
+            <p:ph type="sldImg"/>
+          </p:nvPr>
+        </p:nvSpPr>
+        <p:spPr/>
+      </p:sp>
+      <p:sp>
+        <p:nvSpPr>
+          <p:cNvPr id="3" name="Notes Placeholder 2"/>
+          <p:cNvSpPr>
+            <a:spLocks noGrp="1"/>
+          </p:cNvSpPr>
+          <p:nvPr>
+            <p:ph type="body" idx="1"/>
+          </p:nvPr>
+        </p:nvSpPr>
+        <p:spPr/>
+        <p:txBody>
+          <a:bodyPr/>
+          <a:lstStyle/>
+          <a:p>
+            <a:endParaRPr lang="en-US" dirty="0"/>
+          </a:p>
+        </p:txBody>
+      </p:sp>
+      <p:sp>
+        <p:nvSpPr>
+          <p:cNvPr id="6" name="Slide Number Placeholder 5"/>
+          <p:cNvSpPr>
+            <a:spLocks noGrp="1"/>
+          </p:cNvSpPr>
+          <p:nvPr>
+            <p:ph type="sldNum" sz="quarter" idx="12"/>
+          </p:nvPr>
+        </p:nvSpPr>
+        <p:spPr/>
+        <p:txBody>
+          <a:bodyPr/>
+          <a:lstStyle/>
+          <a:p>
+            <a:fld id="{B4008EB6-D09E-4580-8CD6-DDB14511944F}" type="slidenum">
+              <a:rPr lang="en-US" smtClean="0"/>
+              <a:pPr/>
+              <a:t>21</a:t>
+            </a:fld>
+            <a:endParaRPr lang="en-US" dirty="0"/>
+          </a:p>
+        </p:txBody>
+      </p:sp>
+      <p:sp>
+        <p:nvSpPr>
+          <p:cNvPr id="10" name="Date Placeholder 9"/>
+          <p:cNvSpPr>
+            <a:spLocks noGrp="1"/>
+          </p:cNvSpPr>
+          <p:nvPr>
+            <p:ph type="dt" idx="13"/>
+          </p:nvPr>
+        </p:nvSpPr>
+        <p:spPr/>
+        <p:txBody>
+          <a:bodyPr/>
+          <a:lstStyle/>
+          <a:p>
+            <a:fld id="{D44C3489-8257-4E60-994D-6A5CEE67ED71}" type="datetime8">
+              <a:rPr lang="en-US" smtClean="0"/>
+              <a:t>9/23/2023 11:34 PM</a:t>
+            </a:fld>
+            <a:endParaRPr lang="en-US" dirty="0"/>
+          </a:p>
+        </p:txBody>
+      </p:sp>
+      <p:sp>
+        <p:nvSpPr>
+          <p:cNvPr id="4" name="Footer Placeholder 3"/>
+          <p:cNvSpPr>
+            <a:spLocks noGrp="1"/>
+          </p:cNvSpPr>
+          <p:nvPr>
+            <p:ph type="ftr" sz="quarter" idx="14"/>
+          </p:nvPr>
+        </p:nvSpPr>
+        <p:spPr/>
+        <p:txBody>
+          <a:bodyPr/>
+          <a:lstStyle/>
+          <a:p>
+            <a:pPr defTabSz="914099" eaLnBrk="0" hangingPunct="0"/>
+            <a:r>
+              <a:rPr lang="en-US" sz="400" dirty="0">
+                <a:gradFill>
+                  <a:gsLst>
+                    <a:gs pos="0">
+                      <a:prstClr val="black"/>
+                    </a:gs>
+                    <a:gs pos="100000">
+                      <a:prstClr val="black"/>
+                    </a:gs>
+                  </a:gsLst>
+                  <a:lin ang="5400000" scaled="0"/>
+                </a:gradFill>
+                <a:latin typeface="Segoe UI" pitchFamily="34" charset="0"/>
+                <a:ea typeface="Segoe UI" pitchFamily="34" charset="0"/>
+                <a:cs typeface="Segoe UI" pitchFamily="34" charset="0"/>
+              </a:rPr>
+              <a:t>© Microsoft Corporation. All rights reserved. MICROSOFT MAKES NO WARRANTIES, EXPRESS, IMPLIED OR STATUTORY, AS TO THE INFORMATION IN THIS PRESENTATION.</a:t>
+            </a:r>
+          </a:p>
+        </p:txBody>
+      </p:sp>
+      <p:sp>
+        <p:nvSpPr>
+          <p:cNvPr id="5" name="Header Placeholder 4"/>
+          <p:cNvSpPr>
+            <a:spLocks noGrp="1"/>
+          </p:cNvSpPr>
+          <p:nvPr>
+            <p:ph type="hdr" sz="quarter" idx="15"/>
+          </p:nvPr>
+        </p:nvSpPr>
+        <p:spPr/>
+        <p:txBody>
+          <a:bodyPr/>
+          <a:lstStyle/>
+          <a:p>
+            <a:endParaRPr lang="en-US" dirty="0"/>
+          </a:p>
+        </p:txBody>
+      </p:sp>
+    </p:spTree>
+    <p:extLst>
+      <p:ext uri="{BB962C8B-B14F-4D97-AF65-F5344CB8AC3E}">
+        <p14:creationId xmlns:p14="http://schemas.microsoft.com/office/powerpoint/2010/main" val="2377185402"/>
+      </p:ext>
+    </p:extLst>
+  </p:cSld>
+  <p:clrMapOvr>
+    <a:masterClrMapping/>
+  </p:clrMapOvr>
+</p:notes>
+</file>
+
+<file path=ppt/notesSlides/notesSlide22.xml><?xml version="1.0" encoding="utf-8"?>
+<p:notes xmlns:a="http://schemas.openxmlformats.org/drawingml/2006/main" xmlns:r="http://schemas.openxmlformats.org/officeDocument/2006/relationships" xmlns:p="http://schemas.openxmlformats.org/presentationml/2006/main">
+  <p:cSld>
+    <p:spTree>
+      <p:nvGrpSpPr>
+        <p:cNvPr id="1" name=""/>
+        <p:cNvGrpSpPr/>
+        <p:nvPr/>
+      </p:nvGrpSpPr>
+      <p:grpSpPr>
+        <a:xfrm>
+          <a:off x="0" y="0"/>
+          <a:ext cx="0" cy="0"/>
+          <a:chOff x="0" y="0"/>
+          <a:chExt cx="0" cy="0"/>
+        </a:xfrm>
+      </p:grpSpPr>
+      <p:sp>
+        <p:nvSpPr>
+          <p:cNvPr id="2" name="Slide Image Placeholder 1"/>
+          <p:cNvSpPr>
+            <a:spLocks noGrp="1" noRot="1" noChangeAspect="1"/>
+          </p:cNvSpPr>
+          <p:nvPr>
+            <p:ph type="sldImg"/>
+          </p:nvPr>
+        </p:nvSpPr>
+        <p:spPr/>
+      </p:sp>
+      <p:sp>
+        <p:nvSpPr>
+          <p:cNvPr id="3" name="Notes Placeholder 2"/>
+          <p:cNvSpPr>
+            <a:spLocks noGrp="1"/>
+          </p:cNvSpPr>
+          <p:nvPr>
+            <p:ph type="body" idx="1"/>
+          </p:nvPr>
+        </p:nvSpPr>
+        <p:spPr/>
+        <p:txBody>
+          <a:bodyPr/>
+          <a:lstStyle/>
+          <a:p>
+            <a:endParaRPr lang="en-US" dirty="0"/>
+          </a:p>
+        </p:txBody>
+      </p:sp>
+      <p:sp>
+        <p:nvSpPr>
+          <p:cNvPr id="6" name="Slide Number Placeholder 5"/>
+          <p:cNvSpPr>
+            <a:spLocks noGrp="1"/>
+          </p:cNvSpPr>
+          <p:nvPr>
+            <p:ph type="sldNum" sz="quarter" idx="12"/>
+          </p:nvPr>
+        </p:nvSpPr>
+        <p:spPr/>
+        <p:txBody>
+          <a:bodyPr/>
+          <a:lstStyle/>
+          <a:p>
+            <a:fld id="{B4008EB6-D09E-4580-8CD6-DDB14511944F}" type="slidenum">
+              <a:rPr lang="en-US" smtClean="0"/>
+              <a:pPr/>
+              <a:t>22</a:t>
+            </a:fld>
+            <a:endParaRPr lang="en-US" dirty="0"/>
+          </a:p>
+        </p:txBody>
+      </p:sp>
+      <p:sp>
+        <p:nvSpPr>
+          <p:cNvPr id="10" name="Date Placeholder 9"/>
+          <p:cNvSpPr>
+            <a:spLocks noGrp="1"/>
+          </p:cNvSpPr>
+          <p:nvPr>
+            <p:ph type="dt" idx="13"/>
+          </p:nvPr>
+        </p:nvSpPr>
+        <p:spPr/>
+        <p:txBody>
+          <a:bodyPr/>
+          <a:lstStyle/>
+          <a:p>
+            <a:fld id="{D44C3489-8257-4E60-994D-6A5CEE67ED71}" type="datetime8">
+              <a:rPr lang="en-US" smtClean="0"/>
+              <a:t>9/23/2023 11:34 PM</a:t>
+            </a:fld>
+            <a:endParaRPr lang="en-US" dirty="0"/>
+          </a:p>
+        </p:txBody>
+      </p:sp>
+      <p:sp>
+        <p:nvSpPr>
+          <p:cNvPr id="4" name="Footer Placeholder 3"/>
+          <p:cNvSpPr>
+            <a:spLocks noGrp="1"/>
+          </p:cNvSpPr>
+          <p:nvPr>
+            <p:ph type="ftr" sz="quarter" idx="14"/>
+          </p:nvPr>
+        </p:nvSpPr>
+        <p:spPr/>
+        <p:txBody>
+          <a:bodyPr/>
+          <a:lstStyle/>
+          <a:p>
+            <a:pPr defTabSz="914099" eaLnBrk="0" hangingPunct="0"/>
+            <a:r>
+              <a:rPr lang="en-US" sz="400" dirty="0">
+                <a:gradFill>
+                  <a:gsLst>
+                    <a:gs pos="0">
+                      <a:prstClr val="black"/>
+                    </a:gs>
+                    <a:gs pos="100000">
+                      <a:prstClr val="black"/>
+                    </a:gs>
+                  </a:gsLst>
+                  <a:lin ang="5400000" scaled="0"/>
+                </a:gradFill>
+                <a:latin typeface="Segoe UI" pitchFamily="34" charset="0"/>
+                <a:ea typeface="Segoe UI" pitchFamily="34" charset="0"/>
+                <a:cs typeface="Segoe UI" pitchFamily="34" charset="0"/>
+              </a:rPr>
+              <a:t>© Microsoft Corporation. All rights reserved. MICROSOFT MAKES NO WARRANTIES, EXPRESS, IMPLIED OR STATUTORY, AS TO THE INFORMATION IN THIS PRESENTATION.</a:t>
+            </a:r>
+          </a:p>
+        </p:txBody>
+      </p:sp>
+      <p:sp>
+        <p:nvSpPr>
+          <p:cNvPr id="5" name="Header Placeholder 4"/>
+          <p:cNvSpPr>
+            <a:spLocks noGrp="1"/>
+          </p:cNvSpPr>
+          <p:nvPr>
+            <p:ph type="hdr" sz="quarter" idx="15"/>
+          </p:nvPr>
+        </p:nvSpPr>
+        <p:spPr/>
+        <p:txBody>
+          <a:bodyPr/>
+          <a:lstStyle/>
+          <a:p>
+            <a:endParaRPr lang="en-US" dirty="0"/>
+          </a:p>
+        </p:txBody>
+      </p:sp>
+    </p:spTree>
+    <p:extLst>
+      <p:ext uri="{BB962C8B-B14F-4D97-AF65-F5344CB8AC3E}">
+        <p14:creationId xmlns:p14="http://schemas.microsoft.com/office/powerpoint/2010/main" val="2300152402"/>
+      </p:ext>
+    </p:extLst>
+  </p:cSld>
+  <p:clrMapOvr>
+    <a:masterClrMapping/>
+  </p:clrMapOvr>
+</p:notes>
+</file>
+
+<file path=ppt/notesSlides/notesSlide23.xml><?xml version="1.0" encoding="utf-8"?>
+<p:notes xmlns:a="http://schemas.openxmlformats.org/drawingml/2006/main" xmlns:r="http://schemas.openxmlformats.org/officeDocument/2006/relationships" xmlns:p="http://schemas.openxmlformats.org/presentationml/2006/main">
+  <p:cSld>
+    <p:spTree>
+      <p:nvGrpSpPr>
+        <p:cNvPr id="1" name=""/>
+        <p:cNvGrpSpPr/>
+        <p:nvPr/>
+      </p:nvGrpSpPr>
+      <p:grpSpPr>
+        <a:xfrm>
+          <a:off x="0" y="0"/>
+          <a:ext cx="0" cy="0"/>
+          <a:chOff x="0" y="0"/>
+          <a:chExt cx="0" cy="0"/>
+        </a:xfrm>
+      </p:grpSpPr>
+      <p:sp>
+        <p:nvSpPr>
+          <p:cNvPr id="2" name="Slide Image Placeholder 1"/>
+          <p:cNvSpPr>
+            <a:spLocks noGrp="1" noRot="1" noChangeAspect="1"/>
+          </p:cNvSpPr>
+          <p:nvPr>
+            <p:ph type="sldImg"/>
+          </p:nvPr>
+        </p:nvSpPr>
+        <p:spPr/>
+      </p:sp>
+      <p:sp>
+        <p:nvSpPr>
+          <p:cNvPr id="3" name="Notes Placeholder 2"/>
+          <p:cNvSpPr>
+            <a:spLocks noGrp="1"/>
+          </p:cNvSpPr>
+          <p:nvPr>
+            <p:ph type="body" idx="1"/>
+          </p:nvPr>
+        </p:nvSpPr>
+        <p:spPr/>
+        <p:txBody>
+          <a:bodyPr/>
+          <a:lstStyle/>
+          <a:p>
+            <a:endParaRPr lang="en-US" dirty="0"/>
+          </a:p>
+        </p:txBody>
+      </p:sp>
+      <p:sp>
+        <p:nvSpPr>
+          <p:cNvPr id="6" name="Slide Number Placeholder 5"/>
+          <p:cNvSpPr>
+            <a:spLocks noGrp="1"/>
+          </p:cNvSpPr>
+          <p:nvPr>
+            <p:ph type="sldNum" sz="quarter" idx="12"/>
+          </p:nvPr>
+        </p:nvSpPr>
+        <p:spPr/>
+        <p:txBody>
+          <a:bodyPr/>
+          <a:lstStyle/>
+          <a:p>
+            <a:fld id="{B4008EB6-D09E-4580-8CD6-DDB14511944F}" type="slidenum">
+              <a:rPr lang="en-US" smtClean="0"/>
+              <a:pPr/>
+              <a:t>23</a:t>
+            </a:fld>
+            <a:endParaRPr lang="en-US" dirty="0"/>
+          </a:p>
+        </p:txBody>
+      </p:sp>
+      <p:sp>
+        <p:nvSpPr>
+          <p:cNvPr id="10" name="Date Placeholder 9"/>
+          <p:cNvSpPr>
+            <a:spLocks noGrp="1"/>
+          </p:cNvSpPr>
+          <p:nvPr>
+            <p:ph type="dt" idx="13"/>
+          </p:nvPr>
+        </p:nvSpPr>
+        <p:spPr/>
+        <p:txBody>
+          <a:bodyPr/>
+          <a:lstStyle/>
+          <a:p>
+            <a:fld id="{D44C3489-8257-4E60-994D-6A5CEE67ED71}" type="datetime8">
+              <a:rPr lang="en-US" smtClean="0"/>
+              <a:t>9/23/2023 11:34 PM</a:t>
+            </a:fld>
+            <a:endParaRPr lang="en-US" dirty="0"/>
+          </a:p>
+        </p:txBody>
+      </p:sp>
+      <p:sp>
+        <p:nvSpPr>
+          <p:cNvPr id="4" name="Footer Placeholder 3"/>
+          <p:cNvSpPr>
+            <a:spLocks noGrp="1"/>
+          </p:cNvSpPr>
+          <p:nvPr>
+            <p:ph type="ftr" sz="quarter" idx="14"/>
+          </p:nvPr>
+        </p:nvSpPr>
+        <p:spPr/>
+        <p:txBody>
+          <a:bodyPr/>
+          <a:lstStyle/>
+          <a:p>
+            <a:pPr defTabSz="914099" eaLnBrk="0" hangingPunct="0"/>
+            <a:r>
+              <a:rPr lang="en-US" sz="400" dirty="0">
+                <a:gradFill>
+                  <a:gsLst>
+                    <a:gs pos="0">
+                      <a:prstClr val="black"/>
+                    </a:gs>
+                    <a:gs pos="100000">
+                      <a:prstClr val="black"/>
+                    </a:gs>
+                  </a:gsLst>
+                  <a:lin ang="5400000" scaled="0"/>
+                </a:gradFill>
+                <a:latin typeface="Segoe UI" pitchFamily="34" charset="0"/>
+                <a:ea typeface="Segoe UI" pitchFamily="34" charset="0"/>
+                <a:cs typeface="Segoe UI" pitchFamily="34" charset="0"/>
+              </a:rPr>
+              <a:t>© Microsoft Corporation. All rights reserved. MICROSOFT MAKES NO WARRANTIES, EXPRESS, IMPLIED OR STATUTORY, AS TO THE INFORMATION IN THIS PRESENTATION.</a:t>
+            </a:r>
+          </a:p>
+        </p:txBody>
+      </p:sp>
+      <p:sp>
+        <p:nvSpPr>
+          <p:cNvPr id="5" name="Header Placeholder 4"/>
+          <p:cNvSpPr>
+            <a:spLocks noGrp="1"/>
+          </p:cNvSpPr>
+          <p:nvPr>
+            <p:ph type="hdr" sz="quarter" idx="15"/>
+          </p:nvPr>
+        </p:nvSpPr>
+        <p:spPr/>
+        <p:txBody>
+          <a:bodyPr/>
+          <a:lstStyle/>
+          <a:p>
+            <a:endParaRPr lang="en-US" dirty="0"/>
+          </a:p>
+        </p:txBody>
+      </p:sp>
+    </p:spTree>
+    <p:extLst>
+      <p:ext uri="{BB962C8B-B14F-4D97-AF65-F5344CB8AC3E}">
+        <p14:creationId xmlns:p14="http://schemas.microsoft.com/office/powerpoint/2010/main" val="945898321"/>
+      </p:ext>
+    </p:extLst>
+  </p:cSld>
+  <p:clrMapOvr>
+    <a:masterClrMapping/>
+  </p:clrMapOvr>
+</p:notes>
+</file>
+
+<file path=ppt/notesSlides/notesSlide24.xml><?xml version="1.0" encoding="utf-8"?>
+<p:notes xmlns:a="http://schemas.openxmlformats.org/drawingml/2006/main" xmlns:r="http://schemas.openxmlformats.org/officeDocument/2006/relationships" xmlns:p="http://schemas.openxmlformats.org/presentationml/2006/main">
+  <p:cSld>
+    <p:spTree>
+      <p:nvGrpSpPr>
+        <p:cNvPr id="1" name=""/>
+        <p:cNvGrpSpPr/>
+        <p:nvPr/>
+      </p:nvGrpSpPr>
+      <p:grpSpPr>
+        <a:xfrm>
+          <a:off x="0" y="0"/>
+          <a:ext cx="0" cy="0"/>
+          <a:chOff x="0" y="0"/>
+          <a:chExt cx="0" cy="0"/>
+        </a:xfrm>
+      </p:grpSpPr>
+      <p:sp>
+        <p:nvSpPr>
+          <p:cNvPr id="2" name="Slide Image Placeholder 1"/>
+          <p:cNvSpPr>
+            <a:spLocks noGrp="1" noRot="1" noChangeAspect="1"/>
+          </p:cNvSpPr>
+          <p:nvPr>
+            <p:ph type="sldImg"/>
+          </p:nvPr>
+        </p:nvSpPr>
+        <p:spPr/>
+      </p:sp>
+      <p:sp>
+        <p:nvSpPr>
+          <p:cNvPr id="3" name="Notes Placeholder 2"/>
+          <p:cNvSpPr>
+            <a:spLocks noGrp="1"/>
+          </p:cNvSpPr>
+          <p:nvPr>
+            <p:ph type="body" idx="1"/>
+          </p:nvPr>
+        </p:nvSpPr>
+        <p:spPr/>
+        <p:txBody>
+          <a:bodyPr/>
+          <a:lstStyle/>
+          <a:p>
+            <a:endParaRPr lang="en-US" dirty="0"/>
+          </a:p>
+        </p:txBody>
+      </p:sp>
+      <p:sp>
+        <p:nvSpPr>
+          <p:cNvPr id="6" name="Slide Number Placeholder 5"/>
+          <p:cNvSpPr>
+            <a:spLocks noGrp="1"/>
+          </p:cNvSpPr>
+          <p:nvPr>
+            <p:ph type="sldNum" sz="quarter" idx="12"/>
+          </p:nvPr>
+        </p:nvSpPr>
+        <p:spPr/>
+        <p:txBody>
+          <a:bodyPr/>
+          <a:lstStyle/>
+          <a:p>
+            <a:fld id="{B4008EB6-D09E-4580-8CD6-DDB14511944F}" type="slidenum">
+              <a:rPr lang="en-US" smtClean="0"/>
+              <a:pPr/>
+              <a:t>24</a:t>
+            </a:fld>
+            <a:endParaRPr lang="en-US" dirty="0"/>
+          </a:p>
+        </p:txBody>
+      </p:sp>
+      <p:sp>
+        <p:nvSpPr>
+          <p:cNvPr id="10" name="Date Placeholder 9"/>
+          <p:cNvSpPr>
+            <a:spLocks noGrp="1"/>
+          </p:cNvSpPr>
+          <p:nvPr>
+            <p:ph type="dt" idx="13"/>
+          </p:nvPr>
+        </p:nvSpPr>
+        <p:spPr/>
+        <p:txBody>
+          <a:bodyPr/>
+          <a:lstStyle/>
+          <a:p>
+            <a:fld id="{D44C3489-8257-4E60-994D-6A5CEE67ED71}" type="datetime8">
+              <a:rPr lang="en-US" smtClean="0"/>
+              <a:t>9/23/2023 11:34 PM</a:t>
+            </a:fld>
+            <a:endParaRPr lang="en-US" dirty="0"/>
+          </a:p>
+        </p:txBody>
+      </p:sp>
+      <p:sp>
+        <p:nvSpPr>
+          <p:cNvPr id="4" name="Footer Placeholder 3"/>
+          <p:cNvSpPr>
+            <a:spLocks noGrp="1"/>
+          </p:cNvSpPr>
+          <p:nvPr>
+            <p:ph type="ftr" sz="quarter" idx="14"/>
+          </p:nvPr>
+        </p:nvSpPr>
+        <p:spPr/>
+        <p:txBody>
+          <a:bodyPr/>
+          <a:lstStyle/>
+          <a:p>
+            <a:pPr defTabSz="914099" eaLnBrk="0" hangingPunct="0"/>
+            <a:r>
+              <a:rPr lang="en-US" sz="400" dirty="0">
+                <a:gradFill>
+                  <a:gsLst>
+                    <a:gs pos="0">
+                      <a:prstClr val="black"/>
+                    </a:gs>
+                    <a:gs pos="100000">
+                      <a:prstClr val="black"/>
+                    </a:gs>
+                  </a:gsLst>
+                  <a:lin ang="5400000" scaled="0"/>
+                </a:gradFill>
+                <a:latin typeface="Segoe UI" pitchFamily="34" charset="0"/>
+                <a:ea typeface="Segoe UI" pitchFamily="34" charset="0"/>
+                <a:cs typeface="Segoe UI" pitchFamily="34" charset="0"/>
+              </a:rPr>
+              <a:t>© Microsoft Corporation. All rights reserved. MICROSOFT MAKES NO WARRANTIES, EXPRESS, IMPLIED OR STATUTORY, AS TO THE INFORMATION IN THIS PRESENTATION.</a:t>
+            </a:r>
+          </a:p>
+        </p:txBody>
+      </p:sp>
+      <p:sp>
+        <p:nvSpPr>
+          <p:cNvPr id="5" name="Header Placeholder 4"/>
+          <p:cNvSpPr>
+            <a:spLocks noGrp="1"/>
+          </p:cNvSpPr>
+          <p:nvPr>
+            <p:ph type="hdr" sz="quarter" idx="15"/>
+          </p:nvPr>
+        </p:nvSpPr>
+        <p:spPr/>
+        <p:txBody>
+          <a:bodyPr/>
+          <a:lstStyle/>
+          <a:p>
+            <a:endParaRPr lang="en-US" dirty="0"/>
+          </a:p>
+        </p:txBody>
+      </p:sp>
+    </p:spTree>
+    <p:extLst>
+      <p:ext uri="{BB962C8B-B14F-4D97-AF65-F5344CB8AC3E}">
+        <p14:creationId xmlns:p14="http://schemas.microsoft.com/office/powerpoint/2010/main" val="973484404"/>
+      </p:ext>
+    </p:extLst>
+  </p:cSld>
+  <p:clrMapOvr>
+    <a:masterClrMapping/>
+  </p:clrMapOvr>
+</p:notes>
+</file>
+
+<file path=ppt/notesSlides/notesSlide25.xml><?xml version="1.0" encoding="utf-8"?>
+<p:notes xmlns:a="http://schemas.openxmlformats.org/drawingml/2006/main" xmlns:r="http://schemas.openxmlformats.org/officeDocument/2006/relationships" xmlns:p="http://schemas.openxmlformats.org/presentationml/2006/main">
+  <p:cSld>
+    <p:spTree>
+      <p:nvGrpSpPr>
+        <p:cNvPr id="1" name=""/>
+        <p:cNvGrpSpPr/>
+        <p:nvPr/>
+      </p:nvGrpSpPr>
+      <p:grpSpPr>
+        <a:xfrm>
+          <a:off x="0" y="0"/>
+          <a:ext cx="0" cy="0"/>
+          <a:chOff x="0" y="0"/>
+          <a:chExt cx="0" cy="0"/>
+        </a:xfrm>
+      </p:grpSpPr>
+      <p:sp>
+        <p:nvSpPr>
+          <p:cNvPr id="2" name="Slide Image Placeholder 1"/>
+          <p:cNvSpPr>
+            <a:spLocks noGrp="1" noRot="1" noChangeAspect="1"/>
+          </p:cNvSpPr>
+          <p:nvPr>
+            <p:ph type="sldImg"/>
+          </p:nvPr>
+        </p:nvSpPr>
+        <p:spPr/>
+      </p:sp>
+      <p:sp>
+        <p:nvSpPr>
+          <p:cNvPr id="3" name="Notes Placeholder 2"/>
+          <p:cNvSpPr>
+            <a:spLocks noGrp="1"/>
+          </p:cNvSpPr>
+          <p:nvPr>
+            <p:ph type="body" idx="1"/>
+          </p:nvPr>
+        </p:nvSpPr>
+        <p:spPr/>
+        <p:txBody>
+          <a:bodyPr/>
+          <a:lstStyle/>
+          <a:p>
+            <a:endParaRPr lang="en-US" dirty="0"/>
+          </a:p>
+        </p:txBody>
+      </p:sp>
+      <p:sp>
+        <p:nvSpPr>
+          <p:cNvPr id="6" name="Slide Number Placeholder 5"/>
+          <p:cNvSpPr>
+            <a:spLocks noGrp="1"/>
+          </p:cNvSpPr>
+          <p:nvPr>
+            <p:ph type="sldNum" sz="quarter" idx="12"/>
+          </p:nvPr>
+        </p:nvSpPr>
+        <p:spPr/>
+        <p:txBody>
+          <a:bodyPr/>
+          <a:lstStyle/>
+          <a:p>
+            <a:fld id="{B4008EB6-D09E-4580-8CD6-DDB14511944F}" type="slidenum">
+              <a:rPr lang="en-US" smtClean="0"/>
+              <a:pPr/>
+              <a:t>25</a:t>
+            </a:fld>
+            <a:endParaRPr lang="en-US" dirty="0"/>
+          </a:p>
+        </p:txBody>
+      </p:sp>
+      <p:sp>
+        <p:nvSpPr>
+          <p:cNvPr id="10" name="Date Placeholder 9"/>
+          <p:cNvSpPr>
+            <a:spLocks noGrp="1"/>
+          </p:cNvSpPr>
+          <p:nvPr>
+            <p:ph type="dt" idx="13"/>
+          </p:nvPr>
+        </p:nvSpPr>
+        <p:spPr/>
+        <p:txBody>
+          <a:bodyPr/>
+          <a:lstStyle/>
+          <a:p>
+            <a:fld id="{D44C3489-8257-4E60-994D-6A5CEE67ED71}" type="datetime8">
+              <a:rPr lang="en-US" smtClean="0"/>
+              <a:t>9/23/2023 11:34 PM</a:t>
+            </a:fld>
+            <a:endParaRPr lang="en-US" dirty="0"/>
+          </a:p>
+        </p:txBody>
+      </p:sp>
+      <p:sp>
+        <p:nvSpPr>
+          <p:cNvPr id="4" name="Footer Placeholder 3"/>
+          <p:cNvSpPr>
+            <a:spLocks noGrp="1"/>
+          </p:cNvSpPr>
+          <p:nvPr>
+            <p:ph type="ftr" sz="quarter" idx="14"/>
+          </p:nvPr>
+        </p:nvSpPr>
+        <p:spPr/>
+        <p:txBody>
+          <a:bodyPr/>
+          <a:lstStyle/>
+          <a:p>
+            <a:pPr defTabSz="914099" eaLnBrk="0" hangingPunct="0"/>
+            <a:r>
+              <a:rPr lang="en-US" sz="400" dirty="0">
+                <a:gradFill>
+                  <a:gsLst>
+                    <a:gs pos="0">
+                      <a:prstClr val="black"/>
+                    </a:gs>
+                    <a:gs pos="100000">
+                      <a:prstClr val="black"/>
+                    </a:gs>
+                  </a:gsLst>
+                  <a:lin ang="5400000" scaled="0"/>
+                </a:gradFill>
+                <a:latin typeface="Segoe UI" pitchFamily="34" charset="0"/>
+                <a:ea typeface="Segoe UI" pitchFamily="34" charset="0"/>
+                <a:cs typeface="Segoe UI" pitchFamily="34" charset="0"/>
+              </a:rPr>
+              <a:t>© Microsoft Corporation. All rights reserved. MICROSOFT MAKES NO WARRANTIES, EXPRESS, IMPLIED OR STATUTORY, AS TO THE INFORMATION IN THIS PRESENTATION.</a:t>
+            </a:r>
+          </a:p>
+        </p:txBody>
+      </p:sp>
+      <p:sp>
+        <p:nvSpPr>
+          <p:cNvPr id="5" name="Header Placeholder 4"/>
+          <p:cNvSpPr>
+            <a:spLocks noGrp="1"/>
+          </p:cNvSpPr>
+          <p:nvPr>
+            <p:ph type="hdr" sz="quarter" idx="15"/>
+          </p:nvPr>
+        </p:nvSpPr>
+        <p:spPr/>
+        <p:txBody>
+          <a:bodyPr/>
+          <a:lstStyle/>
+          <a:p>
+            <a:endParaRPr lang="en-US" dirty="0"/>
+          </a:p>
+        </p:txBody>
+      </p:sp>
+    </p:spTree>
+    <p:extLst>
+      <p:ext uri="{BB962C8B-B14F-4D97-AF65-F5344CB8AC3E}">
+        <p14:creationId xmlns:p14="http://schemas.microsoft.com/office/powerpoint/2010/main" val="435218024"/>
+      </p:ext>
+    </p:extLst>
+  </p:cSld>
+  <p:clrMapOvr>
+    <a:masterClrMapping/>
+  </p:clrMapOvr>
+</p:notes>
+</file>
+
+<file path=ppt/notesSlides/notesSlide26.xml><?xml version="1.0" encoding="utf-8"?>
+<p:notes xmlns:a="http://schemas.openxmlformats.org/drawingml/2006/main" xmlns:r="http://schemas.openxmlformats.org/officeDocument/2006/relationships" xmlns:p="http://schemas.openxmlformats.org/presentationml/2006/main">
+  <p:cSld>
+    <p:spTree>
+      <p:nvGrpSpPr>
+        <p:cNvPr id="1" name=""/>
+        <p:cNvGrpSpPr/>
+        <p:nvPr/>
+      </p:nvGrpSpPr>
+      <p:grpSpPr>
+        <a:xfrm>
+          <a:off x="0" y="0"/>
+          <a:ext cx="0" cy="0"/>
+          <a:chOff x="0" y="0"/>
+          <a:chExt cx="0" cy="0"/>
+        </a:xfrm>
+      </p:grpSpPr>
+      <p:sp>
+        <p:nvSpPr>
+          <p:cNvPr id="2" name="Slide Image Placeholder 1"/>
+          <p:cNvSpPr>
+            <a:spLocks noGrp="1" noRot="1" noChangeAspect="1"/>
+          </p:cNvSpPr>
+          <p:nvPr>
+            <p:ph type="sldImg"/>
+          </p:nvPr>
+        </p:nvSpPr>
+        <p:spPr/>
+      </p:sp>
+      <p:sp>
+        <p:nvSpPr>
+          <p:cNvPr id="3" name="Notes Placeholder 2"/>
+          <p:cNvSpPr>
+            <a:spLocks noGrp="1"/>
+          </p:cNvSpPr>
+          <p:nvPr>
+            <p:ph type="body" idx="1"/>
+          </p:nvPr>
+        </p:nvSpPr>
+        <p:spPr/>
+        <p:txBody>
+          <a:bodyPr/>
+          <a:lstStyle/>
+          <a:p>
+            <a:r>
+              <a:rPr lang="en-US" dirty="0"/>
+              <a:t>Let’s get started with our third and final exercise today which is to working with remotes, </a:t>
+            </a:r>
+          </a:p>
+          <a:p>
+            <a:r>
+              <a:rPr lang="en-US" dirty="0"/>
+              <a:t>In this exercise, we will:</a:t>
+            </a:r>
+          </a:p>
+          <a:p>
+            <a:pPr marL="285750" indent="-285750">
+              <a:lnSpc>
+                <a:spcPts val="2800"/>
+              </a:lnSpc>
+              <a:buFont typeface="Arial" panose="020B0604020202020204" pitchFamily="34" charset="0"/>
+              <a:buChar char="•"/>
+            </a:pPr>
+            <a:r>
+              <a:rPr lang="en-US" dirty="0"/>
+              <a:t>Create a GitHub repository and clone it.</a:t>
+            </a:r>
+          </a:p>
+          <a:p>
+            <a:pPr marL="285750" indent="-285750">
+              <a:lnSpc>
+                <a:spcPts val="2800"/>
+              </a:lnSpc>
+              <a:buFont typeface="Arial" panose="020B0604020202020204" pitchFamily="34" charset="0"/>
+              <a:buChar char="•"/>
+            </a:pPr>
+            <a:r>
+              <a:rPr lang="en-US" dirty="0"/>
+              <a:t>Make changes and push to GitHub.</a:t>
+            </a:r>
+          </a:p>
+          <a:p>
+            <a:pPr marL="285750" indent="-285750">
+              <a:lnSpc>
+                <a:spcPts val="2800"/>
+              </a:lnSpc>
+              <a:buFont typeface="Arial" panose="020B0604020202020204" pitchFamily="34" charset="0"/>
+              <a:buChar char="•"/>
+            </a:pPr>
+            <a:r>
+              <a:rPr lang="en-US" dirty="0"/>
+              <a:t>Makes changes and pull from GitHub.</a:t>
+            </a:r>
+          </a:p>
+          <a:p>
+            <a:pPr marL="285750" indent="-285750">
+              <a:lnSpc>
+                <a:spcPts val="2800"/>
+              </a:lnSpc>
+              <a:buFont typeface="Arial" panose="020B0604020202020204" pitchFamily="34" charset="0"/>
+              <a:buChar char="•"/>
+            </a:pPr>
+            <a:r>
+              <a:rPr lang="en-US" dirty="0"/>
+              <a:t>Fork a  repository and make a pull request.</a:t>
+            </a:r>
+          </a:p>
+        </p:txBody>
+      </p:sp>
+      <p:sp>
+        <p:nvSpPr>
+          <p:cNvPr id="4" name="Slide Number Placeholder 3"/>
+          <p:cNvSpPr>
+            <a:spLocks noGrp="1"/>
+          </p:cNvSpPr>
+          <p:nvPr>
+            <p:ph type="sldNum" sz="quarter" idx="5"/>
+          </p:nvPr>
+        </p:nvSpPr>
+        <p:spPr/>
+        <p:txBody>
+          <a:bodyPr/>
+          <a:lstStyle/>
+          <a:p>
+            <a:fld id="{59D8E94C-5589-4D72-8241-BC981646923E}" type="slidenum">
+              <a:rPr lang="en-US" smtClean="0"/>
+              <a:t>26</a:t>
+            </a:fld>
+            <a:endParaRPr lang="en-US"/>
+          </a:p>
+        </p:txBody>
+      </p:sp>
+    </p:spTree>
+    <p:extLst>
+      <p:ext uri="{BB962C8B-B14F-4D97-AF65-F5344CB8AC3E}">
+        <p14:creationId xmlns:p14="http://schemas.microsoft.com/office/powerpoint/2010/main" val="3413167267"/>
+      </p:ext>
+    </p:extLst>
+  </p:cSld>
+  <p:clrMapOvr>
+    <a:masterClrMapping/>
+  </p:clrMapOvr>
+</p:notes>
+</file>
+
+<file path=ppt/notesSlides/notesSlide27.xml><?xml version="1.0" encoding="utf-8"?>
+<p:notes xmlns:a="http://schemas.openxmlformats.org/drawingml/2006/main" xmlns:r="http://schemas.openxmlformats.org/officeDocument/2006/relationships" xmlns:p="http://schemas.openxmlformats.org/presentationml/2006/main">
+  <p:cSld>
+    <p:spTree>
+      <p:nvGrpSpPr>
+        <p:cNvPr id="1" name=""/>
+        <p:cNvGrpSpPr/>
+        <p:nvPr/>
+      </p:nvGrpSpPr>
+      <p:grpSpPr>
+        <a:xfrm>
+          <a:off x="0" y="0"/>
+          <a:ext cx="0" cy="0"/>
+          <a:chOff x="0" y="0"/>
+          <a:chExt cx="0" cy="0"/>
+        </a:xfrm>
+      </p:grpSpPr>
+      <p:sp>
+        <p:nvSpPr>
+          <p:cNvPr id="2" name="Slide Image Placeholder 1"/>
+          <p:cNvSpPr>
+            <a:spLocks noGrp="1" noRot="1" noChangeAspect="1"/>
+          </p:cNvSpPr>
+          <p:nvPr>
+            <p:ph type="sldImg"/>
+          </p:nvPr>
+        </p:nvSpPr>
+        <p:spPr/>
+      </p:sp>
+      <p:sp>
+        <p:nvSpPr>
+          <p:cNvPr id="3" name="Notes Placeholder 2"/>
+          <p:cNvSpPr>
+            <a:spLocks noGrp="1"/>
+          </p:cNvSpPr>
+          <p:nvPr>
+            <p:ph type="body" idx="1"/>
+          </p:nvPr>
+        </p:nvSpPr>
+        <p:spPr/>
+        <p:txBody>
+          <a:bodyPr/>
+          <a:lstStyle/>
+          <a:p>
+            <a:r>
+              <a:rPr lang="en-US" dirty="0"/>
+              <a:t>So, Again How does git work? But now with GitHub?</a:t>
+            </a:r>
+          </a:p>
+          <a:p>
+            <a:r>
+              <a:rPr lang="en-US" dirty="0"/>
+              <a:t>There is something new that has been introduced to us which is the remote repository and in our case it’s GitHub.</a:t>
+            </a:r>
+          </a:p>
+          <a:p>
+            <a:r>
+              <a:rPr lang="en-US" dirty="0"/>
+              <a:t>This remote repository can be used to host our code online so, I can ship my code not just to my local repository but also online to the cloud to share it with others either in a private repository or a public repository which is open to everyone for contribution and for me to move my code from the local repository to the remote repository I have to use a command called git push!</a:t>
+            </a:r>
+          </a:p>
+        </p:txBody>
+      </p:sp>
+      <p:sp>
+        <p:nvSpPr>
+          <p:cNvPr id="6" name="Slide Number Placeholder 5"/>
+          <p:cNvSpPr>
+            <a:spLocks noGrp="1"/>
+          </p:cNvSpPr>
+          <p:nvPr>
+            <p:ph type="sldNum" sz="quarter" idx="12"/>
+          </p:nvPr>
+        </p:nvSpPr>
+        <p:spPr/>
+        <p:txBody>
+          <a:bodyPr/>
+          <a:lstStyle/>
+          <a:p>
+            <a:fld id="{B4008EB6-D09E-4580-8CD6-DDB14511944F}" type="slidenum">
+              <a:rPr lang="en-US" smtClean="0"/>
+              <a:pPr/>
+              <a:t>27</a:t>
+            </a:fld>
+            <a:endParaRPr lang="en-US" dirty="0"/>
+          </a:p>
+        </p:txBody>
+      </p:sp>
+      <p:sp>
+        <p:nvSpPr>
+          <p:cNvPr id="10" name="Date Placeholder 9"/>
+          <p:cNvSpPr>
+            <a:spLocks noGrp="1"/>
+          </p:cNvSpPr>
+          <p:nvPr>
+            <p:ph type="dt" idx="13"/>
+          </p:nvPr>
+        </p:nvSpPr>
+        <p:spPr/>
+        <p:txBody>
+          <a:bodyPr/>
+          <a:lstStyle/>
+          <a:p>
+            <a:fld id="{D44C3489-8257-4E60-994D-6A5CEE67ED71}" type="datetime8">
+              <a:rPr lang="en-US" smtClean="0"/>
+              <a:t>9/23/2023 11:34 PM</a:t>
+            </a:fld>
+            <a:endParaRPr lang="en-US" dirty="0"/>
+          </a:p>
+        </p:txBody>
+      </p:sp>
+      <p:sp>
+        <p:nvSpPr>
+          <p:cNvPr id="4" name="Footer Placeholder 3"/>
+          <p:cNvSpPr>
+            <a:spLocks noGrp="1"/>
+          </p:cNvSpPr>
+          <p:nvPr>
+            <p:ph type="ftr" sz="quarter" idx="14"/>
+          </p:nvPr>
+        </p:nvSpPr>
+        <p:spPr/>
+        <p:txBody>
+          <a:bodyPr/>
+          <a:lstStyle/>
+          <a:p>
+            <a:pPr defTabSz="914099" eaLnBrk="0" hangingPunct="0"/>
+            <a:r>
+              <a:rPr lang="en-US" sz="400" dirty="0">
+                <a:gradFill>
+                  <a:gsLst>
+                    <a:gs pos="0">
+                      <a:prstClr val="black"/>
+                    </a:gs>
+                    <a:gs pos="100000">
+                      <a:prstClr val="black"/>
+                    </a:gs>
+                  </a:gsLst>
+                  <a:lin ang="5400000" scaled="0"/>
+                </a:gradFill>
+                <a:latin typeface="Segoe UI" pitchFamily="34" charset="0"/>
+                <a:ea typeface="Segoe UI" pitchFamily="34" charset="0"/>
+                <a:cs typeface="Segoe UI" pitchFamily="34" charset="0"/>
+              </a:rPr>
+              <a:t>© Microsoft Corporation. All rights reserved. MICROSOFT MAKES NO WARRANTIES, EXPRESS, IMPLIED OR STATUTORY, AS TO THE INFORMATION IN THIS PRESENTATION.</a:t>
+            </a:r>
+          </a:p>
+        </p:txBody>
+      </p:sp>
+      <p:sp>
+        <p:nvSpPr>
+          <p:cNvPr id="5" name="Header Placeholder 4"/>
+          <p:cNvSpPr>
+            <a:spLocks noGrp="1"/>
+          </p:cNvSpPr>
+          <p:nvPr>
+            <p:ph type="hdr" sz="quarter" idx="15"/>
+          </p:nvPr>
+        </p:nvSpPr>
+        <p:spPr/>
+        <p:txBody>
+          <a:bodyPr/>
+          <a:lstStyle/>
+          <a:p>
+            <a:endParaRPr lang="en-US" dirty="0"/>
+          </a:p>
+        </p:txBody>
+      </p:sp>
+    </p:spTree>
+    <p:extLst>
+      <p:ext uri="{BB962C8B-B14F-4D97-AF65-F5344CB8AC3E}">
+        <p14:creationId xmlns:p14="http://schemas.microsoft.com/office/powerpoint/2010/main" val="4124742762"/>
+      </p:ext>
+    </p:extLst>
+  </p:cSld>
+  <p:clrMapOvr>
+    <a:masterClrMapping/>
+  </p:clrMapOvr>
+</p:notes>
+</file>
+
+<file path=ppt/notesSlides/notesSlide28.xml><?xml version="1.0" encoding="utf-8"?>
+<p:notes xmlns:a="http://schemas.openxmlformats.org/drawingml/2006/main" xmlns:r="http://schemas.openxmlformats.org/officeDocument/2006/relationships" xmlns:p="http://schemas.openxmlformats.org/presentationml/2006/main">
+  <p:cSld>
+    <p:spTree>
+      <p:nvGrpSpPr>
+        <p:cNvPr id="1" name=""/>
+        <p:cNvGrpSpPr/>
+        <p:nvPr/>
+      </p:nvGrpSpPr>
+      <p:grpSpPr>
+        <a:xfrm>
+          <a:off x="0" y="0"/>
+          <a:ext cx="0" cy="0"/>
+          <a:chOff x="0" y="0"/>
+          <a:chExt cx="0" cy="0"/>
+        </a:xfrm>
+      </p:grpSpPr>
+      <p:sp>
+        <p:nvSpPr>
+          <p:cNvPr id="2" name="Slide Image Placeholder 1"/>
+          <p:cNvSpPr>
+            <a:spLocks noGrp="1" noRot="1" noChangeAspect="1"/>
+          </p:cNvSpPr>
+          <p:nvPr>
+            <p:ph type="sldImg"/>
+          </p:nvPr>
+        </p:nvSpPr>
+        <p:spPr/>
+      </p:sp>
+      <p:sp>
+        <p:nvSpPr>
+          <p:cNvPr id="3" name="Notes Placeholder 2"/>
+          <p:cNvSpPr>
+            <a:spLocks noGrp="1"/>
+          </p:cNvSpPr>
+          <p:nvPr>
+            <p:ph type="body" idx="1"/>
+          </p:nvPr>
+        </p:nvSpPr>
+        <p:spPr/>
+        <p:txBody>
+          <a:bodyPr/>
+          <a:lstStyle/>
+          <a:p>
+            <a:r>
+              <a:rPr lang="en-US" dirty="0"/>
+              <a:t>Let’s push my code</a:t>
+            </a:r>
+          </a:p>
+        </p:txBody>
+      </p:sp>
+      <p:sp>
+        <p:nvSpPr>
+          <p:cNvPr id="6" name="Slide Number Placeholder 5"/>
+          <p:cNvSpPr>
+            <a:spLocks noGrp="1"/>
+          </p:cNvSpPr>
+          <p:nvPr>
+            <p:ph type="sldNum" sz="quarter" idx="12"/>
+          </p:nvPr>
+        </p:nvSpPr>
+        <p:spPr/>
+        <p:txBody>
+          <a:bodyPr/>
+          <a:lstStyle/>
+          <a:p>
+            <a:fld id="{B4008EB6-D09E-4580-8CD6-DDB14511944F}" type="slidenum">
+              <a:rPr lang="en-US" smtClean="0"/>
+              <a:pPr/>
+              <a:t>28</a:t>
+            </a:fld>
+            <a:endParaRPr lang="en-US" dirty="0"/>
+          </a:p>
+        </p:txBody>
+      </p:sp>
+      <p:sp>
+        <p:nvSpPr>
+          <p:cNvPr id="10" name="Date Placeholder 9"/>
+          <p:cNvSpPr>
+            <a:spLocks noGrp="1"/>
+          </p:cNvSpPr>
+          <p:nvPr>
+            <p:ph type="dt" idx="13"/>
+          </p:nvPr>
+        </p:nvSpPr>
+        <p:spPr/>
+        <p:txBody>
+          <a:bodyPr/>
+          <a:lstStyle/>
+          <a:p>
+            <a:fld id="{D44C3489-8257-4E60-994D-6A5CEE67ED71}" type="datetime8">
+              <a:rPr lang="en-US" smtClean="0"/>
+              <a:t>9/23/2023 11:34 PM</a:t>
+            </a:fld>
+            <a:endParaRPr lang="en-US" dirty="0"/>
+          </a:p>
+        </p:txBody>
+      </p:sp>
+      <p:sp>
+        <p:nvSpPr>
+          <p:cNvPr id="4" name="Footer Placeholder 3"/>
+          <p:cNvSpPr>
+            <a:spLocks noGrp="1"/>
+          </p:cNvSpPr>
+          <p:nvPr>
+            <p:ph type="ftr" sz="quarter" idx="14"/>
+          </p:nvPr>
+        </p:nvSpPr>
+        <p:spPr/>
+        <p:txBody>
+          <a:bodyPr/>
+          <a:lstStyle/>
+          <a:p>
+            <a:pPr defTabSz="914099" eaLnBrk="0" hangingPunct="0"/>
+            <a:r>
+              <a:rPr lang="en-US" sz="400" dirty="0">
+                <a:gradFill>
+                  <a:gsLst>
+                    <a:gs pos="0">
+                      <a:prstClr val="black"/>
+                    </a:gs>
+                    <a:gs pos="100000">
+                      <a:prstClr val="black"/>
+                    </a:gs>
+                  </a:gsLst>
+                  <a:lin ang="5400000" scaled="0"/>
+                </a:gradFill>
+                <a:latin typeface="Segoe UI" pitchFamily="34" charset="0"/>
+                <a:ea typeface="Segoe UI" pitchFamily="34" charset="0"/>
+                <a:cs typeface="Segoe UI" pitchFamily="34" charset="0"/>
+              </a:rPr>
+              <a:t>© Microsoft Corporation. All rights reserved. MICROSOFT MAKES NO WARRANTIES, EXPRESS, IMPLIED OR STATUTORY, AS TO THE INFORMATION IN THIS PRESENTATION.</a:t>
+            </a:r>
+          </a:p>
+        </p:txBody>
+      </p:sp>
+      <p:sp>
+        <p:nvSpPr>
+          <p:cNvPr id="5" name="Header Placeholder 4"/>
+          <p:cNvSpPr>
+            <a:spLocks noGrp="1"/>
+          </p:cNvSpPr>
+          <p:nvPr>
+            <p:ph type="hdr" sz="quarter" idx="15"/>
+          </p:nvPr>
+        </p:nvSpPr>
+        <p:spPr/>
+        <p:txBody>
+          <a:bodyPr/>
+          <a:lstStyle/>
+          <a:p>
+            <a:endParaRPr lang="en-US" dirty="0"/>
+          </a:p>
+        </p:txBody>
+      </p:sp>
+    </p:spTree>
+    <p:extLst>
+      <p:ext uri="{BB962C8B-B14F-4D97-AF65-F5344CB8AC3E}">
+        <p14:creationId xmlns:p14="http://schemas.microsoft.com/office/powerpoint/2010/main" val="1918191571"/>
+      </p:ext>
+    </p:extLst>
+  </p:cSld>
+  <p:clrMapOvr>
+    <a:masterClrMapping/>
+  </p:clrMapOvr>
+</p:notes>
+</file>
+
+<file path=ppt/notesSlides/notesSlide29.xml><?xml version="1.0" encoding="utf-8"?>
+<p:notes xmlns:a="http://schemas.openxmlformats.org/drawingml/2006/main" xmlns:r="http://schemas.openxmlformats.org/officeDocument/2006/relationships" xmlns:p="http://schemas.openxmlformats.org/presentationml/2006/main">
+  <p:cSld>
+    <p:spTree>
+      <p:nvGrpSpPr>
+        <p:cNvPr id="1" name=""/>
+        <p:cNvGrpSpPr/>
+        <p:nvPr/>
+      </p:nvGrpSpPr>
+      <p:grpSpPr>
+        <a:xfrm>
+          <a:off x="0" y="0"/>
+          <a:ext cx="0" cy="0"/>
+          <a:chOff x="0" y="0"/>
+          <a:chExt cx="0" cy="0"/>
+        </a:xfrm>
+      </p:grpSpPr>
+      <p:sp>
+        <p:nvSpPr>
+          <p:cNvPr id="2" name="Slide Image Placeholder 1"/>
+          <p:cNvSpPr>
+            <a:spLocks noGrp="1" noRot="1" noChangeAspect="1"/>
+          </p:cNvSpPr>
+          <p:nvPr>
+            <p:ph type="sldImg"/>
+          </p:nvPr>
+        </p:nvSpPr>
+        <p:spPr/>
+      </p:sp>
+      <p:sp>
+        <p:nvSpPr>
+          <p:cNvPr id="3" name="Notes Placeholder 2"/>
+          <p:cNvSpPr>
+            <a:spLocks noGrp="1"/>
+          </p:cNvSpPr>
+          <p:nvPr>
+            <p:ph type="body" idx="1"/>
+          </p:nvPr>
+        </p:nvSpPr>
+        <p:spPr/>
+        <p:txBody>
+          <a:bodyPr/>
+          <a:lstStyle/>
+          <a:p>
+            <a:r>
+              <a:rPr lang="en-US" dirty="0"/>
+              <a:t>And as you can see the file has been moved to GitHub.</a:t>
+            </a:r>
+          </a:p>
+          <a:p>
+            <a:r>
+              <a:rPr lang="en-US" dirty="0"/>
+              <a:t>But what if it’s the other way around, I have done some changes on the remote repository and want to see these changes locally. </a:t>
+            </a:r>
+          </a:p>
+          <a:p>
+            <a:r>
+              <a:rPr lang="en-US" dirty="0"/>
+              <a:t>I can use another command called git pull.</a:t>
+            </a:r>
+          </a:p>
+        </p:txBody>
+      </p:sp>
+      <p:sp>
+        <p:nvSpPr>
+          <p:cNvPr id="6" name="Slide Number Placeholder 5"/>
+          <p:cNvSpPr>
+            <a:spLocks noGrp="1"/>
+          </p:cNvSpPr>
+          <p:nvPr>
+            <p:ph type="sldNum" sz="quarter" idx="12"/>
+          </p:nvPr>
+        </p:nvSpPr>
+        <p:spPr/>
+        <p:txBody>
+          <a:bodyPr/>
+          <a:lstStyle/>
+          <a:p>
+            <a:fld id="{B4008EB6-D09E-4580-8CD6-DDB14511944F}" type="slidenum">
+              <a:rPr lang="en-US" smtClean="0"/>
+              <a:pPr/>
+              <a:t>29</a:t>
+            </a:fld>
+            <a:endParaRPr lang="en-US" dirty="0"/>
+          </a:p>
+        </p:txBody>
+      </p:sp>
+      <p:sp>
+        <p:nvSpPr>
+          <p:cNvPr id="10" name="Date Placeholder 9"/>
+          <p:cNvSpPr>
+            <a:spLocks noGrp="1"/>
+          </p:cNvSpPr>
+          <p:nvPr>
+            <p:ph type="dt" idx="13"/>
+          </p:nvPr>
+        </p:nvSpPr>
+        <p:spPr/>
+        <p:txBody>
+          <a:bodyPr/>
+          <a:lstStyle/>
+          <a:p>
+            <a:fld id="{D44C3489-8257-4E60-994D-6A5CEE67ED71}" type="datetime8">
+              <a:rPr lang="en-US" smtClean="0"/>
+              <a:t>9/23/2023 11:34 PM</a:t>
+            </a:fld>
+            <a:endParaRPr lang="en-US" dirty="0"/>
+          </a:p>
+        </p:txBody>
+      </p:sp>
+      <p:sp>
+        <p:nvSpPr>
+          <p:cNvPr id="4" name="Footer Placeholder 3"/>
+          <p:cNvSpPr>
+            <a:spLocks noGrp="1"/>
+          </p:cNvSpPr>
+          <p:nvPr>
+            <p:ph type="ftr" sz="quarter" idx="14"/>
+          </p:nvPr>
+        </p:nvSpPr>
+        <p:spPr/>
+        <p:txBody>
+          <a:bodyPr/>
+          <a:lstStyle/>
+          <a:p>
+            <a:pPr defTabSz="914099" eaLnBrk="0" hangingPunct="0"/>
+            <a:r>
+              <a:rPr lang="en-US" sz="400" dirty="0">
+                <a:gradFill>
+                  <a:gsLst>
+                    <a:gs pos="0">
+                      <a:prstClr val="black"/>
+                    </a:gs>
+                    <a:gs pos="100000">
+                      <a:prstClr val="black"/>
+                    </a:gs>
+                  </a:gsLst>
+                  <a:lin ang="5400000" scaled="0"/>
+                </a:gradFill>
+                <a:latin typeface="Segoe UI" pitchFamily="34" charset="0"/>
+                <a:ea typeface="Segoe UI" pitchFamily="34" charset="0"/>
+                <a:cs typeface="Segoe UI" pitchFamily="34" charset="0"/>
+              </a:rPr>
+              <a:t>© Microsoft Corporation. All rights reserved. MICROSOFT MAKES NO WARRANTIES, EXPRESS, IMPLIED OR STATUTORY, AS TO THE INFORMATION IN THIS PRESENTATION.</a:t>
+            </a:r>
+          </a:p>
+        </p:txBody>
+      </p:sp>
+      <p:sp>
+        <p:nvSpPr>
+          <p:cNvPr id="5" name="Header Placeholder 4"/>
+          <p:cNvSpPr>
+            <a:spLocks noGrp="1"/>
+          </p:cNvSpPr>
+          <p:nvPr>
+            <p:ph type="hdr" sz="quarter" idx="15"/>
+          </p:nvPr>
+        </p:nvSpPr>
+        <p:spPr/>
+        <p:txBody>
+          <a:bodyPr/>
+          <a:lstStyle/>
+          <a:p>
+            <a:endParaRPr lang="en-US" dirty="0"/>
+          </a:p>
+        </p:txBody>
+      </p:sp>
+    </p:spTree>
+    <p:extLst>
+      <p:ext uri="{BB962C8B-B14F-4D97-AF65-F5344CB8AC3E}">
+        <p14:creationId xmlns:p14="http://schemas.microsoft.com/office/powerpoint/2010/main" val="168903592"/>
       </p:ext>
     </p:extLst>
   </p:cSld>
@@ -2788,7 +4318,133 @@
           <a:bodyPr/>
           <a:lstStyle/>
           <a:p>
-            <a:endParaRPr lang="en-US" dirty="0"/>
+            <a:r>
+              <a:rPr lang="en-US" dirty="0"/>
+              <a:t>To answer this question let me tell you a little story.</a:t>
+            </a:r>
+          </a:p>
+          <a:p>
+            <a:r>
+              <a:rPr lang="en-US" dirty="0"/>
+              <a:t>Once upon a time, there were two friends playing a game together this game consists of the world map and a small pieces that you use to conquer a piece of land.</a:t>
+            </a:r>
+          </a:p>
+          <a:p>
+            <a:r>
+              <a:rPr lang="en-US" dirty="0"/>
+              <a:t>Each player starts moving his pieces and the player that conquers the biggest piece of land wins.</a:t>
+            </a:r>
+          </a:p>
+          <a:p>
+            <a:r>
+              <a:rPr lang="en-US" dirty="0"/>
+              <a:t>The game takes a lot of time as the players are trying to conquer the whole world so, sometimes they pause the game and continue playing next day.</a:t>
+            </a:r>
+          </a:p>
+          <a:p>
+            <a:r>
+              <a:rPr lang="en-US" dirty="0"/>
+              <a:t>Instead of restarting the game each time they thought of a nice solution which is to keep track of the game state by taking an image of the game board each time they stop playing.</a:t>
+            </a:r>
+          </a:p>
+          <a:p>
+            <a:r>
+              <a:rPr lang="en-US" dirty="0"/>
+              <a:t>This image has the time included in it, who took the image, and the state and location of game pieces in the image which insured that they always have a safe point they can get back to.</a:t>
+            </a:r>
+          </a:p>
+        </p:txBody>
+      </p:sp>
+      <p:sp>
+        <p:nvSpPr>
+          <p:cNvPr id="4" name="Slide Number Placeholder 3"/>
+          <p:cNvSpPr>
+            <a:spLocks noGrp="1"/>
+          </p:cNvSpPr>
+          <p:nvPr>
+            <p:ph type="sldNum" sz="quarter" idx="5"/>
+          </p:nvPr>
+        </p:nvSpPr>
+        <p:spPr/>
+        <p:txBody>
+          <a:bodyPr/>
+          <a:lstStyle/>
+          <a:p>
+            <a:fld id="{59D8E94C-5589-4D72-8241-BC981646923E}" type="slidenum">
+              <a:rPr lang="en-US" smtClean="0"/>
+              <a:t>3</a:t>
+            </a:fld>
+            <a:endParaRPr lang="en-US"/>
+          </a:p>
+        </p:txBody>
+      </p:sp>
+    </p:spTree>
+    <p:extLst>
+      <p:ext uri="{BB962C8B-B14F-4D97-AF65-F5344CB8AC3E}">
+        <p14:creationId xmlns:p14="http://schemas.microsoft.com/office/powerpoint/2010/main" val="1181398250"/>
+      </p:ext>
+    </p:extLst>
+  </p:cSld>
+  <p:clrMapOvr>
+    <a:masterClrMapping/>
+  </p:clrMapOvr>
+</p:notes>
+</file>
+
+<file path=ppt/notesSlides/notesSlide30.xml><?xml version="1.0" encoding="utf-8"?>
+<p:notes xmlns:a="http://schemas.openxmlformats.org/drawingml/2006/main" xmlns:r="http://schemas.openxmlformats.org/officeDocument/2006/relationships" xmlns:p="http://schemas.openxmlformats.org/presentationml/2006/main">
+  <p:cSld>
+    <p:spTree>
+      <p:nvGrpSpPr>
+        <p:cNvPr id="1" name=""/>
+        <p:cNvGrpSpPr/>
+        <p:nvPr/>
+      </p:nvGrpSpPr>
+      <p:grpSpPr>
+        <a:xfrm>
+          <a:off x="0" y="0"/>
+          <a:ext cx="0" cy="0"/>
+          <a:chOff x="0" y="0"/>
+          <a:chExt cx="0" cy="0"/>
+        </a:xfrm>
+      </p:grpSpPr>
+      <p:sp>
+        <p:nvSpPr>
+          <p:cNvPr id="2" name="Slide Image Placeholder 1"/>
+          <p:cNvSpPr>
+            <a:spLocks noGrp="1" noRot="1" noChangeAspect="1"/>
+          </p:cNvSpPr>
+          <p:nvPr>
+            <p:ph type="sldImg"/>
+          </p:nvPr>
+        </p:nvSpPr>
+        <p:spPr/>
+      </p:sp>
+      <p:sp>
+        <p:nvSpPr>
+          <p:cNvPr id="3" name="Notes Placeholder 2"/>
+          <p:cNvSpPr>
+            <a:spLocks noGrp="1"/>
+          </p:cNvSpPr>
+          <p:nvPr>
+            <p:ph type="body" idx="1"/>
+          </p:nvPr>
+        </p:nvSpPr>
+        <p:spPr/>
+        <p:txBody>
+          <a:bodyPr/>
+          <a:lstStyle/>
+          <a:p>
+            <a:r>
+              <a:rPr lang="en-US" dirty="0"/>
+              <a:t>And git pull with take the version of the repository that is hosted on GitHub and download it to your local repository.</a:t>
+            </a:r>
+          </a:p>
+          <a:p>
+            <a:r>
+              <a:rPr lang="en-US" dirty="0"/>
+              <a:t>Let’s see this in action together.</a:t>
+            </a:r>
           </a:p>
         </p:txBody>
       </p:sp>
@@ -2810,7 +4466,7 @@
             <a:fld id="{B4008EB6-D09E-4580-8CD6-DDB14511944F}" type="slidenum">
               <a:rPr lang="en-US" smtClean="0"/>
               <a:pPr/>
-              <a:t>13</a:t>
+              <a:t>30</a:t>
             </a:fld>
             <a:endParaRPr lang="en-US" dirty="0"/>
           </a:p>
@@ -2833,7 +4489,7 @@
           <a:p>
             <a:fld id="{D44C3489-8257-4E60-994D-6A5CEE67ED71}" type="datetime8">
               <a:rPr lang="en-US" smtClean="0"/>
-              <a:t>9/18/2023 12:16 AM</a:t>
+              <a:t>9/23/2023 11:34 PM</a:t>
             </a:fld>
             <a:endParaRPr lang="en-US" dirty="0"/>
           </a:p>
@@ -2899,7 +4555,7 @@
     </p:spTree>
     <p:extLst>
       <p:ext uri="{BB962C8B-B14F-4D97-AF65-F5344CB8AC3E}">
-        <p14:creationId xmlns:p14="http://schemas.microsoft.com/office/powerpoint/2010/main" val="1371671546"/>
+        <p14:creationId xmlns:p14="http://schemas.microsoft.com/office/powerpoint/2010/main" val="2360128096"/>
       </p:ext>
     </p:extLst>
   </p:cSld>
@@ -2953,18 +4609,21 @@
           <a:bodyPr/>
           <a:lstStyle/>
           <a:p>
-            <a:endParaRPr lang="en-US" dirty="0"/>
-          </a:p>
-        </p:txBody>
-      </p:sp>
-      <p:sp>
-        <p:nvSpPr>
-          <p:cNvPr id="6" name="Slide Number Placeholder 5"/>
+            <a:r>
+              <a:rPr lang="en-US" dirty="0"/>
+              <a:t>This concept of a safe point is the idea behind version control as we keep track of different version of our code which might include the time, person who created the version, the state of our code at this exact time.</a:t>
+            </a:r>
+          </a:p>
+        </p:txBody>
+      </p:sp>
+      <p:sp>
+        <p:nvSpPr>
+          <p:cNvPr id="4" name="Slide Number Placeholder 3"/>
           <p:cNvSpPr>
             <a:spLocks noGrp="1"/>
           </p:cNvSpPr>
           <p:nvPr>
-            <p:ph type="sldNum" sz="quarter" idx="12"/>
+            <p:ph type="sldNum" sz="quarter" idx="5"/>
           </p:nvPr>
         </p:nvSpPr>
         <p:spPr/>
@@ -2972,99 +4631,18 @@
           <a:bodyPr/>
           <a:lstStyle/>
           <a:p>
-            <a:fld id="{B4008EB6-D09E-4580-8CD6-DDB14511944F}" type="slidenum">
+            <a:fld id="{59D8E94C-5589-4D72-8241-BC981646923E}" type="slidenum">
               <a:rPr lang="en-US" smtClean="0"/>
-              <a:pPr/>
-              <a:t>14</a:t>
+              <a:t>4</a:t>
             </a:fld>
-            <a:endParaRPr lang="en-US" dirty="0"/>
-          </a:p>
-        </p:txBody>
-      </p:sp>
-      <p:sp>
-        <p:nvSpPr>
-          <p:cNvPr id="10" name="Date Placeholder 9"/>
-          <p:cNvSpPr>
-            <a:spLocks noGrp="1"/>
-          </p:cNvSpPr>
-          <p:nvPr>
-            <p:ph type="dt" idx="13"/>
-          </p:nvPr>
-        </p:nvSpPr>
-        <p:spPr/>
-        <p:txBody>
-          <a:bodyPr/>
-          <a:lstStyle/>
-          <a:p>
-            <a:fld id="{D44C3489-8257-4E60-994D-6A5CEE67ED71}" type="datetime8">
-              <a:rPr lang="en-US" smtClean="0"/>
-              <a:t>9/18/2023 12:16 AM</a:t>
-            </a:fld>
-            <a:endParaRPr lang="en-US" dirty="0"/>
-          </a:p>
-        </p:txBody>
-      </p:sp>
-      <p:sp>
-        <p:nvSpPr>
-          <p:cNvPr id="4" name="Footer Placeholder 3"/>
-          <p:cNvSpPr>
-            <a:spLocks noGrp="1"/>
-          </p:cNvSpPr>
-          <p:nvPr>
-            <p:ph type="ftr" sz="quarter" idx="14"/>
-          </p:nvPr>
-        </p:nvSpPr>
-        <p:spPr/>
-        <p:txBody>
-          <a:bodyPr/>
-          <a:lstStyle/>
-          <a:p>
-            <a:pPr defTabSz="914099" eaLnBrk="0" hangingPunct="0"/>
-            <a:r>
-              <a:rPr lang="en-US" sz="400" dirty="0">
-                <a:gradFill>
-                  <a:gsLst>
-                    <a:gs pos="0">
-                      <a:prstClr val="black"/>
-                    </a:gs>
-                    <a:gs pos="100000">
-                      <a:prstClr val="black"/>
-                    </a:gs>
-                  </a:gsLst>
-                  <a:lin ang="5400000" scaled="0"/>
-                </a:gradFill>
-                <a:latin typeface="Segoe UI" pitchFamily="34" charset="0"/>
-                <a:ea typeface="Segoe UI" pitchFamily="34" charset="0"/>
-                <a:cs typeface="Segoe UI" pitchFamily="34" charset="0"/>
-              </a:rPr>
-              <a:t>© Microsoft Corporation. All rights reserved. MICROSOFT MAKES NO WARRANTIES, EXPRESS, IMPLIED OR STATUTORY, AS TO THE INFORMATION IN THIS PRESENTATION.</a:t>
-            </a:r>
-          </a:p>
-        </p:txBody>
-      </p:sp>
-      <p:sp>
-        <p:nvSpPr>
-          <p:cNvPr id="5" name="Header Placeholder 4"/>
-          <p:cNvSpPr>
-            <a:spLocks noGrp="1"/>
-          </p:cNvSpPr>
-          <p:nvPr>
-            <p:ph type="hdr" sz="quarter" idx="15"/>
-          </p:nvPr>
-        </p:nvSpPr>
-        <p:spPr/>
-        <p:txBody>
-          <a:bodyPr/>
-          <a:lstStyle/>
-          <a:p>
-            <a:endParaRPr lang="en-US" dirty="0"/>
+            <a:endParaRPr lang="en-US"/>
           </a:p>
         </p:txBody>
       </p:sp>
     </p:spTree>
     <p:extLst>
       <p:ext uri="{BB962C8B-B14F-4D97-AF65-F5344CB8AC3E}">
-        <p14:creationId xmlns:p14="http://schemas.microsoft.com/office/powerpoint/2010/main" val="2312861842"/>
+        <p14:creationId xmlns:p14="http://schemas.microsoft.com/office/powerpoint/2010/main" val="991281933"/>
       </p:ext>
     </p:extLst>
   </p:cSld>
@@ -3118,18 +4696,27 @@
           <a:bodyPr/>
           <a:lstStyle/>
           <a:p>
-            <a:endParaRPr lang="en-US" dirty="0"/>
-          </a:p>
-        </p:txBody>
-      </p:sp>
-      <p:sp>
-        <p:nvSpPr>
-          <p:cNvPr id="6" name="Slide Number Placeholder 5"/>
+            <a:r>
+              <a:rPr lang="en-US" dirty="0"/>
+              <a:t>Centralized, only one device has everything (each device has his own piece of the centralized code)</a:t>
+            </a:r>
+          </a:p>
+          <a:p>
+            <a:r>
+              <a:rPr lang="en-US" dirty="0"/>
+              <a:t>Distributed, each device has the same version of the code (all the devices are contributing to it at the same time)</a:t>
+            </a:r>
+          </a:p>
+        </p:txBody>
+      </p:sp>
+      <p:sp>
+        <p:nvSpPr>
+          <p:cNvPr id="4" name="Slide Number Placeholder 3"/>
           <p:cNvSpPr>
             <a:spLocks noGrp="1"/>
           </p:cNvSpPr>
           <p:nvPr>
-            <p:ph type="sldNum" sz="quarter" idx="12"/>
+            <p:ph type="sldNum" sz="quarter" idx="5"/>
           </p:nvPr>
         </p:nvSpPr>
         <p:spPr/>
@@ -3137,99 +4724,18 @@
           <a:bodyPr/>
           <a:lstStyle/>
           <a:p>
-            <a:fld id="{B4008EB6-D09E-4580-8CD6-DDB14511944F}" type="slidenum">
+            <a:fld id="{59D8E94C-5589-4D72-8241-BC981646923E}" type="slidenum">
               <a:rPr lang="en-US" smtClean="0"/>
-              <a:pPr/>
-              <a:t>16</a:t>
+              <a:t>5</a:t>
             </a:fld>
-            <a:endParaRPr lang="en-US" dirty="0"/>
-          </a:p>
-        </p:txBody>
-      </p:sp>
-      <p:sp>
-        <p:nvSpPr>
-          <p:cNvPr id="10" name="Date Placeholder 9"/>
-          <p:cNvSpPr>
-            <a:spLocks noGrp="1"/>
-          </p:cNvSpPr>
-          <p:nvPr>
-            <p:ph type="dt" idx="13"/>
-          </p:nvPr>
-        </p:nvSpPr>
-        <p:spPr/>
-        <p:txBody>
-          <a:bodyPr/>
-          <a:lstStyle/>
-          <a:p>
-            <a:fld id="{D44C3489-8257-4E60-994D-6A5CEE67ED71}" type="datetime8">
-              <a:rPr lang="en-US" smtClean="0"/>
-              <a:t>9/18/2023 12:16 AM</a:t>
-            </a:fld>
-            <a:endParaRPr lang="en-US" dirty="0"/>
-          </a:p>
-        </p:txBody>
-      </p:sp>
-      <p:sp>
-        <p:nvSpPr>
-          <p:cNvPr id="4" name="Footer Placeholder 3"/>
-          <p:cNvSpPr>
-            <a:spLocks noGrp="1"/>
-          </p:cNvSpPr>
-          <p:nvPr>
-            <p:ph type="ftr" sz="quarter" idx="14"/>
-          </p:nvPr>
-        </p:nvSpPr>
-        <p:spPr/>
-        <p:txBody>
-          <a:bodyPr/>
-          <a:lstStyle/>
-          <a:p>
-            <a:pPr defTabSz="914099" eaLnBrk="0" hangingPunct="0"/>
-            <a:r>
-              <a:rPr lang="en-US" sz="400" dirty="0">
-                <a:gradFill>
-                  <a:gsLst>
-                    <a:gs pos="0">
-                      <a:prstClr val="black"/>
-                    </a:gs>
-                    <a:gs pos="100000">
-                      <a:prstClr val="black"/>
-                    </a:gs>
-                  </a:gsLst>
-                  <a:lin ang="5400000" scaled="0"/>
-                </a:gradFill>
-                <a:latin typeface="Segoe UI" pitchFamily="34" charset="0"/>
-                <a:ea typeface="Segoe UI" pitchFamily="34" charset="0"/>
-                <a:cs typeface="Segoe UI" pitchFamily="34" charset="0"/>
-              </a:rPr>
-              <a:t>© Microsoft Corporation. All rights reserved. MICROSOFT MAKES NO WARRANTIES, EXPRESS, IMPLIED OR STATUTORY, AS TO THE INFORMATION IN THIS PRESENTATION.</a:t>
-            </a:r>
-          </a:p>
-        </p:txBody>
-      </p:sp>
-      <p:sp>
-        <p:nvSpPr>
-          <p:cNvPr id="5" name="Header Placeholder 4"/>
-          <p:cNvSpPr>
-            <a:spLocks noGrp="1"/>
-          </p:cNvSpPr>
-          <p:nvPr>
-            <p:ph type="hdr" sz="quarter" idx="15"/>
-          </p:nvPr>
-        </p:nvSpPr>
-        <p:spPr/>
-        <p:txBody>
-          <a:bodyPr/>
-          <a:lstStyle/>
-          <a:p>
-            <a:endParaRPr lang="en-US" dirty="0"/>
+            <a:endParaRPr lang="en-US"/>
           </a:p>
         </p:txBody>
       </p:sp>
     </p:spTree>
     <p:extLst>
       <p:ext uri="{BB962C8B-B14F-4D97-AF65-F5344CB8AC3E}">
-        <p14:creationId xmlns:p14="http://schemas.microsoft.com/office/powerpoint/2010/main" val="130046276"/>
+        <p14:creationId xmlns:p14="http://schemas.microsoft.com/office/powerpoint/2010/main" val="557965885"/>
       </p:ext>
     </p:extLst>
   </p:cSld>
@@ -3283,18 +4789,76 @@
           <a:bodyPr/>
           <a:lstStyle/>
           <a:p>
+            <a:r>
+              <a:rPr lang="en-US" dirty="0"/>
+              <a:t>The centralized and distributed version control systems is a concept that some tools are built on.</a:t>
+            </a:r>
+          </a:p>
+          <a:p>
+            <a:r>
+              <a:rPr lang="en-US" dirty="0"/>
+              <a:t>Git uses a distributed version control system.</a:t>
+            </a:r>
+          </a:p>
+          <a:p>
+            <a:pPr marL="0" marR="0" lvl="0" indent="0" algn="l" defTabSz="914400" rtl="0" eaLnBrk="1" fontAlgn="auto" latinLnBrk="0" hangingPunct="1">
+              <a:lnSpc>
+                <a:spcPct val="100000"/>
+              </a:lnSpc>
+              <a:spcBef>
+                <a:spcPts val="0"/>
+              </a:spcBef>
+              <a:spcAft>
+                <a:spcPts val="0"/>
+              </a:spcAft>
+              <a:buClrTx/>
+              <a:buSzTx/>
+              <a:buFontTx/>
+              <a:buNone/>
+              <a:tabLst/>
+              <a:defRPr/>
+            </a:pPr>
+            <a:r>
+              <a:rPr lang="en-US" dirty="0"/>
+              <a:t>Git uses a centralized version control system. </a:t>
+            </a:r>
+          </a:p>
+          <a:p>
+            <a:pPr marL="0" marR="0" lvl="0" indent="0" algn="l" defTabSz="914400" rtl="0" eaLnBrk="1" fontAlgn="auto" latinLnBrk="0" hangingPunct="1">
+              <a:lnSpc>
+                <a:spcPct val="100000"/>
+              </a:lnSpc>
+              <a:spcBef>
+                <a:spcPts val="0"/>
+              </a:spcBef>
+              <a:spcAft>
+                <a:spcPts val="0"/>
+              </a:spcAft>
+              <a:buClrTx/>
+              <a:buSzTx/>
+              <a:buFontTx/>
+              <a:buNone/>
+              <a:tabLst/>
+              <a:defRPr/>
+            </a:pPr>
+            <a:r>
+              <a:rPr lang="en-US" dirty="0"/>
+              <a:t>Git uses a distributed version control system. </a:t>
+            </a:r>
+          </a:p>
+          <a:p>
             <a:endParaRPr lang="en-US" dirty="0"/>
           </a:p>
         </p:txBody>
       </p:sp>
       <p:sp>
         <p:nvSpPr>
-          <p:cNvPr id="6" name="Slide Number Placeholder 5"/>
+          <p:cNvPr id="4" name="Slide Number Placeholder 3"/>
           <p:cNvSpPr>
             <a:spLocks noGrp="1"/>
           </p:cNvSpPr>
           <p:nvPr>
-            <p:ph type="sldNum" sz="quarter" idx="12"/>
+            <p:ph type="sldNum" sz="quarter" idx="5"/>
           </p:nvPr>
         </p:nvSpPr>
         <p:spPr/>
@@ -3302,99 +4866,18 @@
           <a:bodyPr/>
           <a:lstStyle/>
           <a:p>
-            <a:fld id="{B4008EB6-D09E-4580-8CD6-DDB14511944F}" type="slidenum">
+            <a:fld id="{59D8E94C-5589-4D72-8241-BC981646923E}" type="slidenum">
               <a:rPr lang="en-US" smtClean="0"/>
-              <a:pPr/>
-              <a:t>17</a:t>
+              <a:t>6</a:t>
             </a:fld>
-            <a:endParaRPr lang="en-US" dirty="0"/>
-          </a:p>
-        </p:txBody>
-      </p:sp>
-      <p:sp>
-        <p:nvSpPr>
-          <p:cNvPr id="10" name="Date Placeholder 9"/>
-          <p:cNvSpPr>
-            <a:spLocks noGrp="1"/>
-          </p:cNvSpPr>
-          <p:nvPr>
-            <p:ph type="dt" idx="13"/>
-          </p:nvPr>
-        </p:nvSpPr>
-        <p:spPr/>
-        <p:txBody>
-          <a:bodyPr/>
-          <a:lstStyle/>
-          <a:p>
-            <a:fld id="{D44C3489-8257-4E60-994D-6A5CEE67ED71}" type="datetime8">
-              <a:rPr lang="en-US" smtClean="0"/>
-              <a:t>9/18/2023 12:16 AM</a:t>
-            </a:fld>
-            <a:endParaRPr lang="en-US" dirty="0"/>
-          </a:p>
-        </p:txBody>
-      </p:sp>
-      <p:sp>
-        <p:nvSpPr>
-          <p:cNvPr id="4" name="Footer Placeholder 3"/>
-          <p:cNvSpPr>
-            <a:spLocks noGrp="1"/>
-          </p:cNvSpPr>
-          <p:nvPr>
-            <p:ph type="ftr" sz="quarter" idx="14"/>
-          </p:nvPr>
-        </p:nvSpPr>
-        <p:spPr/>
-        <p:txBody>
-          <a:bodyPr/>
-          <a:lstStyle/>
-          <a:p>
-            <a:pPr defTabSz="914099" eaLnBrk="0" hangingPunct="0"/>
-            <a:r>
-              <a:rPr lang="en-US" sz="400" dirty="0">
-                <a:gradFill>
-                  <a:gsLst>
-                    <a:gs pos="0">
-                      <a:prstClr val="black"/>
-                    </a:gs>
-                    <a:gs pos="100000">
-                      <a:prstClr val="black"/>
-                    </a:gs>
-                  </a:gsLst>
-                  <a:lin ang="5400000" scaled="0"/>
-                </a:gradFill>
-                <a:latin typeface="Segoe UI" pitchFamily="34" charset="0"/>
-                <a:ea typeface="Segoe UI" pitchFamily="34" charset="0"/>
-                <a:cs typeface="Segoe UI" pitchFamily="34" charset="0"/>
-              </a:rPr>
-              <a:t>© Microsoft Corporation. All rights reserved. MICROSOFT MAKES NO WARRANTIES, EXPRESS, IMPLIED OR STATUTORY, AS TO THE INFORMATION IN THIS PRESENTATION.</a:t>
-            </a:r>
-          </a:p>
-        </p:txBody>
-      </p:sp>
-      <p:sp>
-        <p:nvSpPr>
-          <p:cNvPr id="5" name="Header Placeholder 4"/>
-          <p:cNvSpPr>
-            <a:spLocks noGrp="1"/>
-          </p:cNvSpPr>
-          <p:nvPr>
-            <p:ph type="hdr" sz="quarter" idx="15"/>
-          </p:nvPr>
-        </p:nvSpPr>
-        <p:spPr/>
-        <p:txBody>
-          <a:bodyPr/>
-          <a:lstStyle/>
-          <a:p>
-            <a:endParaRPr lang="en-US" dirty="0"/>
+            <a:endParaRPr lang="en-US"/>
           </a:p>
         </p:txBody>
       </p:sp>
     </p:spTree>
     <p:extLst>
       <p:ext uri="{BB962C8B-B14F-4D97-AF65-F5344CB8AC3E}">
-        <p14:creationId xmlns:p14="http://schemas.microsoft.com/office/powerpoint/2010/main" val="3109681363"/>
+        <p14:creationId xmlns:p14="http://schemas.microsoft.com/office/powerpoint/2010/main" val="2171522105"/>
       </p:ext>
     </p:extLst>
   </p:cSld>
@@ -3448,18 +4931,27 @@
           <a:bodyPr/>
           <a:lstStyle/>
           <a:p>
-            <a:endParaRPr lang="en-US" dirty="0"/>
-          </a:p>
-        </p:txBody>
-      </p:sp>
-      <p:sp>
-        <p:nvSpPr>
-          <p:cNvPr id="6" name="Slide Number Placeholder 5"/>
+            <a:r>
+              <a:rPr lang="en-US" dirty="0"/>
+              <a:t>Mentioning git some of you may think it’s related to GitHub but that’s not true as Git is a version control tool which doesn’t require GitHub to work</a:t>
+            </a:r>
+          </a:p>
+          <a:p>
+            <a:r>
+              <a:rPr lang="en-US" dirty="0"/>
+              <a:t>While GitHub is a cloud platform for hosting and sharing Git Projects.</a:t>
+            </a:r>
+          </a:p>
+        </p:txBody>
+      </p:sp>
+      <p:sp>
+        <p:nvSpPr>
+          <p:cNvPr id="4" name="Slide Number Placeholder 3"/>
           <p:cNvSpPr>
             <a:spLocks noGrp="1"/>
           </p:cNvSpPr>
           <p:nvPr>
-            <p:ph type="sldNum" sz="quarter" idx="12"/>
+            <p:ph type="sldNum" sz="quarter" idx="5"/>
           </p:nvPr>
         </p:nvSpPr>
         <p:spPr/>
@@ -3467,99 +4959,18 @@
           <a:bodyPr/>
           <a:lstStyle/>
           <a:p>
-            <a:fld id="{B4008EB6-D09E-4580-8CD6-DDB14511944F}" type="slidenum">
+            <a:fld id="{59D8E94C-5589-4D72-8241-BC981646923E}" type="slidenum">
               <a:rPr lang="en-US" smtClean="0"/>
-              <a:pPr/>
-              <a:t>18</a:t>
+              <a:t>7</a:t>
             </a:fld>
-            <a:endParaRPr lang="en-US" dirty="0"/>
-          </a:p>
-        </p:txBody>
-      </p:sp>
-      <p:sp>
-        <p:nvSpPr>
-          <p:cNvPr id="10" name="Date Placeholder 9"/>
-          <p:cNvSpPr>
-            <a:spLocks noGrp="1"/>
-          </p:cNvSpPr>
-          <p:nvPr>
-            <p:ph type="dt" idx="13"/>
-          </p:nvPr>
-        </p:nvSpPr>
-        <p:spPr/>
-        <p:txBody>
-          <a:bodyPr/>
-          <a:lstStyle/>
-          <a:p>
-            <a:fld id="{D44C3489-8257-4E60-994D-6A5CEE67ED71}" type="datetime8">
-              <a:rPr lang="en-US" smtClean="0"/>
-              <a:t>9/18/2023 12:16 AM</a:t>
-            </a:fld>
-            <a:endParaRPr lang="en-US" dirty="0"/>
-          </a:p>
-        </p:txBody>
-      </p:sp>
-      <p:sp>
-        <p:nvSpPr>
-          <p:cNvPr id="4" name="Footer Placeholder 3"/>
-          <p:cNvSpPr>
-            <a:spLocks noGrp="1"/>
-          </p:cNvSpPr>
-          <p:nvPr>
-            <p:ph type="ftr" sz="quarter" idx="14"/>
-          </p:nvPr>
-        </p:nvSpPr>
-        <p:spPr/>
-        <p:txBody>
-          <a:bodyPr/>
-          <a:lstStyle/>
-          <a:p>
-            <a:pPr defTabSz="914099" eaLnBrk="0" hangingPunct="0"/>
-            <a:r>
-              <a:rPr lang="en-US" sz="400" dirty="0">
-                <a:gradFill>
-                  <a:gsLst>
-                    <a:gs pos="0">
-                      <a:prstClr val="black"/>
-                    </a:gs>
-                    <a:gs pos="100000">
-                      <a:prstClr val="black"/>
-                    </a:gs>
-                  </a:gsLst>
-                  <a:lin ang="5400000" scaled="0"/>
-                </a:gradFill>
-                <a:latin typeface="Segoe UI" pitchFamily="34" charset="0"/>
-                <a:ea typeface="Segoe UI" pitchFamily="34" charset="0"/>
-                <a:cs typeface="Segoe UI" pitchFamily="34" charset="0"/>
-              </a:rPr>
-              <a:t>© Microsoft Corporation. All rights reserved. MICROSOFT MAKES NO WARRANTIES, EXPRESS, IMPLIED OR STATUTORY, AS TO THE INFORMATION IN THIS PRESENTATION.</a:t>
-            </a:r>
-          </a:p>
-        </p:txBody>
-      </p:sp>
-      <p:sp>
-        <p:nvSpPr>
-          <p:cNvPr id="5" name="Header Placeholder 4"/>
-          <p:cNvSpPr>
-            <a:spLocks noGrp="1"/>
-          </p:cNvSpPr>
-          <p:nvPr>
-            <p:ph type="hdr" sz="quarter" idx="15"/>
-          </p:nvPr>
-        </p:nvSpPr>
-        <p:spPr/>
-        <p:txBody>
-          <a:bodyPr/>
-          <a:lstStyle/>
-          <a:p>
-            <a:endParaRPr lang="en-US" dirty="0"/>
+            <a:endParaRPr lang="en-US"/>
           </a:p>
         </p:txBody>
       </p:sp>
     </p:spTree>
     <p:extLst>
       <p:ext uri="{BB962C8B-B14F-4D97-AF65-F5344CB8AC3E}">
-        <p14:creationId xmlns:p14="http://schemas.microsoft.com/office/powerpoint/2010/main" val="2251075269"/>
+        <p14:creationId xmlns:p14="http://schemas.microsoft.com/office/powerpoint/2010/main" val="839985076"/>
       </p:ext>
     </p:extLst>
   </p:cSld>
@@ -3613,18 +5024,24 @@
           <a:bodyPr/>
           <a:lstStyle/>
           <a:p>
+            <a:r>
+              <a:rPr lang="en-US" dirty="0"/>
+              <a:t>There are lots of terminologies out there that we might here about when starting to learn about git and GitHub like: </a:t>
+            </a:r>
+          </a:p>
+          <a:p>
             <a:endParaRPr lang="en-US" dirty="0"/>
           </a:p>
         </p:txBody>
       </p:sp>
       <p:sp>
         <p:nvSpPr>
-          <p:cNvPr id="6" name="Slide Number Placeholder 5"/>
+          <p:cNvPr id="4" name="Slide Number Placeholder 3"/>
           <p:cNvSpPr>
             <a:spLocks noGrp="1"/>
           </p:cNvSpPr>
           <p:nvPr>
-            <p:ph type="sldNum" sz="quarter" idx="12"/>
+            <p:ph type="sldNum" sz="quarter" idx="5"/>
           </p:nvPr>
         </p:nvSpPr>
         <p:spPr/>
@@ -3632,99 +5049,18 @@
           <a:bodyPr/>
           <a:lstStyle/>
           <a:p>
-            <a:fld id="{B4008EB6-D09E-4580-8CD6-DDB14511944F}" type="slidenum">
+            <a:fld id="{59D8E94C-5589-4D72-8241-BC981646923E}" type="slidenum">
               <a:rPr lang="en-US" smtClean="0"/>
-              <a:pPr/>
-              <a:t>19</a:t>
+              <a:t>8</a:t>
             </a:fld>
-            <a:endParaRPr lang="en-US" dirty="0"/>
-          </a:p>
-        </p:txBody>
-      </p:sp>
-      <p:sp>
-        <p:nvSpPr>
-          <p:cNvPr id="10" name="Date Placeholder 9"/>
-          <p:cNvSpPr>
-            <a:spLocks noGrp="1"/>
-          </p:cNvSpPr>
-          <p:nvPr>
-            <p:ph type="dt" idx="13"/>
-          </p:nvPr>
-        </p:nvSpPr>
-        <p:spPr/>
-        <p:txBody>
-          <a:bodyPr/>
-          <a:lstStyle/>
-          <a:p>
-            <a:fld id="{D44C3489-8257-4E60-994D-6A5CEE67ED71}" type="datetime8">
-              <a:rPr lang="en-US" smtClean="0"/>
-              <a:t>9/18/2023 12:16 AM</a:t>
-            </a:fld>
-            <a:endParaRPr lang="en-US" dirty="0"/>
-          </a:p>
-        </p:txBody>
-      </p:sp>
-      <p:sp>
-        <p:nvSpPr>
-          <p:cNvPr id="4" name="Footer Placeholder 3"/>
-          <p:cNvSpPr>
-            <a:spLocks noGrp="1"/>
-          </p:cNvSpPr>
-          <p:nvPr>
-            <p:ph type="ftr" sz="quarter" idx="14"/>
-          </p:nvPr>
-        </p:nvSpPr>
-        <p:spPr/>
-        <p:txBody>
-          <a:bodyPr/>
-          <a:lstStyle/>
-          <a:p>
-            <a:pPr defTabSz="914099" eaLnBrk="0" hangingPunct="0"/>
-            <a:r>
-              <a:rPr lang="en-US" sz="400" dirty="0">
-                <a:gradFill>
-                  <a:gsLst>
-                    <a:gs pos="0">
-                      <a:prstClr val="black"/>
-                    </a:gs>
-                    <a:gs pos="100000">
-                      <a:prstClr val="black"/>
-                    </a:gs>
-                  </a:gsLst>
-                  <a:lin ang="5400000" scaled="0"/>
-                </a:gradFill>
-                <a:latin typeface="Segoe UI" pitchFamily="34" charset="0"/>
-                <a:ea typeface="Segoe UI" pitchFamily="34" charset="0"/>
-                <a:cs typeface="Segoe UI" pitchFamily="34" charset="0"/>
-              </a:rPr>
-              <a:t>© Microsoft Corporation. All rights reserved. MICROSOFT MAKES NO WARRANTIES, EXPRESS, IMPLIED OR STATUTORY, AS TO THE INFORMATION IN THIS PRESENTATION.</a:t>
-            </a:r>
-          </a:p>
-        </p:txBody>
-      </p:sp>
-      <p:sp>
-        <p:nvSpPr>
-          <p:cNvPr id="5" name="Header Placeholder 4"/>
-          <p:cNvSpPr>
-            <a:spLocks noGrp="1"/>
-          </p:cNvSpPr>
-          <p:nvPr>
-            <p:ph type="hdr" sz="quarter" idx="15"/>
-          </p:nvPr>
-        </p:nvSpPr>
-        <p:spPr/>
-        <p:txBody>
-          <a:bodyPr/>
-          <a:lstStyle/>
-          <a:p>
-            <a:endParaRPr lang="en-US" dirty="0"/>
+            <a:endParaRPr lang="en-US"/>
           </a:p>
         </p:txBody>
       </p:sp>
     </p:spTree>
     <p:extLst>
       <p:ext uri="{BB962C8B-B14F-4D97-AF65-F5344CB8AC3E}">
-        <p14:creationId xmlns:p14="http://schemas.microsoft.com/office/powerpoint/2010/main" val="1619054649"/>
+        <p14:creationId xmlns:p14="http://schemas.microsoft.com/office/powerpoint/2010/main" val="719808138"/>
       </p:ext>
     </p:extLst>
   </p:cSld>
@@ -3778,18 +5114,21 @@
           <a:bodyPr/>
           <a:lstStyle/>
           <a:p>
-            <a:endParaRPr lang="en-US" dirty="0"/>
-          </a:p>
-        </p:txBody>
-      </p:sp>
-      <p:sp>
-        <p:nvSpPr>
-          <p:cNvPr id="6" name="Slide Number Placeholder 5"/>
+            <a:r>
+              <a:rPr lang="en-US" dirty="0"/>
+              <a:t>All of these terminologies are actually used while working with git, but you don’t need to learn about all of them at the beginning but If you prefer learning everything before starting the practical part this git cheat sheet is perfect for you.</a:t>
+            </a:r>
+          </a:p>
+        </p:txBody>
+      </p:sp>
+      <p:sp>
+        <p:nvSpPr>
+          <p:cNvPr id="4" name="Slide Number Placeholder 3"/>
           <p:cNvSpPr>
             <a:spLocks noGrp="1"/>
           </p:cNvSpPr>
           <p:nvPr>
-            <p:ph type="sldNum" sz="quarter" idx="12"/>
+            <p:ph type="sldNum" sz="quarter" idx="5"/>
           </p:nvPr>
         </p:nvSpPr>
         <p:spPr/>
@@ -3797,99 +5136,18 @@
           <a:bodyPr/>
           <a:lstStyle/>
           <a:p>
-            <a:fld id="{B4008EB6-D09E-4580-8CD6-DDB14511944F}" type="slidenum">
+            <a:fld id="{59D8E94C-5589-4D72-8241-BC981646923E}" type="slidenum">
               <a:rPr lang="en-US" smtClean="0"/>
-              <a:pPr/>
-              <a:t>20</a:t>
+              <a:t>9</a:t>
             </a:fld>
-            <a:endParaRPr lang="en-US" dirty="0"/>
-          </a:p>
-        </p:txBody>
-      </p:sp>
-      <p:sp>
-        <p:nvSpPr>
-          <p:cNvPr id="10" name="Date Placeholder 9"/>
-          <p:cNvSpPr>
-            <a:spLocks noGrp="1"/>
-          </p:cNvSpPr>
-          <p:nvPr>
-            <p:ph type="dt" idx="13"/>
-          </p:nvPr>
-        </p:nvSpPr>
-        <p:spPr/>
-        <p:txBody>
-          <a:bodyPr/>
-          <a:lstStyle/>
-          <a:p>
-            <a:fld id="{D44C3489-8257-4E60-994D-6A5CEE67ED71}" type="datetime8">
-              <a:rPr lang="en-US" smtClean="0"/>
-              <a:t>9/18/2023 12:16 AM</a:t>
-            </a:fld>
-            <a:endParaRPr lang="en-US" dirty="0"/>
-          </a:p>
-        </p:txBody>
-      </p:sp>
-      <p:sp>
-        <p:nvSpPr>
-          <p:cNvPr id="4" name="Footer Placeholder 3"/>
-          <p:cNvSpPr>
-            <a:spLocks noGrp="1"/>
-          </p:cNvSpPr>
-          <p:nvPr>
-            <p:ph type="ftr" sz="quarter" idx="14"/>
-          </p:nvPr>
-        </p:nvSpPr>
-        <p:spPr/>
-        <p:txBody>
-          <a:bodyPr/>
-          <a:lstStyle/>
-          <a:p>
-            <a:pPr defTabSz="914099" eaLnBrk="0" hangingPunct="0"/>
-            <a:r>
-              <a:rPr lang="en-US" sz="400" dirty="0">
-                <a:gradFill>
-                  <a:gsLst>
-                    <a:gs pos="0">
-                      <a:prstClr val="black"/>
-                    </a:gs>
-                    <a:gs pos="100000">
-                      <a:prstClr val="black"/>
-                    </a:gs>
-                  </a:gsLst>
-                  <a:lin ang="5400000" scaled="0"/>
-                </a:gradFill>
-                <a:latin typeface="Segoe UI" pitchFamily="34" charset="0"/>
-                <a:ea typeface="Segoe UI" pitchFamily="34" charset="0"/>
-                <a:cs typeface="Segoe UI" pitchFamily="34" charset="0"/>
-              </a:rPr>
-              <a:t>© Microsoft Corporation. All rights reserved. MICROSOFT MAKES NO WARRANTIES, EXPRESS, IMPLIED OR STATUTORY, AS TO THE INFORMATION IN THIS PRESENTATION.</a:t>
-            </a:r>
-          </a:p>
-        </p:txBody>
-      </p:sp>
-      <p:sp>
-        <p:nvSpPr>
-          <p:cNvPr id="5" name="Header Placeholder 4"/>
-          <p:cNvSpPr>
-            <a:spLocks noGrp="1"/>
-          </p:cNvSpPr>
-          <p:nvPr>
-            <p:ph type="hdr" sz="quarter" idx="15"/>
-          </p:nvPr>
-        </p:nvSpPr>
-        <p:spPr/>
-        <p:txBody>
-          <a:bodyPr/>
-          <a:lstStyle/>
-          <a:p>
-            <a:endParaRPr lang="en-US" dirty="0"/>
+            <a:endParaRPr lang="en-US"/>
           </a:p>
         </p:txBody>
       </p:sp>
     </p:spTree>
     <p:extLst>
       <p:ext uri="{BB962C8B-B14F-4D97-AF65-F5344CB8AC3E}">
-        <p14:creationId xmlns:p14="http://schemas.microsoft.com/office/powerpoint/2010/main" val="1147678853"/>
+        <p14:creationId xmlns:p14="http://schemas.microsoft.com/office/powerpoint/2010/main" val="2095352092"/>
       </p:ext>
     </p:extLst>
   </p:cSld>
@@ -6124,13 +7382,13 @@
         </p:nvSpPr>
         <p:spPr>
           <a:xfrm>
-            <a:off x="2898648" y="3213099"/>
-            <a:ext cx="6858000" cy="454687"/>
+            <a:off x="2898648" y="3050772"/>
+            <a:ext cx="6858000" cy="1017256"/>
           </a:xfrm>
         </p:spPr>
         <p:txBody>
           <a:bodyPr>
-            <a:normAutofit/>
+            <a:noAutofit/>
           </a:bodyPr>
           <a:lstStyle/>
           <a:p>
@@ -6138,9 +7396,15 @@
               <a:rPr lang="en-US" dirty="0">
                 <a:latin typeface="+mj-lt"/>
               </a:rPr>
-              <a:t>Presented by:</a:t>
-            </a:r>
-            <a:endParaRPr lang="en-US" dirty="0"/>
+              <a:t>Presented by</a:t>
+            </a:r>
+            <a:r>
+              <a:rPr lang="en-US" dirty="0"/>
+              <a:t>:</a:t>
+            </a:r>
+            <a:endParaRPr lang="en-US" dirty="0">
+              <a:latin typeface="+mj-lt"/>
+            </a:endParaRPr>
           </a:p>
         </p:txBody>
       </p:sp>
@@ -6159,10 +7423,10 @@
           <p:nvPr/>
         </p:nvPicPr>
         <p:blipFill>
-          <a:blip r:embed="rId2">
+          <a:blip r:embed="rId3">
             <a:extLst>
               <a:ext uri="{96DAC541-7B7A-43D3-8B79-37D633B846F1}">
-                <asvg:svgBlip xmlns:asvg="http://schemas.microsoft.com/office/drawing/2016/SVG/main" r:embed="rId3"/>
+                <asvg:svgBlip xmlns:asvg="http://schemas.microsoft.com/office/drawing/2016/SVG/main" r:embed="rId4"/>
               </a:ext>
             </a:extLst>
           </a:blip>
@@ -6195,10 +7459,10 @@
           <p:nvPr/>
         </p:nvPicPr>
         <p:blipFill>
-          <a:blip r:embed="rId4">
+          <a:blip r:embed="rId5">
             <a:extLst>
               <a:ext uri="{96DAC541-7B7A-43D3-8B79-37D633B846F1}">
-                <asvg:svgBlip xmlns:asvg="http://schemas.microsoft.com/office/drawing/2016/SVG/main" r:embed="rId5"/>
+                <asvg:svgBlip xmlns:asvg="http://schemas.microsoft.com/office/drawing/2016/SVG/main" r:embed="rId6"/>
               </a:ext>
             </a:extLst>
           </a:blip>
@@ -6231,10 +7495,10 @@
           <p:nvPr/>
         </p:nvPicPr>
         <p:blipFill>
-          <a:blip r:embed="rId6">
+          <a:blip r:embed="rId7">
             <a:extLst>
               <a:ext uri="{96DAC541-7B7A-43D3-8B79-37D633B846F1}">
-                <asvg:svgBlip xmlns:asvg="http://schemas.microsoft.com/office/drawing/2016/SVG/main" r:embed="rId7"/>
+                <asvg:svgBlip xmlns:asvg="http://schemas.microsoft.com/office/drawing/2016/SVG/main" r:embed="rId8"/>
               </a:ext>
             </a:extLst>
           </a:blip>
@@ -6267,10 +7531,10 @@
           <p:nvPr/>
         </p:nvPicPr>
         <p:blipFill>
-          <a:blip r:embed="rId8">
+          <a:blip r:embed="rId9">
             <a:extLst>
               <a:ext uri="{96DAC541-7B7A-43D3-8B79-37D633B846F1}">
-                <asvg:svgBlip xmlns:asvg="http://schemas.microsoft.com/office/drawing/2016/SVG/main" r:embed="rId9"/>
+                <asvg:svgBlip xmlns:asvg="http://schemas.microsoft.com/office/drawing/2016/SVG/main" r:embed="rId10"/>
               </a:ext>
             </a:extLst>
           </a:blip>
@@ -7882,272 +9146,6 @@
 </file>
 
 <file path=ppt/slides/slide17.xml><?xml version="1.0" encoding="utf-8"?>
-<p:sld xmlns:a="http://schemas.openxmlformats.org/drawingml/2006/main" xmlns:r="http://schemas.openxmlformats.org/officeDocument/2006/relationships" xmlns:p="http://schemas.openxmlformats.org/presentationml/2006/main">
-  <p:cSld>
-    <p:spTree>
-      <p:nvGrpSpPr>
-        <p:cNvPr id="1" name=""/>
-        <p:cNvGrpSpPr/>
-        <p:nvPr/>
-      </p:nvGrpSpPr>
-      <p:grpSpPr>
-        <a:xfrm>
-          <a:off x="0" y="0"/>
-          <a:ext cx="0" cy="0"/>
-          <a:chOff x="0" y="0"/>
-          <a:chExt cx="0" cy="0"/>
-        </a:xfrm>
-      </p:grpSpPr>
-      <p:sp>
-        <p:nvSpPr>
-          <p:cNvPr id="4" name="Title 3"/>
-          <p:cNvSpPr>
-            <a:spLocks noGrp="1"/>
-          </p:cNvSpPr>
-          <p:nvPr>
-            <p:ph type="title"/>
-          </p:nvPr>
-        </p:nvSpPr>
-        <p:spPr/>
-        <p:txBody>
-          <a:bodyPr/>
-          <a:lstStyle/>
-          <a:p>
-            <a:r>
-              <a:rPr lang="en-US" dirty="0"/>
-              <a:t>Initializing a Local Git Repository</a:t>
-            </a:r>
-          </a:p>
-        </p:txBody>
-      </p:sp>
-      <p:sp>
-        <p:nvSpPr>
-          <p:cNvPr id="11" name="Text Placeholder 4">
-            <a:extLst>
-              <a:ext uri="{FF2B5EF4-FFF2-40B4-BE49-F238E27FC236}">
-                <a16:creationId xmlns:a16="http://schemas.microsoft.com/office/drawing/2014/main" id="{7085B5C9-E37C-4FB5-4E53-611B26A12D0F}"/>
-              </a:ext>
-            </a:extLst>
-          </p:cNvPr>
-          <p:cNvSpPr>
-            <a:spLocks noGrp="1"/>
-          </p:cNvSpPr>
-          <p:nvPr>
-            <p:ph type="body" sz="quarter" idx="10"/>
-          </p:nvPr>
-        </p:nvSpPr>
-        <p:spPr>
-          <a:xfrm>
-            <a:off x="914400" y="3332733"/>
-            <a:ext cx="11018520" cy="3338999"/>
-          </a:xfrm>
-        </p:spPr>
-        <p:txBody>
-          <a:bodyPr>
-            <a:normAutofit fontScale="92500" lnSpcReduction="10000"/>
-          </a:bodyPr>
-          <a:lstStyle/>
-          <a:p>
-            <a:r>
-              <a:rPr lang="en-US" dirty="0"/>
-              <a:t>$ls    - used to list files and directories</a:t>
-            </a:r>
-          </a:p>
-          <a:p>
-            <a:r>
-              <a:rPr lang="en-US" dirty="0"/>
-              <a:t>$</a:t>
-            </a:r>
-            <a:r>
-              <a:rPr lang="en-US" dirty="0" err="1"/>
-              <a:t>mkdir</a:t>
-            </a:r>
-            <a:r>
-              <a:rPr lang="en-US" dirty="0"/>
-              <a:t> - used to create a new directory</a:t>
-            </a:r>
-          </a:p>
-          <a:p>
-            <a:r>
-              <a:rPr lang="en-US" dirty="0"/>
-              <a:t>$cd    - used to change directories</a:t>
-            </a:r>
-          </a:p>
-          <a:p>
-            <a:r>
-              <a:rPr lang="en-US" dirty="0"/>
-              <a:t>$rm    - used to remove files and directories</a:t>
-            </a:r>
-            <a:endParaRPr lang="ar-EG" dirty="0"/>
-          </a:p>
-          <a:p>
-            <a:r>
-              <a:rPr lang="en-US" dirty="0"/>
-              <a:t>$</a:t>
-            </a:r>
-            <a:r>
-              <a:rPr lang="en-US" dirty="0" err="1"/>
-              <a:t>pwd</a:t>
-            </a:r>
-            <a:r>
-              <a:rPr lang="en-US" dirty="0"/>
-              <a:t>   - used to print working directory</a:t>
-            </a:r>
-          </a:p>
-          <a:p>
-            <a:r>
-              <a:rPr lang="en-US" dirty="0"/>
-              <a:t>$touch - used to create and modify files</a:t>
-            </a:r>
-          </a:p>
-          <a:p>
-            <a:r>
-              <a:rPr lang="en-US" dirty="0"/>
-              <a:t>$start - used to open files or directories</a:t>
-            </a:r>
-          </a:p>
-        </p:txBody>
-      </p:sp>
-      <p:sp>
-        <p:nvSpPr>
-          <p:cNvPr id="12" name="TextBox 11">
-            <a:extLst>
-              <a:ext uri="{FF2B5EF4-FFF2-40B4-BE49-F238E27FC236}">
-                <a16:creationId xmlns:a16="http://schemas.microsoft.com/office/drawing/2014/main" id="{81192B62-D0DF-DE11-34C5-31AD91B82E44}"/>
-              </a:ext>
-            </a:extLst>
-          </p:cNvPr>
-          <p:cNvSpPr txBox="1"/>
-          <p:nvPr/>
-        </p:nvSpPr>
-        <p:spPr>
-          <a:xfrm>
-            <a:off x="914400" y="1839130"/>
-            <a:ext cx="6733672" cy="523220"/>
-          </a:xfrm>
-          <a:prstGeom prst="rect">
-            <a:avLst/>
-          </a:prstGeom>
-          <a:noFill/>
-        </p:spPr>
-        <p:txBody>
-          <a:bodyPr wrap="square">
-            <a:spAutoFit/>
-          </a:bodyPr>
-          <a:lstStyle/>
-          <a:p>
-            <a:r>
-              <a:rPr lang="en-US" sz="2800" dirty="0">
-                <a:gradFill>
-                  <a:gsLst>
-                    <a:gs pos="61049">
-                      <a:schemeClr val="tx1"/>
-                    </a:gs>
-                    <a:gs pos="43000">
-                      <a:schemeClr val="tx1"/>
-                    </a:gs>
-                  </a:gsLst>
-                  <a:lin ang="5400000" scaled="0"/>
-                </a:gradFill>
-                <a:latin typeface="Consolas" panose="020B0609020204030204" pitchFamily="49" charset="0"/>
-              </a:rPr>
-              <a:t>$git </a:t>
-            </a:r>
-            <a:r>
-              <a:rPr lang="en-US" sz="2800" dirty="0" err="1">
-                <a:gradFill>
-                  <a:gsLst>
-                    <a:gs pos="61049">
-                      <a:schemeClr val="tx1"/>
-                    </a:gs>
-                    <a:gs pos="43000">
-                      <a:schemeClr val="tx1"/>
-                    </a:gs>
-                  </a:gsLst>
-                  <a:lin ang="5400000" scaled="0"/>
-                </a:gradFill>
-                <a:latin typeface="Consolas" panose="020B0609020204030204" pitchFamily="49" charset="0"/>
-              </a:rPr>
-              <a:t>init</a:t>
-            </a:r>
-            <a:endParaRPr lang="en-US" sz="2800" dirty="0">
-              <a:gradFill>
-                <a:gsLst>
-                  <a:gs pos="61049">
-                    <a:schemeClr val="tx1"/>
-                  </a:gs>
-                  <a:gs pos="43000">
-                    <a:schemeClr val="tx1"/>
-                  </a:gs>
-                </a:gsLst>
-                <a:lin ang="5400000" scaled="0"/>
-              </a:gradFill>
-              <a:latin typeface="Consolas" panose="020B0609020204030204" pitchFamily="49" charset="0"/>
-            </a:endParaRPr>
-          </a:p>
-        </p:txBody>
-      </p:sp>
-      <p:sp>
-        <p:nvSpPr>
-          <p:cNvPr id="13" name="TextBox 12">
-            <a:extLst>
-              <a:ext uri="{FF2B5EF4-FFF2-40B4-BE49-F238E27FC236}">
-                <a16:creationId xmlns:a16="http://schemas.microsoft.com/office/drawing/2014/main" id="{60D023B9-B06A-5358-D367-7584E1742F3A}"/>
-              </a:ext>
-            </a:extLst>
-          </p:cNvPr>
-          <p:cNvSpPr txBox="1"/>
-          <p:nvPr/>
-        </p:nvSpPr>
-        <p:spPr>
-          <a:xfrm>
-            <a:off x="914400" y="2589484"/>
-            <a:ext cx="10183171" cy="584775"/>
-          </a:xfrm>
-          <a:prstGeom prst="rect">
-            <a:avLst/>
-          </a:prstGeom>
-          <a:noFill/>
-        </p:spPr>
-        <p:txBody>
-          <a:bodyPr wrap="square">
-            <a:spAutoFit/>
-          </a:bodyPr>
-          <a:lstStyle/>
-          <a:p>
-            <a:r>
-              <a:rPr lang="en-US" sz="3200" dirty="0"/>
-              <a:t>Common terminal commands</a:t>
-            </a:r>
-          </a:p>
-        </p:txBody>
-      </p:sp>
-    </p:spTree>
-    <p:extLst>
-      <p:ext uri="{BB962C8B-B14F-4D97-AF65-F5344CB8AC3E}">
-        <p14:creationId xmlns:p14="http://schemas.microsoft.com/office/powerpoint/2010/main" val="876337195"/>
-      </p:ext>
-    </p:extLst>
-  </p:cSld>
-  <p:clrMapOvr>
-    <a:masterClrMapping/>
-  </p:clrMapOvr>
-  <mc:AlternateContent xmlns:mc="http://schemas.openxmlformats.org/markup-compatibility/2006" xmlns:p14="http://schemas.microsoft.com/office/powerpoint/2010/main">
-    <mc:Choice Requires="p14">
-      <p:transition spd="med" p14:dur="700">
-        <p:fade/>
-      </p:transition>
-    </mc:Choice>
-    <mc:Fallback xmlns="">
-      <p:transition spd="med">
-        <p:fade/>
-      </p:transition>
-    </mc:Fallback>
-  </mc:AlternateContent>
-</p:sld>
-</file>
-
-<file path=ppt/slides/slide18.xml><?xml version="1.0" encoding="utf-8"?>
 <p:sld xmlns:a="http://schemas.openxmlformats.org/drawingml/2006/main" xmlns:r="http://schemas.openxmlformats.org/officeDocument/2006/relationships" xmlns:p="http://schemas.openxmlformats.org/presentationml/2006/main">
   <p:cSld>
     <p:spTree>
@@ -8729,7 +9727,7 @@
 </p:sld>
 </file>
 
-<file path=ppt/slides/slide19.xml><?xml version="1.0" encoding="utf-8"?>
+<file path=ppt/slides/slide18.xml><?xml version="1.0" encoding="utf-8"?>
 <p:sld xmlns:a="http://schemas.openxmlformats.org/drawingml/2006/main" xmlns:r="http://schemas.openxmlformats.org/officeDocument/2006/relationships" xmlns:p="http://schemas.openxmlformats.org/presentationml/2006/main">
   <p:cSld>
     <p:spTree>
@@ -9218,6 +10216,417 @@
 </p:sld>
 </file>
 
+<file path=ppt/slides/slide19.xml><?xml version="1.0" encoding="utf-8"?>
+<p:sld xmlns:a="http://schemas.openxmlformats.org/drawingml/2006/main" xmlns:r="http://schemas.openxmlformats.org/officeDocument/2006/relationships" xmlns:p="http://schemas.openxmlformats.org/presentationml/2006/main">
+  <p:cSld>
+    <p:spTree>
+      <p:nvGrpSpPr>
+        <p:cNvPr id="1" name=""/>
+        <p:cNvGrpSpPr/>
+        <p:nvPr/>
+      </p:nvGrpSpPr>
+      <p:grpSpPr>
+        <a:xfrm>
+          <a:off x="0" y="0"/>
+          <a:ext cx="0" cy="0"/>
+          <a:chOff x="0" y="0"/>
+          <a:chExt cx="0" cy="0"/>
+        </a:xfrm>
+      </p:grpSpPr>
+      <p:sp>
+        <p:nvSpPr>
+          <p:cNvPr id="4" name="Title 3"/>
+          <p:cNvSpPr>
+            <a:spLocks noGrp="1"/>
+          </p:cNvSpPr>
+          <p:nvPr>
+            <p:ph type="title"/>
+          </p:nvPr>
+        </p:nvSpPr>
+        <p:spPr>
+          <a:xfrm>
+            <a:off x="914400" y="946653"/>
+            <a:ext cx="10058400" cy="734003"/>
+          </a:xfrm>
+        </p:spPr>
+        <p:txBody>
+          <a:bodyPr/>
+          <a:lstStyle/>
+          <a:p>
+            <a:r>
+              <a:rPr lang="en-US" dirty="0"/>
+              <a:t>How Git works?</a:t>
+            </a:r>
+          </a:p>
+        </p:txBody>
+      </p:sp>
+      <p:sp>
+        <p:nvSpPr>
+          <p:cNvPr id="7" name="Rectangle 6">
+            <a:extLst>
+              <a:ext uri="{FF2B5EF4-FFF2-40B4-BE49-F238E27FC236}">
+                <a16:creationId xmlns:a16="http://schemas.microsoft.com/office/drawing/2014/main" id="{A8EBA72D-EAF7-B507-63E8-ADC354B6DBDD}"/>
+              </a:ext>
+            </a:extLst>
+          </p:cNvPr>
+          <p:cNvSpPr/>
+          <p:nvPr/>
+        </p:nvSpPr>
+        <p:spPr>
+          <a:xfrm>
+            <a:off x="1075266" y="1811867"/>
+            <a:ext cx="2751667" cy="4656666"/>
+          </a:xfrm>
+          <a:prstGeom prst="rect">
+            <a:avLst/>
+          </a:prstGeom>
+          <a:solidFill>
+            <a:schemeClr val="accent6">
+              <a:alpha val="50000"/>
+            </a:schemeClr>
+          </a:solidFill>
+          <a:ln>
+            <a:noFill/>
+          </a:ln>
+        </p:spPr>
+        <p:style>
+          <a:lnRef idx="0">
+            <a:scrgbClr r="0" g="0" b="0"/>
+          </a:lnRef>
+          <a:fillRef idx="0">
+            <a:scrgbClr r="0" g="0" b="0"/>
+          </a:fillRef>
+          <a:effectRef idx="0">
+            <a:scrgbClr r="0" g="0" b="0"/>
+          </a:effectRef>
+          <a:fontRef idx="minor">
+            <a:schemeClr val="lt1"/>
+          </a:fontRef>
+        </p:style>
+        <p:txBody>
+          <a:bodyPr rtlCol="0" anchor="t"/>
+          <a:lstStyle/>
+          <a:p>
+            <a:pPr algn="ctr">
+              <a:lnSpc>
+                <a:spcPct val="200000"/>
+              </a:lnSpc>
+            </a:pPr>
+            <a:r>
+              <a:rPr lang="en-US" sz="2000" b="1" dirty="0">
+                <a:effectLst>
+                  <a:outerShdw blurRad="38100" dist="38100" dir="2700000" algn="tl">
+                    <a:srgbClr val="000000">
+                      <a:alpha val="43137"/>
+                    </a:srgbClr>
+                  </a:outerShdw>
+                </a:effectLst>
+                <a:latin typeface="+mj-lt"/>
+              </a:rPr>
+              <a:t>Working Directory</a:t>
+            </a:r>
+          </a:p>
+        </p:txBody>
+      </p:sp>
+      <p:sp>
+        <p:nvSpPr>
+          <p:cNvPr id="8" name="Rectangle 7">
+            <a:extLst>
+              <a:ext uri="{FF2B5EF4-FFF2-40B4-BE49-F238E27FC236}">
+                <a16:creationId xmlns:a16="http://schemas.microsoft.com/office/drawing/2014/main" id="{D36DF123-7D24-8425-DFCD-A2EE39418CF7}"/>
+              </a:ext>
+            </a:extLst>
+          </p:cNvPr>
+          <p:cNvSpPr/>
+          <p:nvPr/>
+        </p:nvSpPr>
+        <p:spPr>
+          <a:xfrm>
+            <a:off x="4620683" y="1811867"/>
+            <a:ext cx="2751667" cy="4656666"/>
+          </a:xfrm>
+          <a:prstGeom prst="rect">
+            <a:avLst/>
+          </a:prstGeom>
+          <a:solidFill>
+            <a:schemeClr val="accent3">
+              <a:alpha val="50000"/>
+            </a:schemeClr>
+          </a:solidFill>
+          <a:ln>
+            <a:noFill/>
+          </a:ln>
+        </p:spPr>
+        <p:style>
+          <a:lnRef idx="0">
+            <a:scrgbClr r="0" g="0" b="0"/>
+          </a:lnRef>
+          <a:fillRef idx="0">
+            <a:scrgbClr r="0" g="0" b="0"/>
+          </a:fillRef>
+          <a:effectRef idx="0">
+            <a:scrgbClr r="0" g="0" b="0"/>
+          </a:effectRef>
+          <a:fontRef idx="minor">
+            <a:schemeClr val="lt1"/>
+          </a:fontRef>
+        </p:style>
+        <p:txBody>
+          <a:bodyPr rtlCol="0" anchor="t"/>
+          <a:lstStyle/>
+          <a:p>
+            <a:pPr algn="ctr">
+              <a:lnSpc>
+                <a:spcPct val="200000"/>
+              </a:lnSpc>
+            </a:pPr>
+            <a:r>
+              <a:rPr lang="en-US" sz="2000" b="1" dirty="0">
+                <a:effectLst>
+                  <a:outerShdw blurRad="38100" dist="38100" dir="2700000" algn="tl">
+                    <a:srgbClr val="000000">
+                      <a:alpha val="43137"/>
+                    </a:srgbClr>
+                  </a:outerShdw>
+                </a:effectLst>
+                <a:latin typeface="+mj-lt"/>
+              </a:rPr>
+              <a:t>Staging Area</a:t>
+            </a:r>
+          </a:p>
+        </p:txBody>
+      </p:sp>
+      <p:sp>
+        <p:nvSpPr>
+          <p:cNvPr id="9" name="Rectangle 8">
+            <a:extLst>
+              <a:ext uri="{FF2B5EF4-FFF2-40B4-BE49-F238E27FC236}">
+                <a16:creationId xmlns:a16="http://schemas.microsoft.com/office/drawing/2014/main" id="{D1CCF84F-94AF-F007-A9A9-3D45ACE0A92C}"/>
+              </a:ext>
+            </a:extLst>
+          </p:cNvPr>
+          <p:cNvSpPr/>
+          <p:nvPr/>
+        </p:nvSpPr>
+        <p:spPr>
+          <a:xfrm>
+            <a:off x="8166100" y="1811867"/>
+            <a:ext cx="2751667" cy="4656666"/>
+          </a:xfrm>
+          <a:prstGeom prst="rect">
+            <a:avLst/>
+          </a:prstGeom>
+          <a:solidFill>
+            <a:schemeClr val="accent5">
+              <a:alpha val="50000"/>
+            </a:schemeClr>
+          </a:solidFill>
+          <a:ln>
+            <a:noFill/>
+          </a:ln>
+        </p:spPr>
+        <p:style>
+          <a:lnRef idx="0">
+            <a:scrgbClr r="0" g="0" b="0"/>
+          </a:lnRef>
+          <a:fillRef idx="0">
+            <a:scrgbClr r="0" g="0" b="0"/>
+          </a:fillRef>
+          <a:effectRef idx="0">
+            <a:scrgbClr r="0" g="0" b="0"/>
+          </a:effectRef>
+          <a:fontRef idx="minor">
+            <a:schemeClr val="lt1"/>
+          </a:fontRef>
+        </p:style>
+        <p:txBody>
+          <a:bodyPr rtlCol="0" anchor="t"/>
+          <a:lstStyle/>
+          <a:p>
+            <a:pPr algn="ctr">
+              <a:lnSpc>
+                <a:spcPct val="200000"/>
+              </a:lnSpc>
+            </a:pPr>
+            <a:r>
+              <a:rPr lang="en-US" sz="2000" b="1" dirty="0">
+                <a:effectLst>
+                  <a:outerShdw blurRad="38100" dist="38100" dir="2700000" algn="tl">
+                    <a:srgbClr val="000000">
+                      <a:alpha val="43137"/>
+                    </a:srgbClr>
+                  </a:outerShdw>
+                </a:effectLst>
+                <a:latin typeface="+mj-lt"/>
+              </a:rPr>
+              <a:t>Local Repository</a:t>
+            </a:r>
+          </a:p>
+        </p:txBody>
+      </p:sp>
+      <p:sp>
+        <p:nvSpPr>
+          <p:cNvPr id="6" name="Arrow: Right 5">
+            <a:extLst>
+              <a:ext uri="{FF2B5EF4-FFF2-40B4-BE49-F238E27FC236}">
+                <a16:creationId xmlns:a16="http://schemas.microsoft.com/office/drawing/2014/main" id="{5977F649-798A-20CD-A0D7-3CD748840C52}"/>
+              </a:ext>
+            </a:extLst>
+          </p:cNvPr>
+          <p:cNvSpPr/>
+          <p:nvPr/>
+        </p:nvSpPr>
+        <p:spPr>
+          <a:xfrm>
+            <a:off x="5943600" y="4635522"/>
+            <a:ext cx="3826933" cy="1041400"/>
+          </a:xfrm>
+          <a:prstGeom prst="rightArrow">
+            <a:avLst/>
+          </a:prstGeom>
+        </p:spPr>
+        <p:style>
+          <a:lnRef idx="2">
+            <a:schemeClr val="accent1">
+              <a:shade val="15000"/>
+            </a:schemeClr>
+          </a:lnRef>
+          <a:fillRef idx="1">
+            <a:schemeClr val="accent1"/>
+          </a:fillRef>
+          <a:effectRef idx="0">
+            <a:schemeClr val="accent1"/>
+          </a:effectRef>
+          <a:fontRef idx="minor">
+            <a:schemeClr val="lt1"/>
+          </a:fontRef>
+        </p:style>
+        <p:txBody>
+          <a:bodyPr rtlCol="0" anchor="ctr"/>
+          <a:lstStyle/>
+          <a:p>
+            <a:pPr algn="ctr"/>
+            <a:r>
+              <a:rPr lang="en-US" sz="1800" dirty="0">
+                <a:solidFill>
+                  <a:schemeClr val="bg1"/>
+                </a:solidFill>
+                <a:latin typeface="Consolas" panose="020B0609020204030204" pitchFamily="49" charset="0"/>
+              </a:rPr>
+              <a:t>$ git commit –m “Message”</a:t>
+            </a:r>
+          </a:p>
+        </p:txBody>
+      </p:sp>
+      <p:pic>
+        <p:nvPicPr>
+          <p:cNvPr id="14" name="Picture 13">
+            <a:extLst>
+              <a:ext uri="{FF2B5EF4-FFF2-40B4-BE49-F238E27FC236}">
+                <a16:creationId xmlns:a16="http://schemas.microsoft.com/office/drawing/2014/main" id="{C4089F58-AA1E-3B04-4E9D-CB5EF34FD095}"/>
+              </a:ext>
+            </a:extLst>
+          </p:cNvPr>
+          <p:cNvPicPr>
+            <a:picLocks noChangeAspect="1"/>
+          </p:cNvPicPr>
+          <p:nvPr/>
+        </p:nvPicPr>
+        <p:blipFill>
+          <a:blip r:embed="rId3"/>
+          <a:stretch>
+            <a:fillRect/>
+          </a:stretch>
+        </p:blipFill>
+        <p:spPr>
+          <a:xfrm>
+            <a:off x="9770533" y="4635522"/>
+            <a:ext cx="712532" cy="1063082"/>
+          </a:xfrm>
+          <a:prstGeom prst="rect">
+            <a:avLst/>
+          </a:prstGeom>
+        </p:spPr>
+      </p:pic>
+      <p:sp>
+        <p:nvSpPr>
+          <p:cNvPr id="2" name="Arrow: Right 1">
+            <a:extLst>
+              <a:ext uri="{FF2B5EF4-FFF2-40B4-BE49-F238E27FC236}">
+                <a16:creationId xmlns:a16="http://schemas.microsoft.com/office/drawing/2014/main" id="{B480D365-49AC-0D30-2298-20BF4595EA0D}"/>
+              </a:ext>
+            </a:extLst>
+          </p:cNvPr>
+          <p:cNvSpPr/>
+          <p:nvPr/>
+        </p:nvSpPr>
+        <p:spPr>
+          <a:xfrm>
+            <a:off x="1949449" y="2637389"/>
+            <a:ext cx="4047067" cy="1041400"/>
+          </a:xfrm>
+          <a:prstGeom prst="rightArrow">
+            <a:avLst/>
+          </a:prstGeom>
+        </p:spPr>
+        <p:style>
+          <a:lnRef idx="2">
+            <a:schemeClr val="accent2">
+              <a:shade val="15000"/>
+            </a:schemeClr>
+          </a:lnRef>
+          <a:fillRef idx="1">
+            <a:schemeClr val="accent2"/>
+          </a:fillRef>
+          <a:effectRef idx="0">
+            <a:schemeClr val="accent2"/>
+          </a:effectRef>
+          <a:fontRef idx="minor">
+            <a:schemeClr val="lt1"/>
+          </a:fontRef>
+        </p:style>
+        <p:txBody>
+          <a:bodyPr rtlCol="0" anchor="ctr"/>
+          <a:lstStyle/>
+          <a:p>
+            <a:pPr algn="ctr"/>
+            <a:r>
+              <a:rPr lang="en-US" sz="1800" dirty="0">
+                <a:solidFill>
+                  <a:schemeClr val="bg1"/>
+                </a:solidFill>
+                <a:latin typeface="Consolas" panose="020B0609020204030204" pitchFamily="49" charset="0"/>
+              </a:rPr>
+              <a:t>$ git add new-text-file.txt</a:t>
+            </a:r>
+          </a:p>
+        </p:txBody>
+      </p:sp>
+    </p:spTree>
+    <p:extLst>
+      <p:ext uri="{BB962C8B-B14F-4D97-AF65-F5344CB8AC3E}">
+        <p14:creationId xmlns:p14="http://schemas.microsoft.com/office/powerpoint/2010/main" val="50069700"/>
+      </p:ext>
+    </p:extLst>
+  </p:cSld>
+  <p:clrMapOvr>
+    <a:masterClrMapping/>
+  </p:clrMapOvr>
+  <mc:AlternateContent xmlns:mc="http://schemas.openxmlformats.org/markup-compatibility/2006" xmlns:p14="http://schemas.microsoft.com/office/powerpoint/2010/main">
+    <mc:Choice Requires="p14">
+      <p:transition spd="med" p14:dur="700">
+        <p:fade/>
+      </p:transition>
+    </mc:Choice>
+    <mc:Fallback xmlns="">
+      <p:transition spd="med">
+        <p:fade/>
+      </p:transition>
+    </mc:Fallback>
+  </mc:AlternateContent>
+</p:sld>
+</file>
+
 <file path=ppt/slides/slide2.xml><?xml version="1.0" encoding="utf-8"?>
 <p:sld xmlns:a="http://schemas.openxmlformats.org/drawingml/2006/main" xmlns:r="http://schemas.openxmlformats.org/officeDocument/2006/relationships" xmlns:p="http://schemas.openxmlformats.org/presentationml/2006/main">
   <p:cSld>
@@ -9407,361 +10816,166 @@
             <p:ph type="title"/>
           </p:nvPr>
         </p:nvSpPr>
-        <p:spPr>
-          <a:xfrm>
-            <a:off x="914400" y="946653"/>
-            <a:ext cx="10058400" cy="734003"/>
-          </a:xfrm>
-        </p:spPr>
+        <p:spPr/>
         <p:txBody>
           <a:bodyPr/>
           <a:lstStyle/>
           <a:p>
             <a:r>
               <a:rPr lang="en-US" dirty="0"/>
-              <a:t>How Git works?</a:t>
-            </a:r>
-          </a:p>
-        </p:txBody>
-      </p:sp>
-      <p:sp>
-        <p:nvSpPr>
-          <p:cNvPr id="7" name="Rectangle 6">
+              <a:t>Git Add</a:t>
+            </a:r>
+          </a:p>
+        </p:txBody>
+      </p:sp>
+      <p:sp>
+        <p:nvSpPr>
+          <p:cNvPr id="11" name="TextBox 10">
             <a:extLst>
               <a:ext uri="{FF2B5EF4-FFF2-40B4-BE49-F238E27FC236}">
-                <a16:creationId xmlns:a16="http://schemas.microsoft.com/office/drawing/2014/main" id="{A8EBA72D-EAF7-B507-63E8-ADC354B6DBDD}"/>
+                <a16:creationId xmlns:a16="http://schemas.microsoft.com/office/drawing/2014/main" id="{5F10B270-092D-4173-A3B8-3C667092E3A0}"/>
               </a:ext>
             </a:extLst>
           </p:cNvPr>
-          <p:cNvSpPr/>
+          <p:cNvSpPr txBox="1"/>
           <p:nvPr/>
         </p:nvSpPr>
         <p:spPr>
           <a:xfrm>
-            <a:off x="1075266" y="1811867"/>
-            <a:ext cx="2751667" cy="4656666"/>
+            <a:off x="914400" y="1975015"/>
+            <a:ext cx="10421354" cy="1384995"/>
           </a:xfrm>
           <a:prstGeom prst="rect">
             <a:avLst/>
           </a:prstGeom>
-          <a:solidFill>
-            <a:schemeClr val="accent6">
-              <a:alpha val="50000"/>
-            </a:schemeClr>
-          </a:solidFill>
-          <a:ln>
-            <a:noFill/>
-          </a:ln>
+          <a:noFill/>
         </p:spPr>
-        <p:style>
-          <a:lnRef idx="0">
-            <a:scrgbClr r="0" g="0" b="0"/>
-          </a:lnRef>
-          <a:fillRef idx="0">
-            <a:scrgbClr r="0" g="0" b="0"/>
-          </a:fillRef>
-          <a:effectRef idx="0">
-            <a:scrgbClr r="0" g="0" b="0"/>
-          </a:effectRef>
-          <a:fontRef idx="minor">
-            <a:schemeClr val="lt1"/>
-          </a:fontRef>
-        </p:style>
-        <p:txBody>
-          <a:bodyPr rtlCol="0" anchor="t"/>
-          <a:lstStyle/>
-          <a:p>
-            <a:pPr algn="ctr">
-              <a:lnSpc>
-                <a:spcPct val="200000"/>
-              </a:lnSpc>
-            </a:pPr>
-            <a:r>
-              <a:rPr lang="en-US" sz="2000" b="1" dirty="0">
-                <a:effectLst>
-                  <a:outerShdw blurRad="38100" dist="38100" dir="2700000" algn="tl">
-                    <a:srgbClr val="000000">
-                      <a:alpha val="43137"/>
-                    </a:srgbClr>
-                  </a:outerShdw>
-                </a:effectLst>
-                <a:latin typeface="+mj-lt"/>
+        <p:txBody>
+          <a:bodyPr wrap="square">
+            <a:spAutoFit/>
+          </a:bodyPr>
+          <a:lstStyle/>
+          <a:p>
+            <a:r>
+              <a:rPr lang="en-US" sz="2800" dirty="0">
+                <a:gradFill>
+                  <a:gsLst>
+                    <a:gs pos="61049">
+                      <a:schemeClr val="tx1"/>
+                    </a:gs>
+                    <a:gs pos="43000">
+                      <a:schemeClr val="tx1"/>
+                    </a:gs>
+                  </a:gsLst>
+                  <a:lin ang="5400000" scaled="0"/>
+                </a:gradFill>
+                <a:latin typeface="Consolas" panose="020B0609020204030204" pitchFamily="49" charset="0"/>
               </a:rPr>
-              <a:t>Working Directory</a:t>
-            </a:r>
-          </a:p>
-        </p:txBody>
-      </p:sp>
-      <p:sp>
-        <p:nvSpPr>
-          <p:cNvPr id="8" name="Rectangle 7">
+              <a:t>$ git add &lt;file1&gt; &lt;file2&gt; … &lt;</a:t>
+            </a:r>
+            <a:r>
+              <a:rPr lang="en-US" sz="2800" dirty="0" err="1">
+                <a:gradFill>
+                  <a:gsLst>
+                    <a:gs pos="61049">
+                      <a:schemeClr val="tx1"/>
+                    </a:gs>
+                    <a:gs pos="43000">
+                      <a:schemeClr val="tx1"/>
+                    </a:gs>
+                  </a:gsLst>
+                  <a:lin ang="5400000" scaled="0"/>
+                </a:gradFill>
+                <a:latin typeface="Consolas" panose="020B0609020204030204" pitchFamily="49" charset="0"/>
+              </a:rPr>
+              <a:t>fileN</a:t>
+            </a:r>
+            <a:r>
+              <a:rPr lang="en-US" sz="2800" dirty="0">
+                <a:gradFill>
+                  <a:gsLst>
+                    <a:gs pos="61049">
+                      <a:schemeClr val="tx1"/>
+                    </a:gs>
+                    <a:gs pos="43000">
+                      <a:schemeClr val="tx1"/>
+                    </a:gs>
+                  </a:gsLst>
+                  <a:lin ang="5400000" scaled="0"/>
+                </a:gradFill>
+                <a:latin typeface="Consolas" panose="020B0609020204030204" pitchFamily="49" charset="0"/>
+              </a:rPr>
+              <a:t>&gt;</a:t>
+            </a:r>
+          </a:p>
+          <a:p>
+            <a:br>
+              <a:rPr lang="en-US" sz="2800" dirty="0">
+                <a:gradFill>
+                  <a:gsLst>
+                    <a:gs pos="61049">
+                      <a:schemeClr val="tx1"/>
+                    </a:gs>
+                    <a:gs pos="43000">
+                      <a:schemeClr val="tx1"/>
+                    </a:gs>
+                  </a:gsLst>
+                  <a:lin ang="5400000" scaled="0"/>
+                </a:gradFill>
+                <a:latin typeface="Consolas" panose="020B0609020204030204" pitchFamily="49" charset="0"/>
+              </a:rPr>
+            </a:br>
+            <a:r>
+              <a:rPr lang="en-US" sz="2800" dirty="0">
+                <a:gradFill>
+                  <a:gsLst>
+                    <a:gs pos="61049">
+                      <a:schemeClr val="tx1"/>
+                    </a:gs>
+                    <a:gs pos="43000">
+                      <a:schemeClr val="tx1"/>
+                    </a:gs>
+                  </a:gsLst>
+                  <a:lin ang="5400000" scaled="0"/>
+                </a:gradFill>
+                <a:latin typeface="Consolas" panose="020B0609020204030204" pitchFamily="49" charset="0"/>
+              </a:rPr>
+              <a:t>$ git add .</a:t>
+            </a:r>
+          </a:p>
+        </p:txBody>
+      </p:sp>
+      <p:sp>
+        <p:nvSpPr>
+          <p:cNvPr id="13" name="TextBox 12">
             <a:extLst>
               <a:ext uri="{FF2B5EF4-FFF2-40B4-BE49-F238E27FC236}">
-                <a16:creationId xmlns:a16="http://schemas.microsoft.com/office/drawing/2014/main" id="{D36DF123-7D24-8425-DFCD-A2EE39418CF7}"/>
+                <a16:creationId xmlns:a16="http://schemas.microsoft.com/office/drawing/2014/main" id="{DDBF212F-C335-4FA8-9A3C-EB7A6B479EDE}"/>
               </a:ext>
             </a:extLst>
           </p:cNvPr>
-          <p:cNvSpPr/>
+          <p:cNvSpPr txBox="1"/>
           <p:nvPr/>
         </p:nvSpPr>
         <p:spPr>
           <a:xfrm>
-            <a:off x="4620683" y="1811867"/>
-            <a:ext cx="2751667" cy="4656666"/>
+            <a:off x="914400" y="4124120"/>
+            <a:ext cx="10183171" cy="461665"/>
           </a:xfrm>
           <a:prstGeom prst="rect">
             <a:avLst/>
           </a:prstGeom>
-          <a:solidFill>
-            <a:schemeClr val="accent3">
-              <a:alpha val="50000"/>
-            </a:schemeClr>
-          </a:solidFill>
-          <a:ln>
-            <a:noFill/>
-          </a:ln>
+          <a:noFill/>
         </p:spPr>
-        <p:style>
-          <a:lnRef idx="0">
-            <a:scrgbClr r="0" g="0" b="0"/>
-          </a:lnRef>
-          <a:fillRef idx="0">
-            <a:scrgbClr r="0" g="0" b="0"/>
-          </a:fillRef>
-          <a:effectRef idx="0">
-            <a:scrgbClr r="0" g="0" b="0"/>
-          </a:effectRef>
-          <a:fontRef idx="minor">
-            <a:schemeClr val="lt1"/>
-          </a:fontRef>
-        </p:style>
-        <p:txBody>
-          <a:bodyPr rtlCol="0" anchor="t"/>
-          <a:lstStyle/>
-          <a:p>
-            <a:pPr algn="ctr">
-              <a:lnSpc>
-                <a:spcPct val="200000"/>
-              </a:lnSpc>
-            </a:pPr>
-            <a:r>
-              <a:rPr lang="en-US" sz="2000" b="1" dirty="0">
-                <a:effectLst>
-                  <a:outerShdw blurRad="38100" dist="38100" dir="2700000" algn="tl">
-                    <a:srgbClr val="000000">
-                      <a:alpha val="43137"/>
-                    </a:srgbClr>
-                  </a:outerShdw>
-                </a:effectLst>
-                <a:latin typeface="+mj-lt"/>
-              </a:rPr>
-              <a:t>Staging Area</a:t>
-            </a:r>
-          </a:p>
-        </p:txBody>
-      </p:sp>
-      <p:sp>
-        <p:nvSpPr>
-          <p:cNvPr id="9" name="Rectangle 8">
-            <a:extLst>
-              <a:ext uri="{FF2B5EF4-FFF2-40B4-BE49-F238E27FC236}">
-                <a16:creationId xmlns:a16="http://schemas.microsoft.com/office/drawing/2014/main" id="{D1CCF84F-94AF-F007-A9A9-3D45ACE0A92C}"/>
-              </a:ext>
-            </a:extLst>
-          </p:cNvPr>
-          <p:cNvSpPr/>
-          <p:nvPr/>
-        </p:nvSpPr>
-        <p:spPr>
-          <a:xfrm>
-            <a:off x="8166100" y="1811867"/>
-            <a:ext cx="2751667" cy="4656666"/>
-          </a:xfrm>
-          <a:prstGeom prst="rect">
-            <a:avLst/>
-          </a:prstGeom>
-          <a:solidFill>
-            <a:schemeClr val="accent5">
-              <a:alpha val="50000"/>
-            </a:schemeClr>
-          </a:solidFill>
-          <a:ln>
-            <a:noFill/>
-          </a:ln>
-        </p:spPr>
-        <p:style>
-          <a:lnRef idx="0">
-            <a:scrgbClr r="0" g="0" b="0"/>
-          </a:lnRef>
-          <a:fillRef idx="0">
-            <a:scrgbClr r="0" g="0" b="0"/>
-          </a:fillRef>
-          <a:effectRef idx="0">
-            <a:scrgbClr r="0" g="0" b="0"/>
-          </a:effectRef>
-          <a:fontRef idx="minor">
-            <a:schemeClr val="lt1"/>
-          </a:fontRef>
-        </p:style>
-        <p:txBody>
-          <a:bodyPr rtlCol="0" anchor="t"/>
-          <a:lstStyle/>
-          <a:p>
-            <a:pPr algn="ctr">
-              <a:lnSpc>
-                <a:spcPct val="200000"/>
-              </a:lnSpc>
-            </a:pPr>
-            <a:r>
-              <a:rPr lang="en-US" sz="2000" b="1" dirty="0">
-                <a:effectLst>
-                  <a:outerShdw blurRad="38100" dist="38100" dir="2700000" algn="tl">
-                    <a:srgbClr val="000000">
-                      <a:alpha val="43137"/>
-                    </a:srgbClr>
-                  </a:outerShdw>
-                </a:effectLst>
-                <a:latin typeface="+mj-lt"/>
-              </a:rPr>
-              <a:t>Local Repository</a:t>
-            </a:r>
-          </a:p>
-        </p:txBody>
-      </p:sp>
-      <p:sp>
-        <p:nvSpPr>
-          <p:cNvPr id="6" name="Arrow: Right 5">
-            <a:extLst>
-              <a:ext uri="{FF2B5EF4-FFF2-40B4-BE49-F238E27FC236}">
-                <a16:creationId xmlns:a16="http://schemas.microsoft.com/office/drawing/2014/main" id="{5977F649-798A-20CD-A0D7-3CD748840C52}"/>
-              </a:ext>
-            </a:extLst>
-          </p:cNvPr>
-          <p:cNvSpPr/>
-          <p:nvPr/>
-        </p:nvSpPr>
-        <p:spPr>
-          <a:xfrm>
-            <a:off x="5943600" y="4635522"/>
-            <a:ext cx="3826933" cy="1041400"/>
-          </a:xfrm>
-          <a:prstGeom prst="rightArrow">
-            <a:avLst/>
-          </a:prstGeom>
-        </p:spPr>
-        <p:style>
-          <a:lnRef idx="2">
-            <a:schemeClr val="accent1">
-              <a:shade val="15000"/>
-            </a:schemeClr>
-          </a:lnRef>
-          <a:fillRef idx="1">
-            <a:schemeClr val="accent1"/>
-          </a:fillRef>
-          <a:effectRef idx="0">
-            <a:schemeClr val="accent1"/>
-          </a:effectRef>
-          <a:fontRef idx="minor">
-            <a:schemeClr val="lt1"/>
-          </a:fontRef>
-        </p:style>
-        <p:txBody>
-          <a:bodyPr rtlCol="0" anchor="ctr"/>
-          <a:lstStyle/>
-          <a:p>
-            <a:pPr algn="ctr"/>
-            <a:r>
-              <a:rPr lang="en-US" sz="1800" dirty="0">
-                <a:solidFill>
-                  <a:schemeClr val="bg1"/>
-                </a:solidFill>
-                <a:latin typeface="Consolas" panose="020B0609020204030204" pitchFamily="49" charset="0"/>
-              </a:rPr>
-              <a:t>$ git commit –m “Message”</a:t>
-            </a:r>
-          </a:p>
-        </p:txBody>
-      </p:sp>
-      <p:pic>
-        <p:nvPicPr>
-          <p:cNvPr id="14" name="Picture 13">
-            <a:extLst>
-              <a:ext uri="{FF2B5EF4-FFF2-40B4-BE49-F238E27FC236}">
-                <a16:creationId xmlns:a16="http://schemas.microsoft.com/office/drawing/2014/main" id="{C4089F58-AA1E-3B04-4E9D-CB5EF34FD095}"/>
-              </a:ext>
-            </a:extLst>
-          </p:cNvPr>
-          <p:cNvPicPr>
-            <a:picLocks noChangeAspect="1"/>
-          </p:cNvPicPr>
-          <p:nvPr/>
-        </p:nvPicPr>
-        <p:blipFill>
-          <a:blip r:embed="rId3"/>
-          <a:stretch>
-            <a:fillRect/>
-          </a:stretch>
-        </p:blipFill>
-        <p:spPr>
-          <a:xfrm>
-            <a:off x="9770533" y="4635522"/>
-            <a:ext cx="712532" cy="1063082"/>
-          </a:xfrm>
-          <a:prstGeom prst="rect">
-            <a:avLst/>
-          </a:prstGeom>
-        </p:spPr>
-      </p:pic>
-      <p:sp>
-        <p:nvSpPr>
-          <p:cNvPr id="2" name="Arrow: Right 1">
-            <a:extLst>
-              <a:ext uri="{FF2B5EF4-FFF2-40B4-BE49-F238E27FC236}">
-                <a16:creationId xmlns:a16="http://schemas.microsoft.com/office/drawing/2014/main" id="{B480D365-49AC-0D30-2298-20BF4595EA0D}"/>
-              </a:ext>
-            </a:extLst>
-          </p:cNvPr>
-          <p:cNvSpPr/>
-          <p:nvPr/>
-        </p:nvSpPr>
-        <p:spPr>
-          <a:xfrm>
-            <a:off x="1949449" y="2637389"/>
-            <a:ext cx="4047067" cy="1041400"/>
-          </a:xfrm>
-          <a:prstGeom prst="rightArrow">
-            <a:avLst/>
-          </a:prstGeom>
-        </p:spPr>
-        <p:style>
-          <a:lnRef idx="2">
-            <a:schemeClr val="accent2">
-              <a:shade val="15000"/>
-            </a:schemeClr>
-          </a:lnRef>
-          <a:fillRef idx="1">
-            <a:schemeClr val="accent2"/>
-          </a:fillRef>
-          <a:effectRef idx="0">
-            <a:schemeClr val="accent2"/>
-          </a:effectRef>
-          <a:fontRef idx="minor">
-            <a:schemeClr val="lt1"/>
-          </a:fontRef>
-        </p:style>
-        <p:txBody>
-          <a:bodyPr rtlCol="0" anchor="ctr"/>
-          <a:lstStyle/>
-          <a:p>
-            <a:pPr algn="ctr"/>
-            <a:r>
-              <a:rPr lang="en-US" sz="1800" dirty="0">
-                <a:solidFill>
-                  <a:schemeClr val="bg1"/>
-                </a:solidFill>
-                <a:latin typeface="Consolas" panose="020B0609020204030204" pitchFamily="49" charset="0"/>
-              </a:rPr>
-              <a:t>$ git add new-text-file.txt</a:t>
+        <p:txBody>
+          <a:bodyPr wrap="square">
+            <a:spAutoFit/>
+          </a:bodyPr>
+          <a:lstStyle/>
+          <a:p>
+            <a:r>
+              <a:rPr lang="en-US" sz="2400" dirty="0"/>
+              <a:t>This command moves your changes to the staging area.</a:t>
             </a:r>
           </a:p>
         </p:txBody>
@@ -9769,7 +10983,7 @@
     </p:spTree>
     <p:extLst>
       <p:ext uri="{BB962C8B-B14F-4D97-AF65-F5344CB8AC3E}">
-        <p14:creationId xmlns:p14="http://schemas.microsoft.com/office/powerpoint/2010/main" val="50069700"/>
+        <p14:creationId xmlns:p14="http://schemas.microsoft.com/office/powerpoint/2010/main" val="4072511789"/>
       </p:ext>
     </p:extLst>
   </p:cSld>
@@ -9818,14 +11032,19 @@
             <p:ph type="title"/>
           </p:nvPr>
         </p:nvSpPr>
-        <p:spPr/>
+        <p:spPr>
+          <a:xfrm>
+            <a:off x="914400" y="946653"/>
+            <a:ext cx="10058400" cy="953709"/>
+          </a:xfrm>
+        </p:spPr>
         <p:txBody>
           <a:bodyPr/>
           <a:lstStyle/>
           <a:p>
             <a:r>
               <a:rPr lang="en-US" dirty="0"/>
-              <a:t>Git Add</a:t>
+              <a:t>Git Commit</a:t>
             </a:r>
           </a:p>
         </p:txBody>
@@ -9845,7 +11064,7 @@
         <p:spPr>
           <a:xfrm>
             <a:off x="914400" y="1975015"/>
-            <a:ext cx="10421354" cy="1384995"/>
+            <a:ext cx="10421354" cy="523220"/>
           </a:xfrm>
           <a:prstGeom prst="rect">
             <a:avLst/>
@@ -9873,76 +11092,7 @@
                 </a:gradFill>
                 <a:latin typeface="Consolas" panose="020B0609020204030204" pitchFamily="49" charset="0"/>
               </a:rPr>
-              <a:t>$ git add &lt;file1&gt; &lt;file2&gt; … &lt;</a:t>
-            </a:r>
-            <a:r>
-              <a:rPr lang="en-US" sz="2800" dirty="0" err="1">
-                <a:gradFill>
-                  <a:gsLst>
-                    <a:gs pos="61049">
-                      <a:schemeClr val="tx1"/>
-                    </a:gs>
-                    <a:gs pos="43000">
-                      <a:schemeClr val="tx1"/>
-                    </a:gs>
-                  </a:gsLst>
-                  <a:lin ang="5400000" scaled="0"/>
-                </a:gradFill>
-                <a:latin typeface="Consolas" panose="020B0609020204030204" pitchFamily="49" charset="0"/>
-              </a:rPr>
-              <a:t>fileN</a:t>
-            </a:r>
-            <a:r>
-              <a:rPr lang="en-US" sz="2800" dirty="0">
-                <a:gradFill>
-                  <a:gsLst>
-                    <a:gs pos="61049">
-                      <a:schemeClr val="tx1"/>
-                    </a:gs>
-                    <a:gs pos="43000">
-                      <a:schemeClr val="tx1"/>
-                    </a:gs>
-                  </a:gsLst>
-                  <a:lin ang="5400000" scaled="0"/>
-                </a:gradFill>
-                <a:latin typeface="Consolas" panose="020B0609020204030204" pitchFamily="49" charset="0"/>
-              </a:rPr>
-              <a:t>&gt;</a:t>
-            </a:r>
-          </a:p>
-          <a:p>
-            <a:br>
-              <a:rPr lang="en-US" sz="2800" dirty="0">
-                <a:gradFill>
-                  <a:gsLst>
-                    <a:gs pos="61049">
-                      <a:schemeClr val="tx1"/>
-                    </a:gs>
-                    <a:gs pos="43000">
-                      <a:schemeClr val="tx1"/>
-                    </a:gs>
-                  </a:gsLst>
-                  <a:lin ang="5400000" scaled="0"/>
-                </a:gradFill>
-                <a:latin typeface="Consolas" panose="020B0609020204030204" pitchFamily="49" charset="0"/>
-              </a:rPr>
-            </a:br>
-            <a:r>
-              <a:rPr lang="en-US" sz="2800" dirty="0">
-                <a:gradFill>
-                  <a:gsLst>
-                    <a:gs pos="61049">
-                      <a:schemeClr val="tx1"/>
-                    </a:gs>
-                    <a:gs pos="43000">
-                      <a:schemeClr val="tx1"/>
-                    </a:gs>
-                  </a:gsLst>
-                  <a:lin ang="5400000" scaled="0"/>
-                </a:gradFill>
-                <a:latin typeface="Consolas" panose="020B0609020204030204" pitchFamily="49" charset="0"/>
-              </a:rPr>
-              <a:t>$ git add .</a:t>
+              <a:t>$ git commit –m “Initial commit”</a:t>
             </a:r>
           </a:p>
         </p:txBody>
@@ -9961,8 +11111,8 @@
         </p:nvSpPr>
         <p:spPr>
           <a:xfrm>
-            <a:off x="914400" y="4124120"/>
-            <a:ext cx="10183171" cy="461665"/>
+            <a:off x="914400" y="3198167"/>
+            <a:ext cx="10183171" cy="1200329"/>
           </a:xfrm>
           <a:prstGeom prst="rect">
             <a:avLst/>
@@ -9977,7 +11127,16 @@
           <a:p>
             <a:r>
               <a:rPr lang="en-US" sz="2400" dirty="0"/>
-              <a:t>This command moves your changes to the staging area.</a:t>
+              <a:t>This command moves your changes to the local repository.</a:t>
+            </a:r>
+          </a:p>
+          <a:p>
+            <a:endParaRPr lang="en-US" sz="2400" dirty="0"/>
+          </a:p>
+          <a:p>
+            <a:r>
+              <a:rPr lang="en-US" sz="2400" dirty="0"/>
+              <a:t>Try to always write your commit message in an imperative way.</a:t>
             </a:r>
           </a:p>
         </p:txBody>
@@ -9985,7 +11144,7 @@
     </p:spTree>
     <p:extLst>
       <p:ext uri="{BB962C8B-B14F-4D97-AF65-F5344CB8AC3E}">
-        <p14:creationId xmlns:p14="http://schemas.microsoft.com/office/powerpoint/2010/main" val="4072511789"/>
+        <p14:creationId xmlns:p14="http://schemas.microsoft.com/office/powerpoint/2010/main" val="64910240"/>
       </p:ext>
     </p:extLst>
   </p:cSld>
@@ -10046,55 +11205,7 @@
           <a:p>
             <a:r>
               <a:rPr lang="en-US" dirty="0"/>
-              <a:t>Git Commit</a:t>
-            </a:r>
-          </a:p>
-        </p:txBody>
-      </p:sp>
-      <p:sp>
-        <p:nvSpPr>
-          <p:cNvPr id="11" name="TextBox 10">
-            <a:extLst>
-              <a:ext uri="{FF2B5EF4-FFF2-40B4-BE49-F238E27FC236}">
-                <a16:creationId xmlns:a16="http://schemas.microsoft.com/office/drawing/2014/main" id="{5F10B270-092D-4173-A3B8-3C667092E3A0}"/>
-              </a:ext>
-            </a:extLst>
-          </p:cNvPr>
-          <p:cNvSpPr txBox="1"/>
-          <p:nvPr/>
-        </p:nvSpPr>
-        <p:spPr>
-          <a:xfrm>
-            <a:off x="914400" y="1975015"/>
-            <a:ext cx="10421354" cy="523220"/>
-          </a:xfrm>
-          <a:prstGeom prst="rect">
-            <a:avLst/>
-          </a:prstGeom>
-          <a:noFill/>
-        </p:spPr>
-        <p:txBody>
-          <a:bodyPr wrap="square">
-            <a:spAutoFit/>
-          </a:bodyPr>
-          <a:lstStyle/>
-          <a:p>
-            <a:r>
-              <a:rPr lang="en-US" sz="2800" dirty="0">
-                <a:gradFill>
-                  <a:gsLst>
-                    <a:gs pos="61049">
-                      <a:schemeClr val="tx1"/>
-                    </a:gs>
-                    <a:gs pos="43000">
-                      <a:schemeClr val="tx1"/>
-                    </a:gs>
-                  </a:gsLst>
-                  <a:lin ang="5400000" scaled="0"/>
-                </a:gradFill>
-                <a:latin typeface="Consolas" panose="020B0609020204030204" pitchFamily="49" charset="0"/>
-              </a:rPr>
-              <a:t>$ git commit –m “Initial commit”</a:t>
+              <a:t>Git Commit Message</a:t>
             </a:r>
           </a:p>
         </p:txBody>
@@ -10113,8 +11224,8 @@
         </p:nvSpPr>
         <p:spPr>
           <a:xfrm>
-            <a:off x="914400" y="3198167"/>
-            <a:ext cx="10183171" cy="1200329"/>
+            <a:off x="914400" y="1989568"/>
+            <a:ext cx="10183171" cy="3416320"/>
           </a:xfrm>
           <a:prstGeom prst="rect">
             <a:avLst/>
@@ -10129,7 +11240,27 @@
           <a:p>
             <a:r>
               <a:rPr lang="en-US" sz="2400" dirty="0"/>
-              <a:t>This command moves your changes to the local repository.</a:t>
+              <a:t>Do’s </a:t>
+            </a:r>
+          </a:p>
+          <a:p>
+            <a:pPr marL="342900" indent="-342900">
+              <a:buFont typeface="Arial" panose="020B0604020202020204" pitchFamily="34" charset="0"/>
+              <a:buChar char="•"/>
+            </a:pPr>
+            <a:r>
+              <a:rPr lang="en-US" sz="2400" dirty="0"/>
+              <a:t>Keep the message short (less than 60-ish characters)</a:t>
+            </a:r>
+          </a:p>
+          <a:p>
+            <a:pPr marL="342900" indent="-342900">
+              <a:buFont typeface="Arial" panose="020B0604020202020204" pitchFamily="34" charset="0"/>
+              <a:buChar char="•"/>
+            </a:pPr>
+            <a:r>
+              <a:rPr lang="en-US" sz="2400" dirty="0"/>
+              <a:t>Explain what the commit does (not how or why!)</a:t>
             </a:r>
           </a:p>
           <a:p>
@@ -10138,15 +11269,48 @@
           <a:p>
             <a:r>
               <a:rPr lang="en-US" sz="2400" dirty="0"/>
-              <a:t>Try to always write your commit message in an imperative way.</a:t>
-            </a:r>
+              <a:t>Don’ts</a:t>
+            </a:r>
+          </a:p>
+          <a:p>
+            <a:pPr marL="342900" indent="-342900">
+              <a:buFont typeface="Arial" panose="020B0604020202020204" pitchFamily="34" charset="0"/>
+              <a:buChar char="•"/>
+            </a:pPr>
+            <a:r>
+              <a:rPr lang="en-US" sz="2400" dirty="0"/>
+              <a:t>Explain why the changes are made</a:t>
+            </a:r>
+          </a:p>
+          <a:p>
+            <a:pPr marL="342900" indent="-342900">
+              <a:buFont typeface="Arial" panose="020B0604020202020204" pitchFamily="34" charset="0"/>
+              <a:buChar char="•"/>
+            </a:pPr>
+            <a:r>
+              <a:rPr lang="en-US" sz="2400" dirty="0"/>
+              <a:t>Explain how the changes are made</a:t>
+            </a:r>
+          </a:p>
+          <a:p>
+            <a:pPr marL="342900" indent="-342900">
+              <a:buFont typeface="Arial" panose="020B0604020202020204" pitchFamily="34" charset="0"/>
+              <a:buChar char="•"/>
+            </a:pPr>
+            <a:r>
+              <a:rPr lang="en-US" sz="2400" dirty="0"/>
+              <a:t>Use the word “and”</a:t>
+            </a:r>
+          </a:p>
+          <a:p>
+            <a:endParaRPr lang="en-US" sz="2400" dirty="0"/>
           </a:p>
         </p:txBody>
       </p:sp>
     </p:spTree>
     <p:extLst>
       <p:ext uri="{BB962C8B-B14F-4D97-AF65-F5344CB8AC3E}">
-        <p14:creationId xmlns:p14="http://schemas.microsoft.com/office/powerpoint/2010/main" val="64910240"/>
+        <p14:creationId xmlns:p14="http://schemas.microsoft.com/office/powerpoint/2010/main" val="1460916210"/>
       </p:ext>
     </p:extLst>
   </p:cSld>
@@ -10195,19 +11359,62 @@
             <p:ph type="title"/>
           </p:nvPr>
         </p:nvSpPr>
+        <p:spPr/>
+        <p:txBody>
+          <a:bodyPr/>
+          <a:lstStyle/>
+          <a:p>
+            <a:r>
+              <a:rPr lang="en-US" dirty="0"/>
+              <a:t>Reviewing the Repository’s History</a:t>
+            </a:r>
+          </a:p>
+        </p:txBody>
+      </p:sp>
+      <p:sp>
+        <p:nvSpPr>
+          <p:cNvPr id="11" name="TextBox 10">
+            <a:extLst>
+              <a:ext uri="{FF2B5EF4-FFF2-40B4-BE49-F238E27FC236}">
+                <a16:creationId xmlns:a16="http://schemas.microsoft.com/office/drawing/2014/main" id="{5F10B270-092D-4173-A3B8-3C667092E3A0}"/>
+              </a:ext>
+            </a:extLst>
+          </p:cNvPr>
+          <p:cNvSpPr txBox="1"/>
+          <p:nvPr/>
+        </p:nvSpPr>
         <p:spPr>
           <a:xfrm>
-            <a:off x="914400" y="946653"/>
-            <a:ext cx="10058400" cy="953709"/>
+            <a:off x="1033492" y="1764158"/>
+            <a:ext cx="10421354" cy="523220"/>
           </a:xfrm>
+          <a:prstGeom prst="rect">
+            <a:avLst/>
+          </a:prstGeom>
+          <a:noFill/>
         </p:spPr>
         <p:txBody>
-          <a:bodyPr/>
-          <a:lstStyle/>
-          <a:p>
-            <a:r>
-              <a:rPr lang="en-US" dirty="0"/>
-              <a:t>Git Commit Message</a:t>
+          <a:bodyPr wrap="square">
+            <a:spAutoFit/>
+          </a:bodyPr>
+          <a:lstStyle/>
+          <a:p>
+            <a:r>
+              <a:rPr lang="en-US" sz="2800" dirty="0">
+                <a:gradFill>
+                  <a:gsLst>
+                    <a:gs pos="61049">
+                      <a:schemeClr val="tx1"/>
+                    </a:gs>
+                    <a:gs pos="43000">
+                      <a:schemeClr val="tx1"/>
+                    </a:gs>
+                  </a:gsLst>
+                  <a:lin ang="5400000" scaled="0"/>
+                </a:gradFill>
+                <a:latin typeface="Consolas" panose="020B0609020204030204" pitchFamily="49" charset="0"/>
+              </a:rPr>
+              <a:t>$ git status</a:t>
             </a:r>
           </a:p>
         </p:txBody>
@@ -10226,8 +11433,8 @@
         </p:nvSpPr>
         <p:spPr>
           <a:xfrm>
-            <a:off x="914400" y="1989568"/>
-            <a:ext cx="10183171" cy="3416320"/>
+            <a:off x="1033492" y="2705612"/>
+            <a:ext cx="10183171" cy="1200329"/>
           </a:xfrm>
           <a:prstGeom prst="rect">
             <a:avLst/>
@@ -10242,77 +11449,75 @@
           <a:p>
             <a:r>
               <a:rPr lang="en-US" sz="2400" dirty="0"/>
-              <a:t>Do’s </a:t>
-            </a:r>
-          </a:p>
-          <a:p>
-            <a:pPr marL="342900" indent="-342900">
-              <a:buFont typeface="Arial" panose="020B0604020202020204" pitchFamily="34" charset="0"/>
-              <a:buChar char="•"/>
-            </a:pPr>
+              <a:t>On branch master</a:t>
+            </a:r>
+          </a:p>
+          <a:p>
             <a:r>
               <a:rPr lang="en-US" sz="2400" dirty="0"/>
-              <a:t>Keep the message short (less than 60-ish characters)</a:t>
-            </a:r>
-          </a:p>
-          <a:p>
-            <a:pPr marL="342900" indent="-342900">
-              <a:buFont typeface="Arial" panose="020B0604020202020204" pitchFamily="34" charset="0"/>
-              <a:buChar char="•"/>
-            </a:pPr>
+              <a:t>Your branch is up-to-date with 'origin/master'.</a:t>
+            </a:r>
+          </a:p>
+          <a:p>
             <a:r>
               <a:rPr lang="en-US" sz="2400" dirty="0"/>
-              <a:t>Explain what the commit does (not how or why!)</a:t>
-            </a:r>
-          </a:p>
-          <a:p>
-            <a:endParaRPr lang="en-US" sz="2400" dirty="0"/>
-          </a:p>
-          <a:p>
-            <a:r>
-              <a:rPr lang="en-US" sz="2400" dirty="0"/>
-              <a:t>Don’ts</a:t>
-            </a:r>
-          </a:p>
-          <a:p>
-            <a:pPr marL="342900" indent="-342900">
-              <a:buFont typeface="Arial" panose="020B0604020202020204" pitchFamily="34" charset="0"/>
-              <a:buChar char="•"/>
-            </a:pPr>
-            <a:r>
-              <a:rPr lang="en-US" sz="2400" dirty="0"/>
-              <a:t>Explain why the changes are made</a:t>
-            </a:r>
-          </a:p>
-          <a:p>
-            <a:pPr marL="342900" indent="-342900">
-              <a:buFont typeface="Arial" panose="020B0604020202020204" pitchFamily="34" charset="0"/>
-              <a:buChar char="•"/>
-            </a:pPr>
-            <a:r>
-              <a:rPr lang="en-US" sz="2400" dirty="0"/>
-              <a:t>Explain how the changes are made</a:t>
-            </a:r>
-          </a:p>
-          <a:p>
-            <a:pPr marL="342900" indent="-342900">
-              <a:buFont typeface="Arial" panose="020B0604020202020204" pitchFamily="34" charset="0"/>
-              <a:buChar char="•"/>
-            </a:pPr>
-            <a:r>
-              <a:rPr lang="en-US" sz="2400" dirty="0"/>
-              <a:t>Use the word “and”</a:t>
-            </a:r>
-          </a:p>
-          <a:p>
-            <a:endParaRPr lang="en-US" sz="2400" dirty="0"/>
+              <a:t>Nothing to commit, working directory clean</a:t>
+            </a:r>
+          </a:p>
+        </p:txBody>
+      </p:sp>
+      <p:sp>
+        <p:nvSpPr>
+          <p:cNvPr id="6" name="TextBox 5">
+            <a:extLst>
+              <a:ext uri="{FF2B5EF4-FFF2-40B4-BE49-F238E27FC236}">
+                <a16:creationId xmlns:a16="http://schemas.microsoft.com/office/drawing/2014/main" id="{919D830B-FD65-4699-B96C-D0B5FECE78D8}"/>
+              </a:ext>
+            </a:extLst>
+          </p:cNvPr>
+          <p:cNvSpPr txBox="1"/>
+          <p:nvPr/>
+        </p:nvSpPr>
+        <p:spPr>
+          <a:xfrm>
+            <a:off x="1033492" y="4585785"/>
+            <a:ext cx="10421354" cy="523220"/>
+          </a:xfrm>
+          <a:prstGeom prst="rect">
+            <a:avLst/>
+          </a:prstGeom>
+          <a:noFill/>
+        </p:spPr>
+        <p:txBody>
+          <a:bodyPr wrap="square">
+            <a:spAutoFit/>
+          </a:bodyPr>
+          <a:lstStyle/>
+          <a:p>
+            <a:r>
+              <a:rPr lang="en-US" sz="2800" dirty="0">
+                <a:gradFill>
+                  <a:gsLst>
+                    <a:gs pos="61049">
+                      <a:schemeClr val="tx1"/>
+                    </a:gs>
+                    <a:gs pos="43000">
+                      <a:schemeClr val="tx1"/>
+                    </a:gs>
+                  </a:gsLst>
+                  <a:lin ang="5400000" scaled="0"/>
+                </a:gradFill>
+                <a:latin typeface="Consolas" panose="020B0609020204030204" pitchFamily="49" charset="0"/>
+              </a:rPr>
+              <a:t>$ git log</a:t>
+            </a:r>
           </a:p>
         </p:txBody>
       </p:sp>
     </p:spTree>
     <p:extLst>
       <p:ext uri="{BB962C8B-B14F-4D97-AF65-F5344CB8AC3E}">
-        <p14:creationId xmlns:p14="http://schemas.microsoft.com/office/powerpoint/2010/main" val="1460916210"/>
+        <p14:creationId xmlns:p14="http://schemas.microsoft.com/office/powerpoint/2010/main" val="1519165799"/>
       </p:ext>
     </p:extLst>
   </p:cSld>
@@ -10387,7 +11592,7 @@
         </p:nvSpPr>
         <p:spPr>
           <a:xfrm>
-            <a:off x="1033492" y="1764158"/>
+            <a:off x="914400" y="1984930"/>
             <a:ext cx="10421354" cy="523220"/>
           </a:xfrm>
           <a:prstGeom prst="rect">
@@ -10435,8 +11640,8 @@
         </p:nvSpPr>
         <p:spPr>
           <a:xfrm>
-            <a:off x="1033492" y="2705612"/>
-            <a:ext cx="10183171" cy="1200329"/>
+            <a:off x="914400" y="2744084"/>
+            <a:ext cx="10183171" cy="830997"/>
           </a:xfrm>
           <a:prstGeom prst="rect">
             <a:avLst/>
@@ -10451,19 +11656,7 @@
           <a:p>
             <a:r>
               <a:rPr lang="en-US" sz="2400" dirty="0"/>
-              <a:t>On branch master</a:t>
-            </a:r>
-          </a:p>
-          <a:p>
-            <a:r>
-              <a:rPr lang="en-US" sz="2400" dirty="0"/>
-              <a:t>Your branch is up-to-date with 'origin/master'.</a:t>
-            </a:r>
-          </a:p>
-          <a:p>
-            <a:r>
-              <a:rPr lang="en-US" sz="2400" dirty="0"/>
-              <a:t>Nothing to commit, working directory clean</a:t>
+              <a:t>This command display’s the status of the working directory and the staging area.</a:t>
             </a:r>
           </a:p>
         </p:txBody>
@@ -10482,8 +11675,8 @@
         </p:nvSpPr>
         <p:spPr>
           <a:xfrm>
-            <a:off x="1033492" y="4585785"/>
-            <a:ext cx="10421354" cy="523220"/>
+            <a:off x="914400" y="4585785"/>
+            <a:ext cx="10421354" cy="461665"/>
           </a:xfrm>
           <a:prstGeom prst="rect">
             <a:avLst/>
@@ -10496,22 +11689,39 @@
           </a:bodyPr>
           <a:lstStyle/>
           <a:p>
-            <a:r>
-              <a:rPr lang="en-US" sz="2800" dirty="0">
-                <a:gradFill>
-                  <a:gsLst>
-                    <a:gs pos="61049">
-                      <a:schemeClr val="tx1"/>
-                    </a:gs>
-                    <a:gs pos="43000">
-                      <a:schemeClr val="tx1"/>
-                    </a:gs>
-                  </a:gsLst>
-                  <a:lin ang="5400000" scaled="0"/>
-                </a:gradFill>
-                <a:latin typeface="Consolas" panose="020B0609020204030204" pitchFamily="49" charset="0"/>
+            <a:pPr marL="0" marR="0" lvl="0" indent="0" algn="l" defTabSz="914400" rtl="0" eaLnBrk="1" fontAlgn="auto" latinLnBrk="0" hangingPunct="1">
+              <a:lnSpc>
+                <a:spcPct val="100000"/>
+              </a:lnSpc>
+              <a:spcBef>
+                <a:spcPts val="0"/>
+              </a:spcBef>
+              <a:spcAft>
+                <a:spcPts val="0"/>
+              </a:spcAft>
+              <a:buClrTx/>
+              <a:buSzTx/>
+              <a:buFontTx/>
+              <a:buNone/>
+              <a:tabLst/>
+              <a:defRPr/>
+            </a:pPr>
+            <a:r>
+              <a:rPr kumimoji="0" lang="en-US" sz="2400" b="0" i="0" u="none" strike="noStrike" kern="1200" cap="none" spc="0" normalizeH="0" baseline="0" noProof="0" dirty="0">
+                <a:ln>
+                  <a:noFill/>
+                </a:ln>
+                <a:solidFill>
+                  <a:prstClr val="black"/>
+                </a:solidFill>
+                <a:effectLst/>
+                <a:uLnTx/>
+                <a:uFillTx/>
+                <a:latin typeface="Quire Sans"/>
+                <a:ea typeface="+mn-ea"/>
+                <a:cs typeface="+mn-cs"/>
               </a:rPr>
-              <a:t>$ git log</a:t>
+              <a:t>It doesn’t show us history!</a:t>
             </a:r>
           </a:p>
         </p:txBody>
@@ -10519,7 +11729,7 @@
     </p:spTree>
     <p:extLst>
       <p:ext uri="{BB962C8B-B14F-4D97-AF65-F5344CB8AC3E}">
-        <p14:creationId xmlns:p14="http://schemas.microsoft.com/office/powerpoint/2010/main" val="1519165799"/>
+        <p14:creationId xmlns:p14="http://schemas.microsoft.com/office/powerpoint/2010/main" val="2029882000"/>
       </p:ext>
     </p:extLst>
   </p:cSld>
@@ -10568,7 +11778,12 @@
             <p:ph type="title"/>
           </p:nvPr>
         </p:nvSpPr>
-        <p:spPr/>
+        <p:spPr>
+          <a:xfrm>
+            <a:off x="914400" y="946654"/>
+            <a:ext cx="10058400" cy="807038"/>
+          </a:xfrm>
+        </p:spPr>
         <p:txBody>
           <a:bodyPr/>
           <a:lstStyle/>
@@ -10594,7 +11809,7 @@
         </p:nvSpPr>
         <p:spPr>
           <a:xfrm>
-            <a:off x="914400" y="1984930"/>
+            <a:off x="914400" y="5190661"/>
             <a:ext cx="10421354" cy="523220"/>
           </a:xfrm>
           <a:prstGeom prst="rect">
@@ -10623,8 +11838,39 @@
                 </a:gradFill>
                 <a:latin typeface="Consolas" panose="020B0609020204030204" pitchFamily="49" charset="0"/>
               </a:rPr>
-              <a:t>$ git status</a:t>
-            </a:r>
+              <a:t>$ git log --</a:t>
+            </a:r>
+            <a:r>
+              <a:rPr lang="en-US" sz="2800" dirty="0" err="1">
+                <a:gradFill>
+                  <a:gsLst>
+                    <a:gs pos="61049">
+                      <a:schemeClr val="tx1"/>
+                    </a:gs>
+                    <a:gs pos="43000">
+                      <a:schemeClr val="tx1"/>
+                    </a:gs>
+                  </a:gsLst>
+                  <a:lin ang="5400000" scaled="0"/>
+                </a:gradFill>
+                <a:latin typeface="Consolas" panose="020B0609020204030204" pitchFamily="49" charset="0"/>
+              </a:rPr>
+              <a:t>oneline</a:t>
+            </a:r>
+            <a:endParaRPr lang="en-US" sz="2800" dirty="0">
+              <a:gradFill>
+                <a:gsLst>
+                  <a:gs pos="61049">
+                    <a:schemeClr val="tx1"/>
+                  </a:gs>
+                  <a:gs pos="43000">
+                    <a:schemeClr val="tx1"/>
+                  </a:gs>
+                </a:gsLst>
+                <a:lin ang="5400000" scaled="0"/>
+              </a:gradFill>
+              <a:latin typeface="Consolas" panose="020B0609020204030204" pitchFamily="49" charset="0"/>
+            </a:endParaRPr>
           </a:p>
         </p:txBody>
       </p:sp>
@@ -10642,8 +11888,8 @@
         </p:nvSpPr>
         <p:spPr>
           <a:xfrm>
-            <a:off x="914400" y="2744084"/>
-            <a:ext cx="10183171" cy="830997"/>
+            <a:off x="914400" y="2644170"/>
+            <a:ext cx="10183171" cy="2308324"/>
           </a:xfrm>
           <a:prstGeom prst="rect">
             <a:avLst/>
@@ -10658,17 +11904,57 @@
           <a:p>
             <a:r>
               <a:rPr lang="en-US" sz="2400" dirty="0"/>
-              <a:t>This command display’s the status of the working directory and the staging area.</a:t>
-            </a:r>
-          </a:p>
-        </p:txBody>
-      </p:sp>
-      <p:sp>
-        <p:nvSpPr>
-          <p:cNvPr id="6" name="TextBox 5">
+              <a:t>This command will show you the history of changes in the repository including:</a:t>
+            </a:r>
+          </a:p>
+          <a:p>
+            <a:pPr marL="342900" indent="-342900">
+              <a:buFont typeface="Arial" panose="020B0604020202020204" pitchFamily="34" charset="0"/>
+              <a:buChar char="•"/>
+            </a:pPr>
+            <a:r>
+              <a:rPr lang="en-US" sz="2400" dirty="0"/>
+              <a:t>the SHA </a:t>
+            </a:r>
+          </a:p>
+          <a:p>
+            <a:pPr marL="342900" indent="-342900">
+              <a:buFont typeface="Arial" panose="020B0604020202020204" pitchFamily="34" charset="0"/>
+              <a:buChar char="•"/>
+            </a:pPr>
+            <a:r>
+              <a:rPr lang="en-US" sz="2400" dirty="0"/>
+              <a:t>the author </a:t>
+            </a:r>
+          </a:p>
+          <a:p>
+            <a:pPr marL="342900" indent="-342900">
+              <a:buFont typeface="Arial" panose="020B0604020202020204" pitchFamily="34" charset="0"/>
+              <a:buChar char="•"/>
+            </a:pPr>
+            <a:r>
+              <a:rPr lang="en-US" sz="2400" dirty="0"/>
+              <a:t>the date</a:t>
+            </a:r>
+          </a:p>
+          <a:p>
+            <a:pPr marL="342900" indent="-342900">
+              <a:buFont typeface="Arial" panose="020B0604020202020204" pitchFamily="34" charset="0"/>
+              <a:buChar char="•"/>
+            </a:pPr>
+            <a:r>
+              <a:rPr lang="en-US" sz="2400" dirty="0"/>
+              <a:t>the commit message</a:t>
+            </a:r>
+          </a:p>
+        </p:txBody>
+      </p:sp>
+      <p:sp>
+        <p:nvSpPr>
+          <p:cNvPr id="2" name="TextBox 1">
             <a:extLst>
               <a:ext uri="{FF2B5EF4-FFF2-40B4-BE49-F238E27FC236}">
-                <a16:creationId xmlns:a16="http://schemas.microsoft.com/office/drawing/2014/main" id="{919D830B-FD65-4699-B96C-D0B5FECE78D8}"/>
+                <a16:creationId xmlns:a16="http://schemas.microsoft.com/office/drawing/2014/main" id="{77C5C14C-6458-725A-CA7E-A249F4AED5BE}"/>
               </a:ext>
             </a:extLst>
           </p:cNvPr>
@@ -10677,8 +11963,8 @@
         </p:nvSpPr>
         <p:spPr>
           <a:xfrm>
-            <a:off x="914400" y="4585785"/>
-            <a:ext cx="10421354" cy="461665"/>
+            <a:off x="914400" y="1882783"/>
+            <a:ext cx="10421354" cy="523220"/>
           </a:xfrm>
           <a:prstGeom prst="rect">
             <a:avLst/>
@@ -10691,39 +11977,22 @@
           </a:bodyPr>
           <a:lstStyle/>
           <a:p>
-            <a:pPr marL="0" marR="0" lvl="0" indent="0" algn="l" defTabSz="914400" rtl="0" eaLnBrk="1" fontAlgn="auto" latinLnBrk="0" hangingPunct="1">
-              <a:lnSpc>
-                <a:spcPct val="100000"/>
-              </a:lnSpc>
-              <a:spcBef>
-                <a:spcPts val="0"/>
-              </a:spcBef>
-              <a:spcAft>
-                <a:spcPts val="0"/>
-              </a:spcAft>
-              <a:buClrTx/>
-              <a:buSzTx/>
-              <a:buFontTx/>
-              <a:buNone/>
-              <a:tabLst/>
-              <a:defRPr/>
-            </a:pPr>
-            <a:r>
-              <a:rPr kumimoji="0" lang="en-US" sz="2400" b="0" i="0" u="none" strike="noStrike" kern="1200" cap="none" spc="0" normalizeH="0" baseline="0" noProof="0" dirty="0">
-                <a:ln>
-                  <a:noFill/>
-                </a:ln>
-                <a:solidFill>
-                  <a:prstClr val="black"/>
-                </a:solidFill>
-                <a:effectLst/>
-                <a:uLnTx/>
-                <a:uFillTx/>
-                <a:latin typeface="Quire Sans"/>
-                <a:ea typeface="+mn-ea"/>
-                <a:cs typeface="+mn-cs"/>
+            <a:r>
+              <a:rPr lang="en-US" sz="2800" dirty="0">
+                <a:gradFill>
+                  <a:gsLst>
+                    <a:gs pos="61049">
+                      <a:schemeClr val="tx1"/>
+                    </a:gs>
+                    <a:gs pos="43000">
+                      <a:schemeClr val="tx1"/>
+                    </a:gs>
+                  </a:gsLst>
+                  <a:lin ang="5400000" scaled="0"/>
+                </a:gradFill>
+                <a:latin typeface="Consolas" panose="020B0609020204030204" pitchFamily="49" charset="0"/>
               </a:rPr>
-              <a:t>It doesn’t show us history!</a:t>
+              <a:t>$ git log</a:t>
             </a:r>
           </a:p>
         </p:txBody>
@@ -10731,7 +12000,7 @@
     </p:spTree>
     <p:extLst>
       <p:ext uri="{BB962C8B-B14F-4D97-AF65-F5344CB8AC3E}">
-        <p14:creationId xmlns:p14="http://schemas.microsoft.com/office/powerpoint/2010/main" val="2029882000"/>
+        <p14:creationId xmlns:p14="http://schemas.microsoft.com/office/powerpoint/2010/main" val="3888213193"/>
       </p:ext>
     </p:extLst>
   </p:cSld>
@@ -10772,277 +12041,6 @@
       </p:grpSpPr>
       <p:sp>
         <p:nvSpPr>
-          <p:cNvPr id="4" name="Title 3"/>
-          <p:cNvSpPr>
-            <a:spLocks noGrp="1"/>
-          </p:cNvSpPr>
-          <p:nvPr>
-            <p:ph type="title"/>
-          </p:nvPr>
-        </p:nvSpPr>
-        <p:spPr>
-          <a:xfrm>
-            <a:off x="914400" y="946654"/>
-            <a:ext cx="10058400" cy="807038"/>
-          </a:xfrm>
-        </p:spPr>
-        <p:txBody>
-          <a:bodyPr/>
-          <a:lstStyle/>
-          <a:p>
-            <a:r>
-              <a:rPr lang="en-US" dirty="0"/>
-              <a:t>Reviewing the Repository’s History</a:t>
-            </a:r>
-          </a:p>
-        </p:txBody>
-      </p:sp>
-      <p:sp>
-        <p:nvSpPr>
-          <p:cNvPr id="11" name="TextBox 10">
-            <a:extLst>
-              <a:ext uri="{FF2B5EF4-FFF2-40B4-BE49-F238E27FC236}">
-                <a16:creationId xmlns:a16="http://schemas.microsoft.com/office/drawing/2014/main" id="{5F10B270-092D-4173-A3B8-3C667092E3A0}"/>
-              </a:ext>
-            </a:extLst>
-          </p:cNvPr>
-          <p:cNvSpPr txBox="1"/>
-          <p:nvPr/>
-        </p:nvSpPr>
-        <p:spPr>
-          <a:xfrm>
-            <a:off x="914400" y="5190661"/>
-            <a:ext cx="10421354" cy="523220"/>
-          </a:xfrm>
-          <a:prstGeom prst="rect">
-            <a:avLst/>
-          </a:prstGeom>
-          <a:noFill/>
-        </p:spPr>
-        <p:txBody>
-          <a:bodyPr wrap="square">
-            <a:spAutoFit/>
-          </a:bodyPr>
-          <a:lstStyle/>
-          <a:p>
-            <a:r>
-              <a:rPr lang="en-US" sz="2800" dirty="0">
-                <a:gradFill>
-                  <a:gsLst>
-                    <a:gs pos="61049">
-                      <a:schemeClr val="tx1"/>
-                    </a:gs>
-                    <a:gs pos="43000">
-                      <a:schemeClr val="tx1"/>
-                    </a:gs>
-                  </a:gsLst>
-                  <a:lin ang="5400000" scaled="0"/>
-                </a:gradFill>
-                <a:latin typeface="Consolas" panose="020B0609020204030204" pitchFamily="49" charset="0"/>
-              </a:rPr>
-              <a:t>$ git log --</a:t>
-            </a:r>
-            <a:r>
-              <a:rPr lang="en-US" sz="2800" dirty="0" err="1">
-                <a:gradFill>
-                  <a:gsLst>
-                    <a:gs pos="61049">
-                      <a:schemeClr val="tx1"/>
-                    </a:gs>
-                    <a:gs pos="43000">
-                      <a:schemeClr val="tx1"/>
-                    </a:gs>
-                  </a:gsLst>
-                  <a:lin ang="5400000" scaled="0"/>
-                </a:gradFill>
-                <a:latin typeface="Consolas" panose="020B0609020204030204" pitchFamily="49" charset="0"/>
-              </a:rPr>
-              <a:t>oneline</a:t>
-            </a:r>
-            <a:endParaRPr lang="en-US" sz="2800" dirty="0">
-              <a:gradFill>
-                <a:gsLst>
-                  <a:gs pos="61049">
-                    <a:schemeClr val="tx1"/>
-                  </a:gs>
-                  <a:gs pos="43000">
-                    <a:schemeClr val="tx1"/>
-                  </a:gs>
-                </a:gsLst>
-                <a:lin ang="5400000" scaled="0"/>
-              </a:gradFill>
-              <a:latin typeface="Consolas" panose="020B0609020204030204" pitchFamily="49" charset="0"/>
-            </a:endParaRPr>
-          </a:p>
-        </p:txBody>
-      </p:sp>
-      <p:sp>
-        <p:nvSpPr>
-          <p:cNvPr id="13" name="TextBox 12">
-            <a:extLst>
-              <a:ext uri="{FF2B5EF4-FFF2-40B4-BE49-F238E27FC236}">
-                <a16:creationId xmlns:a16="http://schemas.microsoft.com/office/drawing/2014/main" id="{DDBF212F-C335-4FA8-9A3C-EB7A6B479EDE}"/>
-              </a:ext>
-            </a:extLst>
-          </p:cNvPr>
-          <p:cNvSpPr txBox="1"/>
-          <p:nvPr/>
-        </p:nvSpPr>
-        <p:spPr>
-          <a:xfrm>
-            <a:off x="914400" y="2644170"/>
-            <a:ext cx="10183171" cy="2308324"/>
-          </a:xfrm>
-          <a:prstGeom prst="rect">
-            <a:avLst/>
-          </a:prstGeom>
-          <a:noFill/>
-        </p:spPr>
-        <p:txBody>
-          <a:bodyPr wrap="square">
-            <a:spAutoFit/>
-          </a:bodyPr>
-          <a:lstStyle/>
-          <a:p>
-            <a:r>
-              <a:rPr lang="en-US" sz="2400" dirty="0"/>
-              <a:t>This command will show you the history of changes in the repository including:</a:t>
-            </a:r>
-          </a:p>
-          <a:p>
-            <a:pPr marL="342900" indent="-342900">
-              <a:buFont typeface="Arial" panose="020B0604020202020204" pitchFamily="34" charset="0"/>
-              <a:buChar char="•"/>
-            </a:pPr>
-            <a:r>
-              <a:rPr lang="en-US" sz="2400" dirty="0"/>
-              <a:t>the SHA </a:t>
-            </a:r>
-          </a:p>
-          <a:p>
-            <a:pPr marL="342900" indent="-342900">
-              <a:buFont typeface="Arial" panose="020B0604020202020204" pitchFamily="34" charset="0"/>
-              <a:buChar char="•"/>
-            </a:pPr>
-            <a:r>
-              <a:rPr lang="en-US" sz="2400" dirty="0"/>
-              <a:t>the author </a:t>
-            </a:r>
-          </a:p>
-          <a:p>
-            <a:pPr marL="342900" indent="-342900">
-              <a:buFont typeface="Arial" panose="020B0604020202020204" pitchFamily="34" charset="0"/>
-              <a:buChar char="•"/>
-            </a:pPr>
-            <a:r>
-              <a:rPr lang="en-US" sz="2400" dirty="0"/>
-              <a:t>the date</a:t>
-            </a:r>
-          </a:p>
-          <a:p>
-            <a:pPr marL="342900" indent="-342900">
-              <a:buFont typeface="Arial" panose="020B0604020202020204" pitchFamily="34" charset="0"/>
-              <a:buChar char="•"/>
-            </a:pPr>
-            <a:r>
-              <a:rPr lang="en-US" sz="2400" dirty="0"/>
-              <a:t>the commit message</a:t>
-            </a:r>
-          </a:p>
-        </p:txBody>
-      </p:sp>
-      <p:sp>
-        <p:nvSpPr>
-          <p:cNvPr id="2" name="TextBox 1">
-            <a:extLst>
-              <a:ext uri="{FF2B5EF4-FFF2-40B4-BE49-F238E27FC236}">
-                <a16:creationId xmlns:a16="http://schemas.microsoft.com/office/drawing/2014/main" id="{77C5C14C-6458-725A-CA7E-A249F4AED5BE}"/>
-              </a:ext>
-            </a:extLst>
-          </p:cNvPr>
-          <p:cNvSpPr txBox="1"/>
-          <p:nvPr/>
-        </p:nvSpPr>
-        <p:spPr>
-          <a:xfrm>
-            <a:off x="914400" y="1882783"/>
-            <a:ext cx="10421354" cy="523220"/>
-          </a:xfrm>
-          <a:prstGeom prst="rect">
-            <a:avLst/>
-          </a:prstGeom>
-          <a:noFill/>
-        </p:spPr>
-        <p:txBody>
-          <a:bodyPr wrap="square">
-            <a:spAutoFit/>
-          </a:bodyPr>
-          <a:lstStyle/>
-          <a:p>
-            <a:r>
-              <a:rPr lang="en-US" sz="2800" dirty="0">
-                <a:gradFill>
-                  <a:gsLst>
-                    <a:gs pos="61049">
-                      <a:schemeClr val="tx1"/>
-                    </a:gs>
-                    <a:gs pos="43000">
-                      <a:schemeClr val="tx1"/>
-                    </a:gs>
-                  </a:gsLst>
-                  <a:lin ang="5400000" scaled="0"/>
-                </a:gradFill>
-                <a:latin typeface="Consolas" panose="020B0609020204030204" pitchFamily="49" charset="0"/>
-              </a:rPr>
-              <a:t>$ git log</a:t>
-            </a:r>
-          </a:p>
-        </p:txBody>
-      </p:sp>
-    </p:spTree>
-    <p:extLst>
-      <p:ext uri="{BB962C8B-B14F-4D97-AF65-F5344CB8AC3E}">
-        <p14:creationId xmlns:p14="http://schemas.microsoft.com/office/powerpoint/2010/main" val="3888213193"/>
-      </p:ext>
-    </p:extLst>
-  </p:cSld>
-  <p:clrMapOvr>
-    <a:masterClrMapping/>
-  </p:clrMapOvr>
-  <mc:AlternateContent xmlns:mc="http://schemas.openxmlformats.org/markup-compatibility/2006" xmlns:p14="http://schemas.microsoft.com/office/powerpoint/2010/main">
-    <mc:Choice Requires="p14">
-      <p:transition spd="med" p14:dur="700">
-        <p:fade/>
-      </p:transition>
-    </mc:Choice>
-    <mc:Fallback xmlns="">
-      <p:transition spd="med">
-        <p:fade/>
-      </p:transition>
-    </mc:Fallback>
-  </mc:AlternateContent>
-</p:sld>
-</file>
-
-<file path=ppt/slides/slide27.xml><?xml version="1.0" encoding="utf-8"?>
-<p:sld xmlns:a="http://schemas.openxmlformats.org/drawingml/2006/main" xmlns:r="http://schemas.openxmlformats.org/officeDocument/2006/relationships" xmlns:p="http://schemas.openxmlformats.org/presentationml/2006/main">
-  <p:cSld>
-    <p:spTree>
-      <p:nvGrpSpPr>
-        <p:cNvPr id="1" name=""/>
-        <p:cNvGrpSpPr/>
-        <p:nvPr/>
-      </p:nvGrpSpPr>
-      <p:grpSpPr>
-        <a:xfrm>
-          <a:off x="0" y="0"/>
-          <a:ext cx="0" cy="0"/>
-          <a:chOff x="0" y="0"/>
-          <a:chExt cx="0" cy="0"/>
-        </a:xfrm>
-      </p:grpSpPr>
-      <p:sp>
-        <p:nvSpPr>
           <p:cNvPr id="5" name="Title 4">
             <a:extLst>
               <a:ext uri="{FF2B5EF4-FFF2-40B4-BE49-F238E27FC236}">
@@ -11151,6 +12149,19 @@
             </a:pPr>
             <a:r>
               <a:rPr lang="en-US" dirty="0"/>
+              <a:t>Make changes and pull from GitHub.</a:t>
+            </a:r>
+          </a:p>
+          <a:p>
+            <a:pPr marL="285750" indent="-285750">
+              <a:lnSpc>
+                <a:spcPts val="2800"/>
+              </a:lnSpc>
+              <a:buFont typeface="Arial" panose="020B0604020202020204" pitchFamily="34" charset="0"/>
+              <a:buChar char="•"/>
+            </a:pPr>
+            <a:r>
+              <a:rPr lang="en-US" dirty="0"/>
               <a:t>Fork a  repository and make a pull request.</a:t>
             </a:r>
           </a:p>
@@ -11158,7 +12169,7 @@
       </p:sp>
       <mc:AlternateContent xmlns:mc="http://schemas.openxmlformats.org/markup-compatibility/2006" xmlns:p14="http://schemas.microsoft.com/office/powerpoint/2010/main">
         <mc:Choice Requires="p14">
-          <p:contentPart p14:bwMode="auto" r:id="rId2">
+          <p:contentPart p14:bwMode="auto" r:id="rId3">
             <p14:nvContentPartPr>
               <p14:cNvPr id="2" name="Ink 1">
                 <a:extLst>
@@ -11190,7 +12201,7 @@
               <p:nvPr/>
             </p:nvPicPr>
             <p:blipFill>
-              <a:blip r:embed="rId3"/>
+              <a:blip r:embed="rId4"/>
               <a:stretch>
                 <a:fillRect/>
               </a:stretch>
@@ -11209,7 +12220,7 @@
       </mc:AlternateContent>
       <mc:AlternateContent xmlns:mc="http://schemas.openxmlformats.org/markup-compatibility/2006" xmlns:p14="http://schemas.microsoft.com/office/powerpoint/2010/main">
         <mc:Choice Requires="p14">
-          <p:contentPart p14:bwMode="auto" r:id="rId4">
+          <p:contentPart p14:bwMode="auto" r:id="rId5">
             <p14:nvContentPartPr>
               <p14:cNvPr id="4" name="Ink 3">
                 <a:extLst>
@@ -11241,7 +12252,7 @@
               <p:nvPr/>
             </p:nvPicPr>
             <p:blipFill>
-              <a:blip r:embed="rId5"/>
+              <a:blip r:embed="rId6"/>
               <a:stretch>
                 <a:fillRect/>
               </a:stretch>
@@ -11283,7 +12294,7 @@
 </p:sld>
 </file>
 
-<file path=ppt/slides/slide28.xml><?xml version="1.0" encoding="utf-8"?>
+<file path=ppt/slides/slide27.xml><?xml version="1.0" encoding="utf-8"?>
 <p:sld xmlns:a="http://schemas.openxmlformats.org/drawingml/2006/main" xmlns:r="http://schemas.openxmlformats.org/officeDocument/2006/relationships" xmlns:p="http://schemas.openxmlformats.org/presentationml/2006/main">
   <p:cSld>
     <p:spTree>
@@ -11322,7 +12333,7 @@
           <a:p>
             <a:r>
               <a:rPr lang="en-US" dirty="0"/>
-              <a:t>How Git works?</a:t>
+              <a:t>How Git works with GitHub?</a:t>
             </a:r>
           </a:p>
         </p:txBody>
@@ -11840,7 +12851,7 @@
 </p:sld>
 </file>
 
-<file path=ppt/slides/slide29.xml><?xml version="1.0" encoding="utf-8"?>
+<file path=ppt/slides/slide28.xml><?xml version="1.0" encoding="utf-8"?>
 <p:sld xmlns:a="http://schemas.openxmlformats.org/drawingml/2006/main" xmlns:r="http://schemas.openxmlformats.org/officeDocument/2006/relationships" xmlns:p="http://schemas.openxmlformats.org/presentationml/2006/main">
   <p:cSld>
     <p:spTree>
@@ -11879,7 +12890,7 @@
           <a:p>
             <a:r>
               <a:rPr lang="en-US" dirty="0"/>
-              <a:t>How Git works?</a:t>
+              <a:t>How Git works with GitHub?</a:t>
             </a:r>
           </a:p>
         </p:txBody>
@@ -12446,6 +13457,671 @@
     </p:tnLst>
     <p:bldLst>
       <p:bldP spid="3" grpId="0" animBg="1"/>
+    </p:bldLst>
+  </p:timing>
+</p:sld>
+</file>
+
+<file path=ppt/slides/slide29.xml><?xml version="1.0" encoding="utf-8"?>
+<p:sld xmlns:a="http://schemas.openxmlformats.org/drawingml/2006/main" xmlns:r="http://schemas.openxmlformats.org/officeDocument/2006/relationships" xmlns:p="http://schemas.openxmlformats.org/presentationml/2006/main">
+  <p:cSld>
+    <p:spTree>
+      <p:nvGrpSpPr>
+        <p:cNvPr id="1" name=""/>
+        <p:cNvGrpSpPr/>
+        <p:nvPr/>
+      </p:nvGrpSpPr>
+      <p:grpSpPr>
+        <a:xfrm>
+          <a:off x="0" y="0"/>
+          <a:ext cx="0" cy="0"/>
+          <a:chOff x="0" y="0"/>
+          <a:chExt cx="0" cy="0"/>
+        </a:xfrm>
+      </p:grpSpPr>
+      <p:sp>
+        <p:nvSpPr>
+          <p:cNvPr id="5" name="Rectangle 4">
+            <a:extLst>
+              <a:ext uri="{FF2B5EF4-FFF2-40B4-BE49-F238E27FC236}">
+                <a16:creationId xmlns:a16="http://schemas.microsoft.com/office/drawing/2014/main" id="{992692B7-9C75-A049-1434-584900A44307}"/>
+              </a:ext>
+            </a:extLst>
+          </p:cNvPr>
+          <p:cNvSpPr/>
+          <p:nvPr/>
+        </p:nvSpPr>
+        <p:spPr>
+          <a:xfrm>
+            <a:off x="9442566" y="1811867"/>
+            <a:ext cx="2349501" cy="4656666"/>
+          </a:xfrm>
+          <a:prstGeom prst="rect">
+            <a:avLst/>
+          </a:prstGeom>
+          <a:solidFill>
+            <a:schemeClr val="accent5">
+              <a:alpha val="50000"/>
+            </a:schemeClr>
+          </a:solidFill>
+          <a:ln>
+            <a:noFill/>
+          </a:ln>
+        </p:spPr>
+        <p:style>
+          <a:lnRef idx="0">
+            <a:scrgbClr r="0" g="0" b="0"/>
+          </a:lnRef>
+          <a:fillRef idx="0">
+            <a:scrgbClr r="0" g="0" b="0"/>
+          </a:fillRef>
+          <a:effectRef idx="0">
+            <a:scrgbClr r="0" g="0" b="0"/>
+          </a:effectRef>
+          <a:fontRef idx="minor">
+            <a:schemeClr val="lt1"/>
+          </a:fontRef>
+        </p:style>
+        <p:txBody>
+          <a:bodyPr rtlCol="0" anchor="t"/>
+          <a:lstStyle/>
+          <a:p>
+            <a:pPr algn="ctr">
+              <a:lnSpc>
+                <a:spcPct val="200000"/>
+              </a:lnSpc>
+            </a:pPr>
+            <a:r>
+              <a:rPr lang="en-US" b="1" dirty="0">
+                <a:effectLst>
+                  <a:outerShdw blurRad="38100" dist="38100" dir="2700000" algn="tl">
+                    <a:srgbClr val="000000">
+                      <a:alpha val="43137"/>
+                    </a:srgbClr>
+                  </a:outerShdw>
+                </a:effectLst>
+                <a:latin typeface="+mj-lt"/>
+              </a:rPr>
+              <a:t>Remote Repository</a:t>
+            </a:r>
+          </a:p>
+        </p:txBody>
+      </p:sp>
+      <p:sp>
+        <p:nvSpPr>
+          <p:cNvPr id="4" name="Title 3"/>
+          <p:cNvSpPr>
+            <a:spLocks noGrp="1"/>
+          </p:cNvSpPr>
+          <p:nvPr>
+            <p:ph type="title"/>
+          </p:nvPr>
+        </p:nvSpPr>
+        <p:spPr>
+          <a:xfrm>
+            <a:off x="914400" y="946653"/>
+            <a:ext cx="10058400" cy="734003"/>
+          </a:xfrm>
+        </p:spPr>
+        <p:txBody>
+          <a:bodyPr/>
+          <a:lstStyle/>
+          <a:p>
+            <a:r>
+              <a:rPr lang="en-US" dirty="0"/>
+              <a:t>How Git works with GitHub?</a:t>
+            </a:r>
+          </a:p>
+        </p:txBody>
+      </p:sp>
+      <p:sp>
+        <p:nvSpPr>
+          <p:cNvPr id="7" name="Rectangle 6">
+            <a:extLst>
+              <a:ext uri="{FF2B5EF4-FFF2-40B4-BE49-F238E27FC236}">
+                <a16:creationId xmlns:a16="http://schemas.microsoft.com/office/drawing/2014/main" id="{A8EBA72D-EAF7-B507-63E8-ADC354B6DBDD}"/>
+              </a:ext>
+            </a:extLst>
+          </p:cNvPr>
+          <p:cNvSpPr/>
+          <p:nvPr/>
+        </p:nvSpPr>
+        <p:spPr>
+          <a:xfrm>
+            <a:off x="1075266" y="1811867"/>
+            <a:ext cx="2349501" cy="4656666"/>
+          </a:xfrm>
+          <a:prstGeom prst="rect">
+            <a:avLst/>
+          </a:prstGeom>
+          <a:solidFill>
+            <a:schemeClr val="accent6">
+              <a:alpha val="50000"/>
+            </a:schemeClr>
+          </a:solidFill>
+          <a:ln>
+            <a:noFill/>
+          </a:ln>
+        </p:spPr>
+        <p:style>
+          <a:lnRef idx="0">
+            <a:scrgbClr r="0" g="0" b="0"/>
+          </a:lnRef>
+          <a:fillRef idx="0">
+            <a:scrgbClr r="0" g="0" b="0"/>
+          </a:fillRef>
+          <a:effectRef idx="0">
+            <a:scrgbClr r="0" g="0" b="0"/>
+          </a:effectRef>
+          <a:fontRef idx="minor">
+            <a:schemeClr val="lt1"/>
+          </a:fontRef>
+        </p:style>
+        <p:txBody>
+          <a:bodyPr rtlCol="0" anchor="t"/>
+          <a:lstStyle/>
+          <a:p>
+            <a:pPr algn="ctr">
+              <a:lnSpc>
+                <a:spcPct val="200000"/>
+              </a:lnSpc>
+            </a:pPr>
+            <a:r>
+              <a:rPr lang="en-US" b="1" dirty="0">
+                <a:effectLst>
+                  <a:outerShdw blurRad="38100" dist="38100" dir="2700000" algn="tl">
+                    <a:srgbClr val="000000">
+                      <a:alpha val="43137"/>
+                    </a:srgbClr>
+                  </a:outerShdw>
+                </a:effectLst>
+                <a:latin typeface="+mj-lt"/>
+              </a:rPr>
+              <a:t>Working Directory</a:t>
+            </a:r>
+          </a:p>
+        </p:txBody>
+      </p:sp>
+      <p:sp>
+        <p:nvSpPr>
+          <p:cNvPr id="8" name="Rectangle 7">
+            <a:extLst>
+              <a:ext uri="{FF2B5EF4-FFF2-40B4-BE49-F238E27FC236}">
+                <a16:creationId xmlns:a16="http://schemas.microsoft.com/office/drawing/2014/main" id="{D36DF123-7D24-8425-DFCD-A2EE39418CF7}"/>
+              </a:ext>
+            </a:extLst>
+          </p:cNvPr>
+          <p:cNvSpPr/>
+          <p:nvPr/>
+        </p:nvSpPr>
+        <p:spPr>
+          <a:xfrm>
+            <a:off x="3864366" y="1811867"/>
+            <a:ext cx="2349501" cy="4656666"/>
+          </a:xfrm>
+          <a:prstGeom prst="rect">
+            <a:avLst/>
+          </a:prstGeom>
+          <a:solidFill>
+            <a:schemeClr val="accent3">
+              <a:alpha val="50000"/>
+            </a:schemeClr>
+          </a:solidFill>
+          <a:ln>
+            <a:noFill/>
+          </a:ln>
+        </p:spPr>
+        <p:style>
+          <a:lnRef idx="0">
+            <a:scrgbClr r="0" g="0" b="0"/>
+          </a:lnRef>
+          <a:fillRef idx="0">
+            <a:scrgbClr r="0" g="0" b="0"/>
+          </a:fillRef>
+          <a:effectRef idx="0">
+            <a:scrgbClr r="0" g="0" b="0"/>
+          </a:effectRef>
+          <a:fontRef idx="minor">
+            <a:schemeClr val="lt1"/>
+          </a:fontRef>
+        </p:style>
+        <p:txBody>
+          <a:bodyPr rtlCol="0" anchor="t"/>
+          <a:lstStyle/>
+          <a:p>
+            <a:pPr algn="ctr">
+              <a:lnSpc>
+                <a:spcPct val="200000"/>
+              </a:lnSpc>
+            </a:pPr>
+            <a:r>
+              <a:rPr lang="en-US" b="1" dirty="0">
+                <a:effectLst>
+                  <a:outerShdw blurRad="38100" dist="38100" dir="2700000" algn="tl">
+                    <a:srgbClr val="000000">
+                      <a:alpha val="43137"/>
+                    </a:srgbClr>
+                  </a:outerShdw>
+                </a:effectLst>
+                <a:latin typeface="+mj-lt"/>
+              </a:rPr>
+              <a:t>Staging Area</a:t>
+            </a:r>
+          </a:p>
+        </p:txBody>
+      </p:sp>
+      <p:sp>
+        <p:nvSpPr>
+          <p:cNvPr id="9" name="Rectangle 8">
+            <a:extLst>
+              <a:ext uri="{FF2B5EF4-FFF2-40B4-BE49-F238E27FC236}">
+                <a16:creationId xmlns:a16="http://schemas.microsoft.com/office/drawing/2014/main" id="{D1CCF84F-94AF-F007-A9A9-3D45ACE0A92C}"/>
+              </a:ext>
+            </a:extLst>
+          </p:cNvPr>
+          <p:cNvSpPr/>
+          <p:nvPr/>
+        </p:nvSpPr>
+        <p:spPr>
+          <a:xfrm>
+            <a:off x="6653466" y="1811867"/>
+            <a:ext cx="2349501" cy="4656666"/>
+          </a:xfrm>
+          <a:prstGeom prst="rect">
+            <a:avLst/>
+          </a:prstGeom>
+          <a:solidFill>
+            <a:schemeClr val="accent5">
+              <a:alpha val="50000"/>
+            </a:schemeClr>
+          </a:solidFill>
+          <a:ln>
+            <a:noFill/>
+          </a:ln>
+        </p:spPr>
+        <p:style>
+          <a:lnRef idx="0">
+            <a:scrgbClr r="0" g="0" b="0"/>
+          </a:lnRef>
+          <a:fillRef idx="0">
+            <a:scrgbClr r="0" g="0" b="0"/>
+          </a:fillRef>
+          <a:effectRef idx="0">
+            <a:scrgbClr r="0" g="0" b="0"/>
+          </a:effectRef>
+          <a:fontRef idx="minor">
+            <a:schemeClr val="lt1"/>
+          </a:fontRef>
+        </p:style>
+        <p:txBody>
+          <a:bodyPr rtlCol="0" anchor="t"/>
+          <a:lstStyle/>
+          <a:p>
+            <a:pPr algn="ctr">
+              <a:lnSpc>
+                <a:spcPct val="200000"/>
+              </a:lnSpc>
+            </a:pPr>
+            <a:r>
+              <a:rPr lang="en-US" b="1" dirty="0">
+                <a:effectLst>
+                  <a:outerShdw blurRad="38100" dist="38100" dir="2700000" algn="tl">
+                    <a:srgbClr val="000000">
+                      <a:alpha val="43137"/>
+                    </a:srgbClr>
+                  </a:outerShdw>
+                </a:effectLst>
+                <a:latin typeface="+mj-lt"/>
+              </a:rPr>
+              <a:t>Local Repository</a:t>
+            </a:r>
+          </a:p>
+        </p:txBody>
+      </p:sp>
+      <p:pic>
+        <p:nvPicPr>
+          <p:cNvPr id="14" name="Picture 13">
+            <a:extLst>
+              <a:ext uri="{FF2B5EF4-FFF2-40B4-BE49-F238E27FC236}">
+                <a16:creationId xmlns:a16="http://schemas.microsoft.com/office/drawing/2014/main" id="{C4089F58-AA1E-3B04-4E9D-CB5EF34FD095}"/>
+              </a:ext>
+            </a:extLst>
+          </p:cNvPr>
+          <p:cNvPicPr>
+            <a:picLocks noChangeAspect="1"/>
+          </p:cNvPicPr>
+          <p:nvPr/>
+        </p:nvPicPr>
+        <p:blipFill>
+          <a:blip r:embed="rId3"/>
+          <a:stretch>
+            <a:fillRect/>
+          </a:stretch>
+        </p:blipFill>
+        <p:spPr>
+          <a:xfrm>
+            <a:off x="10725933" y="4419353"/>
+            <a:ext cx="712532" cy="1063082"/>
+          </a:xfrm>
+          <a:prstGeom prst="rect">
+            <a:avLst/>
+          </a:prstGeom>
+        </p:spPr>
+      </p:pic>
+      <p:sp>
+        <p:nvSpPr>
+          <p:cNvPr id="2" name="Arrow: Right 1">
+            <a:extLst>
+              <a:ext uri="{FF2B5EF4-FFF2-40B4-BE49-F238E27FC236}">
+                <a16:creationId xmlns:a16="http://schemas.microsoft.com/office/drawing/2014/main" id="{B480D365-49AC-0D30-2298-20BF4595EA0D}"/>
+              </a:ext>
+            </a:extLst>
+          </p:cNvPr>
+          <p:cNvSpPr/>
+          <p:nvPr/>
+        </p:nvSpPr>
+        <p:spPr>
+          <a:xfrm>
+            <a:off x="1597083" y="2556956"/>
+            <a:ext cx="3533718" cy="1041400"/>
+          </a:xfrm>
+          <a:prstGeom prst="rightArrow">
+            <a:avLst/>
+          </a:prstGeom>
+        </p:spPr>
+        <p:style>
+          <a:lnRef idx="2">
+            <a:schemeClr val="accent2">
+              <a:shade val="15000"/>
+            </a:schemeClr>
+          </a:lnRef>
+          <a:fillRef idx="1">
+            <a:schemeClr val="accent2"/>
+          </a:fillRef>
+          <a:effectRef idx="0">
+            <a:schemeClr val="accent2"/>
+          </a:effectRef>
+          <a:fontRef idx="minor">
+            <a:schemeClr val="lt1"/>
+          </a:fontRef>
+        </p:style>
+        <p:txBody>
+          <a:bodyPr rtlCol="0" anchor="ctr"/>
+          <a:lstStyle/>
+          <a:p>
+            <a:pPr algn="ctr"/>
+            <a:r>
+              <a:rPr lang="en-US" sz="1600" dirty="0">
+                <a:solidFill>
+                  <a:schemeClr val="bg1"/>
+                </a:solidFill>
+                <a:latin typeface="Consolas" panose="020B0609020204030204" pitchFamily="49" charset="0"/>
+              </a:rPr>
+              <a:t>$ git add new-text-file.txt</a:t>
+            </a:r>
+          </a:p>
+        </p:txBody>
+      </p:sp>
+      <p:sp>
+        <p:nvSpPr>
+          <p:cNvPr id="6" name="Arrow: Right 5">
+            <a:extLst>
+              <a:ext uri="{FF2B5EF4-FFF2-40B4-BE49-F238E27FC236}">
+                <a16:creationId xmlns:a16="http://schemas.microsoft.com/office/drawing/2014/main" id="{5977F649-798A-20CD-A0D7-3CD748840C52}"/>
+              </a:ext>
+            </a:extLst>
+          </p:cNvPr>
+          <p:cNvSpPr/>
+          <p:nvPr/>
+        </p:nvSpPr>
+        <p:spPr>
+          <a:xfrm>
+            <a:off x="4598515" y="3433256"/>
+            <a:ext cx="3533718" cy="1041400"/>
+          </a:xfrm>
+          <a:prstGeom prst="rightArrow">
+            <a:avLst/>
+          </a:prstGeom>
+        </p:spPr>
+        <p:style>
+          <a:lnRef idx="2">
+            <a:schemeClr val="accent1">
+              <a:shade val="15000"/>
+            </a:schemeClr>
+          </a:lnRef>
+          <a:fillRef idx="1">
+            <a:schemeClr val="accent1"/>
+          </a:fillRef>
+          <a:effectRef idx="0">
+            <a:schemeClr val="accent1"/>
+          </a:effectRef>
+          <a:fontRef idx="minor">
+            <a:schemeClr val="lt1"/>
+          </a:fontRef>
+        </p:style>
+        <p:txBody>
+          <a:bodyPr rtlCol="0" anchor="ctr"/>
+          <a:lstStyle/>
+          <a:p>
+            <a:pPr algn="ctr"/>
+            <a:r>
+              <a:rPr lang="en-US" sz="1600" dirty="0">
+                <a:solidFill>
+                  <a:schemeClr val="bg1"/>
+                </a:solidFill>
+                <a:latin typeface="Consolas" panose="020B0609020204030204" pitchFamily="49" charset="0"/>
+              </a:rPr>
+              <a:t>$ git commit –m “Message”</a:t>
+            </a:r>
+          </a:p>
+        </p:txBody>
+      </p:sp>
+      <p:sp>
+        <p:nvSpPr>
+          <p:cNvPr id="3" name="Arrow: Right 2">
+            <a:extLst>
+              <a:ext uri="{FF2B5EF4-FFF2-40B4-BE49-F238E27FC236}">
+                <a16:creationId xmlns:a16="http://schemas.microsoft.com/office/drawing/2014/main" id="{AE698CB8-9DED-2603-18DF-A1A6EBAC07A7}"/>
+              </a:ext>
+            </a:extLst>
+          </p:cNvPr>
+          <p:cNvSpPr/>
+          <p:nvPr/>
+        </p:nvSpPr>
+        <p:spPr>
+          <a:xfrm>
+            <a:off x="7669746" y="4430194"/>
+            <a:ext cx="3106042" cy="1041400"/>
+          </a:xfrm>
+          <a:prstGeom prst="rightArrow">
+            <a:avLst/>
+          </a:prstGeom>
+        </p:spPr>
+        <p:style>
+          <a:lnRef idx="2">
+            <a:schemeClr val="accent1">
+              <a:shade val="15000"/>
+            </a:schemeClr>
+          </a:lnRef>
+          <a:fillRef idx="1">
+            <a:schemeClr val="accent1"/>
+          </a:fillRef>
+          <a:effectRef idx="0">
+            <a:schemeClr val="accent1"/>
+          </a:effectRef>
+          <a:fontRef idx="minor">
+            <a:schemeClr val="lt1"/>
+          </a:fontRef>
+        </p:style>
+        <p:txBody>
+          <a:bodyPr rtlCol="0" anchor="ctr"/>
+          <a:lstStyle/>
+          <a:p>
+            <a:pPr algn="ctr"/>
+            <a:r>
+              <a:rPr lang="en-US" sz="1600" dirty="0">
+                <a:solidFill>
+                  <a:schemeClr val="bg1"/>
+                </a:solidFill>
+                <a:latin typeface="Consolas" panose="020B0609020204030204" pitchFamily="49" charset="0"/>
+              </a:rPr>
+              <a:t>$ git push</a:t>
+            </a:r>
+          </a:p>
+        </p:txBody>
+      </p:sp>
+      <p:sp>
+        <p:nvSpPr>
+          <p:cNvPr id="10" name="Arrow: Right 9">
+            <a:extLst>
+              <a:ext uri="{FF2B5EF4-FFF2-40B4-BE49-F238E27FC236}">
+                <a16:creationId xmlns:a16="http://schemas.microsoft.com/office/drawing/2014/main" id="{F58DCBF1-D2C2-E59B-F512-2DFA868D4E28}"/>
+              </a:ext>
+            </a:extLst>
+          </p:cNvPr>
+          <p:cNvSpPr/>
+          <p:nvPr/>
+        </p:nvSpPr>
+        <p:spPr>
+          <a:xfrm flipH="1">
+            <a:off x="7669745" y="5350558"/>
+            <a:ext cx="3056188" cy="1041400"/>
+          </a:xfrm>
+          <a:prstGeom prst="rightArrow">
+            <a:avLst/>
+          </a:prstGeom>
+        </p:spPr>
+        <p:style>
+          <a:lnRef idx="2">
+            <a:schemeClr val="accent1">
+              <a:shade val="15000"/>
+            </a:schemeClr>
+          </a:lnRef>
+          <a:fillRef idx="1">
+            <a:schemeClr val="accent1"/>
+          </a:fillRef>
+          <a:effectRef idx="0">
+            <a:schemeClr val="accent1"/>
+          </a:effectRef>
+          <a:fontRef idx="minor">
+            <a:schemeClr val="lt1"/>
+          </a:fontRef>
+        </p:style>
+        <p:txBody>
+          <a:bodyPr rtlCol="0" anchor="ctr"/>
+          <a:lstStyle/>
+          <a:p>
+            <a:pPr algn="ctr"/>
+            <a:r>
+              <a:rPr lang="en-US" sz="1600" dirty="0">
+                <a:solidFill>
+                  <a:schemeClr val="bg1"/>
+                </a:solidFill>
+                <a:latin typeface="Consolas" panose="020B0609020204030204" pitchFamily="49" charset="0"/>
+              </a:rPr>
+              <a:t>$ git pull</a:t>
+            </a:r>
+          </a:p>
+        </p:txBody>
+      </p:sp>
+    </p:spTree>
+    <p:extLst>
+      <p:ext uri="{BB962C8B-B14F-4D97-AF65-F5344CB8AC3E}">
+        <p14:creationId xmlns:p14="http://schemas.microsoft.com/office/powerpoint/2010/main" val="2659259554"/>
+      </p:ext>
+    </p:extLst>
+  </p:cSld>
+  <p:clrMapOvr>
+    <a:masterClrMapping/>
+  </p:clrMapOvr>
+  <mc:AlternateContent xmlns:mc="http://schemas.openxmlformats.org/markup-compatibility/2006" xmlns:p14="http://schemas.microsoft.com/office/powerpoint/2010/main">
+    <mc:Choice Requires="p14">
+      <p:transition spd="med" p14:dur="700">
+        <p:fade/>
+      </p:transition>
+    </mc:Choice>
+    <mc:Fallback xmlns="">
+      <p:transition spd="med">
+        <p:fade/>
+      </p:transition>
+    </mc:Fallback>
+  </mc:AlternateContent>
+  <p:timing>
+    <p:tnLst>
+      <p:par>
+        <p:cTn id="1" dur="indefinite" restart="never" nodeType="tmRoot">
+          <p:childTnLst>
+            <p:seq concurrent="1" nextAc="seek">
+              <p:cTn id="2" dur="indefinite" nodeType="mainSeq">
+                <p:childTnLst>
+                  <p:par>
+                    <p:cTn id="3" fill="hold">
+                      <p:stCondLst>
+                        <p:cond delay="indefinite"/>
+                      </p:stCondLst>
+                      <p:childTnLst>
+                        <p:par>
+                          <p:cTn id="4" fill="hold">
+                            <p:stCondLst>
+                              <p:cond delay="0"/>
+                            </p:stCondLst>
+                            <p:childTnLst>
+                              <p:par>
+                                <p:cTn id="5" presetID="1" presetClass="entr" presetSubtype="0" fill="hold" grpId="0" nodeType="clickEffect">
+                                  <p:stCondLst>
+                                    <p:cond delay="0"/>
+                                  </p:stCondLst>
+                                  <p:childTnLst>
+                                    <p:set>
+                                      <p:cBhvr>
+                                        <p:cTn id="6" dur="1" fill="hold">
+                                          <p:stCondLst>
+                                            <p:cond delay="0"/>
+                                          </p:stCondLst>
+                                        </p:cTn>
+                                        <p:tgtEl>
+                                          <p:spTgt spid="10"/>
+                                        </p:tgtEl>
+                                        <p:attrNameLst>
+                                          <p:attrName>style.visibility</p:attrName>
+                                        </p:attrNameLst>
+                                      </p:cBhvr>
+                                      <p:to>
+                                        <p:strVal val="visible"/>
+                                      </p:to>
+                                    </p:set>
+                                  </p:childTnLst>
+                                </p:cTn>
+                              </p:par>
+                            </p:childTnLst>
+                          </p:cTn>
+                        </p:par>
+                      </p:childTnLst>
+                    </p:cTn>
+                  </p:par>
+                </p:childTnLst>
+              </p:cTn>
+              <p:prevCondLst>
+                <p:cond evt="onPrev" delay="0">
+                  <p:tgtEl>
+                    <p:sldTgt/>
+                  </p:tgtEl>
+                </p:cond>
+              </p:prevCondLst>
+              <p:nextCondLst>
+                <p:cond evt="onNext" delay="0">
+                  <p:tgtEl>
+                    <p:sldTgt/>
+                  </p:tgtEl>
+                </p:cond>
+              </p:nextCondLst>
+            </p:seq>
+          </p:childTnLst>
+        </p:cTn>
+      </p:par>
+    </p:tnLst>
+    <p:bldLst>
+      <p:bldP spid="10" grpId="0" animBg="1"/>
     </p:bldLst>
   </p:timing>
 </p:sld>
@@ -12974,7 +14650,7 @@
             <p:nvPr/>
           </p:nvPicPr>
           <p:blipFill>
-            <a:blip r:embed="rId2">
+            <a:blip r:embed="rId3">
               <a:extLst>
                 <a:ext uri="{28A0092B-C50C-407E-A947-70E740481C1C}">
                   <a14:useLocalDpi xmlns:a14="http://schemas.microsoft.com/office/drawing/2010/main" val="0"/>
@@ -13021,7 +14697,7 @@
             <p:nvPr/>
           </p:nvPicPr>
           <p:blipFill>
-            <a:blip r:embed="rId3"/>
+            <a:blip r:embed="rId4"/>
             <a:stretch>
               <a:fillRect/>
             </a:stretch>
@@ -13051,7 +14727,7 @@
             <p:nvPr/>
           </p:nvPicPr>
           <p:blipFill>
-            <a:blip r:embed="rId4"/>
+            <a:blip r:embed="rId5"/>
             <a:stretch>
               <a:fillRect/>
             </a:stretch>
@@ -13081,7 +14757,7 @@
             <p:nvPr/>
           </p:nvPicPr>
           <p:blipFill>
-            <a:blip r:embed="rId5"/>
+            <a:blip r:embed="rId6"/>
             <a:stretch>
               <a:fillRect/>
             </a:stretch>
@@ -13111,7 +14787,7 @@
             <p:nvPr/>
           </p:nvPicPr>
           <p:blipFill>
-            <a:blip r:embed="rId5"/>
+            <a:blip r:embed="rId6"/>
             <a:stretch>
               <a:fillRect/>
             </a:stretch>
@@ -13141,7 +14817,7 @@
             <p:nvPr/>
           </p:nvPicPr>
           <p:blipFill>
-            <a:blip r:embed="rId3"/>
+            <a:blip r:embed="rId4"/>
             <a:stretch>
               <a:fillRect/>
             </a:stretch>
@@ -13171,7 +14847,7 @@
             <p:nvPr/>
           </p:nvPicPr>
           <p:blipFill>
-            <a:blip r:embed="rId4"/>
+            <a:blip r:embed="rId5"/>
             <a:stretch>
               <a:fillRect/>
             </a:stretch>
@@ -13529,7 +15205,7 @@
           <a:p>
             <a:r>
               <a:rPr lang="en-US" dirty="0"/>
-              <a:t>How Git works?</a:t>
+              <a:t>How Git works with GitHub?</a:t>
             </a:r>
           </a:p>
         </p:txBody>
@@ -13760,7 +15436,7 @@
         </p:blipFill>
         <p:spPr>
           <a:xfrm>
-            <a:off x="10725933" y="4419353"/>
+            <a:off x="6957212" y="5311861"/>
             <a:ext cx="712532" cy="1063082"/>
           </a:xfrm>
           <a:prstGeom prst="rect">
@@ -13987,671 +15663,6 @@
     </p:spTree>
     <p:extLst>
       <p:ext uri="{BB962C8B-B14F-4D97-AF65-F5344CB8AC3E}">
-        <p14:creationId xmlns:p14="http://schemas.microsoft.com/office/powerpoint/2010/main" val="2659259554"/>
-      </p:ext>
-    </p:extLst>
-  </p:cSld>
-  <p:clrMapOvr>
-    <a:masterClrMapping/>
-  </p:clrMapOvr>
-  <mc:AlternateContent xmlns:mc="http://schemas.openxmlformats.org/markup-compatibility/2006" xmlns:p14="http://schemas.microsoft.com/office/powerpoint/2010/main">
-    <mc:Choice Requires="p14">
-      <p:transition spd="med" p14:dur="700">
-        <p:fade/>
-      </p:transition>
-    </mc:Choice>
-    <mc:Fallback xmlns="">
-      <p:transition spd="med">
-        <p:fade/>
-      </p:transition>
-    </mc:Fallback>
-  </mc:AlternateContent>
-  <p:timing>
-    <p:tnLst>
-      <p:par>
-        <p:cTn id="1" dur="indefinite" restart="never" nodeType="tmRoot">
-          <p:childTnLst>
-            <p:seq concurrent="1" nextAc="seek">
-              <p:cTn id="2" dur="indefinite" nodeType="mainSeq">
-                <p:childTnLst>
-                  <p:par>
-                    <p:cTn id="3" fill="hold">
-                      <p:stCondLst>
-                        <p:cond delay="indefinite"/>
-                      </p:stCondLst>
-                      <p:childTnLst>
-                        <p:par>
-                          <p:cTn id="4" fill="hold">
-                            <p:stCondLst>
-                              <p:cond delay="0"/>
-                            </p:stCondLst>
-                            <p:childTnLst>
-                              <p:par>
-                                <p:cTn id="5" presetID="1" presetClass="entr" presetSubtype="0" fill="hold" grpId="0" nodeType="clickEffect">
-                                  <p:stCondLst>
-                                    <p:cond delay="0"/>
-                                  </p:stCondLst>
-                                  <p:childTnLst>
-                                    <p:set>
-                                      <p:cBhvr>
-                                        <p:cTn id="6" dur="1" fill="hold">
-                                          <p:stCondLst>
-                                            <p:cond delay="0"/>
-                                          </p:stCondLst>
-                                        </p:cTn>
-                                        <p:tgtEl>
-                                          <p:spTgt spid="10"/>
-                                        </p:tgtEl>
-                                        <p:attrNameLst>
-                                          <p:attrName>style.visibility</p:attrName>
-                                        </p:attrNameLst>
-                                      </p:cBhvr>
-                                      <p:to>
-                                        <p:strVal val="visible"/>
-                                      </p:to>
-                                    </p:set>
-                                  </p:childTnLst>
-                                </p:cTn>
-                              </p:par>
-                            </p:childTnLst>
-                          </p:cTn>
-                        </p:par>
-                      </p:childTnLst>
-                    </p:cTn>
-                  </p:par>
-                </p:childTnLst>
-              </p:cTn>
-              <p:prevCondLst>
-                <p:cond evt="onPrev" delay="0">
-                  <p:tgtEl>
-                    <p:sldTgt/>
-                  </p:tgtEl>
-                </p:cond>
-              </p:prevCondLst>
-              <p:nextCondLst>
-                <p:cond evt="onNext" delay="0">
-                  <p:tgtEl>
-                    <p:sldTgt/>
-                  </p:tgtEl>
-                </p:cond>
-              </p:nextCondLst>
-            </p:seq>
-          </p:childTnLst>
-        </p:cTn>
-      </p:par>
-    </p:tnLst>
-    <p:bldLst>
-      <p:bldP spid="10" grpId="0" animBg="1"/>
-    </p:bldLst>
-  </p:timing>
-</p:sld>
-</file>
-
-<file path=ppt/slides/slide31.xml><?xml version="1.0" encoding="utf-8"?>
-<p:sld xmlns:a="http://schemas.openxmlformats.org/drawingml/2006/main" xmlns:r="http://schemas.openxmlformats.org/officeDocument/2006/relationships" xmlns:p="http://schemas.openxmlformats.org/presentationml/2006/main">
-  <p:cSld>
-    <p:spTree>
-      <p:nvGrpSpPr>
-        <p:cNvPr id="1" name=""/>
-        <p:cNvGrpSpPr/>
-        <p:nvPr/>
-      </p:nvGrpSpPr>
-      <p:grpSpPr>
-        <a:xfrm>
-          <a:off x="0" y="0"/>
-          <a:ext cx="0" cy="0"/>
-          <a:chOff x="0" y="0"/>
-          <a:chExt cx="0" cy="0"/>
-        </a:xfrm>
-      </p:grpSpPr>
-      <p:sp>
-        <p:nvSpPr>
-          <p:cNvPr id="5" name="Rectangle 4">
-            <a:extLst>
-              <a:ext uri="{FF2B5EF4-FFF2-40B4-BE49-F238E27FC236}">
-                <a16:creationId xmlns:a16="http://schemas.microsoft.com/office/drawing/2014/main" id="{992692B7-9C75-A049-1434-584900A44307}"/>
-              </a:ext>
-            </a:extLst>
-          </p:cNvPr>
-          <p:cNvSpPr/>
-          <p:nvPr/>
-        </p:nvSpPr>
-        <p:spPr>
-          <a:xfrm>
-            <a:off x="9442566" y="1811867"/>
-            <a:ext cx="2349501" cy="4656666"/>
-          </a:xfrm>
-          <a:prstGeom prst="rect">
-            <a:avLst/>
-          </a:prstGeom>
-          <a:solidFill>
-            <a:schemeClr val="accent5">
-              <a:alpha val="50000"/>
-            </a:schemeClr>
-          </a:solidFill>
-          <a:ln>
-            <a:noFill/>
-          </a:ln>
-        </p:spPr>
-        <p:style>
-          <a:lnRef idx="0">
-            <a:scrgbClr r="0" g="0" b="0"/>
-          </a:lnRef>
-          <a:fillRef idx="0">
-            <a:scrgbClr r="0" g="0" b="0"/>
-          </a:fillRef>
-          <a:effectRef idx="0">
-            <a:scrgbClr r="0" g="0" b="0"/>
-          </a:effectRef>
-          <a:fontRef idx="minor">
-            <a:schemeClr val="lt1"/>
-          </a:fontRef>
-        </p:style>
-        <p:txBody>
-          <a:bodyPr rtlCol="0" anchor="t"/>
-          <a:lstStyle/>
-          <a:p>
-            <a:pPr algn="ctr">
-              <a:lnSpc>
-                <a:spcPct val="200000"/>
-              </a:lnSpc>
-            </a:pPr>
-            <a:r>
-              <a:rPr lang="en-US" b="1" dirty="0">
-                <a:effectLst>
-                  <a:outerShdw blurRad="38100" dist="38100" dir="2700000" algn="tl">
-                    <a:srgbClr val="000000">
-                      <a:alpha val="43137"/>
-                    </a:srgbClr>
-                  </a:outerShdw>
-                </a:effectLst>
-                <a:latin typeface="+mj-lt"/>
-              </a:rPr>
-              <a:t>Remote Repository</a:t>
-            </a:r>
-          </a:p>
-        </p:txBody>
-      </p:sp>
-      <p:sp>
-        <p:nvSpPr>
-          <p:cNvPr id="4" name="Title 3"/>
-          <p:cNvSpPr>
-            <a:spLocks noGrp="1"/>
-          </p:cNvSpPr>
-          <p:nvPr>
-            <p:ph type="title"/>
-          </p:nvPr>
-        </p:nvSpPr>
-        <p:spPr>
-          <a:xfrm>
-            <a:off x="914400" y="946653"/>
-            <a:ext cx="10058400" cy="734003"/>
-          </a:xfrm>
-        </p:spPr>
-        <p:txBody>
-          <a:bodyPr/>
-          <a:lstStyle/>
-          <a:p>
-            <a:r>
-              <a:rPr lang="en-US" dirty="0"/>
-              <a:t>How Git works?</a:t>
-            </a:r>
-          </a:p>
-        </p:txBody>
-      </p:sp>
-      <p:sp>
-        <p:nvSpPr>
-          <p:cNvPr id="7" name="Rectangle 6">
-            <a:extLst>
-              <a:ext uri="{FF2B5EF4-FFF2-40B4-BE49-F238E27FC236}">
-                <a16:creationId xmlns:a16="http://schemas.microsoft.com/office/drawing/2014/main" id="{A8EBA72D-EAF7-B507-63E8-ADC354B6DBDD}"/>
-              </a:ext>
-            </a:extLst>
-          </p:cNvPr>
-          <p:cNvSpPr/>
-          <p:nvPr/>
-        </p:nvSpPr>
-        <p:spPr>
-          <a:xfrm>
-            <a:off x="1075266" y="1811867"/>
-            <a:ext cx="2349501" cy="4656666"/>
-          </a:xfrm>
-          <a:prstGeom prst="rect">
-            <a:avLst/>
-          </a:prstGeom>
-          <a:solidFill>
-            <a:schemeClr val="accent6">
-              <a:alpha val="50000"/>
-            </a:schemeClr>
-          </a:solidFill>
-          <a:ln>
-            <a:noFill/>
-          </a:ln>
-        </p:spPr>
-        <p:style>
-          <a:lnRef idx="0">
-            <a:scrgbClr r="0" g="0" b="0"/>
-          </a:lnRef>
-          <a:fillRef idx="0">
-            <a:scrgbClr r="0" g="0" b="0"/>
-          </a:fillRef>
-          <a:effectRef idx="0">
-            <a:scrgbClr r="0" g="0" b="0"/>
-          </a:effectRef>
-          <a:fontRef idx="minor">
-            <a:schemeClr val="lt1"/>
-          </a:fontRef>
-        </p:style>
-        <p:txBody>
-          <a:bodyPr rtlCol="0" anchor="t"/>
-          <a:lstStyle/>
-          <a:p>
-            <a:pPr algn="ctr">
-              <a:lnSpc>
-                <a:spcPct val="200000"/>
-              </a:lnSpc>
-            </a:pPr>
-            <a:r>
-              <a:rPr lang="en-US" b="1" dirty="0">
-                <a:effectLst>
-                  <a:outerShdw blurRad="38100" dist="38100" dir="2700000" algn="tl">
-                    <a:srgbClr val="000000">
-                      <a:alpha val="43137"/>
-                    </a:srgbClr>
-                  </a:outerShdw>
-                </a:effectLst>
-                <a:latin typeface="+mj-lt"/>
-              </a:rPr>
-              <a:t>Working Directory</a:t>
-            </a:r>
-          </a:p>
-        </p:txBody>
-      </p:sp>
-      <p:sp>
-        <p:nvSpPr>
-          <p:cNvPr id="8" name="Rectangle 7">
-            <a:extLst>
-              <a:ext uri="{FF2B5EF4-FFF2-40B4-BE49-F238E27FC236}">
-                <a16:creationId xmlns:a16="http://schemas.microsoft.com/office/drawing/2014/main" id="{D36DF123-7D24-8425-DFCD-A2EE39418CF7}"/>
-              </a:ext>
-            </a:extLst>
-          </p:cNvPr>
-          <p:cNvSpPr/>
-          <p:nvPr/>
-        </p:nvSpPr>
-        <p:spPr>
-          <a:xfrm>
-            <a:off x="3864366" y="1811867"/>
-            <a:ext cx="2349501" cy="4656666"/>
-          </a:xfrm>
-          <a:prstGeom prst="rect">
-            <a:avLst/>
-          </a:prstGeom>
-          <a:solidFill>
-            <a:schemeClr val="accent3">
-              <a:alpha val="50000"/>
-            </a:schemeClr>
-          </a:solidFill>
-          <a:ln>
-            <a:noFill/>
-          </a:ln>
-        </p:spPr>
-        <p:style>
-          <a:lnRef idx="0">
-            <a:scrgbClr r="0" g="0" b="0"/>
-          </a:lnRef>
-          <a:fillRef idx="0">
-            <a:scrgbClr r="0" g="0" b="0"/>
-          </a:fillRef>
-          <a:effectRef idx="0">
-            <a:scrgbClr r="0" g="0" b="0"/>
-          </a:effectRef>
-          <a:fontRef idx="minor">
-            <a:schemeClr val="lt1"/>
-          </a:fontRef>
-        </p:style>
-        <p:txBody>
-          <a:bodyPr rtlCol="0" anchor="t"/>
-          <a:lstStyle/>
-          <a:p>
-            <a:pPr algn="ctr">
-              <a:lnSpc>
-                <a:spcPct val="200000"/>
-              </a:lnSpc>
-            </a:pPr>
-            <a:r>
-              <a:rPr lang="en-US" b="1" dirty="0">
-                <a:effectLst>
-                  <a:outerShdw blurRad="38100" dist="38100" dir="2700000" algn="tl">
-                    <a:srgbClr val="000000">
-                      <a:alpha val="43137"/>
-                    </a:srgbClr>
-                  </a:outerShdw>
-                </a:effectLst>
-                <a:latin typeface="+mj-lt"/>
-              </a:rPr>
-              <a:t>Staging Area</a:t>
-            </a:r>
-          </a:p>
-        </p:txBody>
-      </p:sp>
-      <p:sp>
-        <p:nvSpPr>
-          <p:cNvPr id="9" name="Rectangle 8">
-            <a:extLst>
-              <a:ext uri="{FF2B5EF4-FFF2-40B4-BE49-F238E27FC236}">
-                <a16:creationId xmlns:a16="http://schemas.microsoft.com/office/drawing/2014/main" id="{D1CCF84F-94AF-F007-A9A9-3D45ACE0A92C}"/>
-              </a:ext>
-            </a:extLst>
-          </p:cNvPr>
-          <p:cNvSpPr/>
-          <p:nvPr/>
-        </p:nvSpPr>
-        <p:spPr>
-          <a:xfrm>
-            <a:off x="6653466" y="1811867"/>
-            <a:ext cx="2349501" cy="4656666"/>
-          </a:xfrm>
-          <a:prstGeom prst="rect">
-            <a:avLst/>
-          </a:prstGeom>
-          <a:solidFill>
-            <a:schemeClr val="accent5">
-              <a:alpha val="50000"/>
-            </a:schemeClr>
-          </a:solidFill>
-          <a:ln>
-            <a:noFill/>
-          </a:ln>
-        </p:spPr>
-        <p:style>
-          <a:lnRef idx="0">
-            <a:scrgbClr r="0" g="0" b="0"/>
-          </a:lnRef>
-          <a:fillRef idx="0">
-            <a:scrgbClr r="0" g="0" b="0"/>
-          </a:fillRef>
-          <a:effectRef idx="0">
-            <a:scrgbClr r="0" g="0" b="0"/>
-          </a:effectRef>
-          <a:fontRef idx="minor">
-            <a:schemeClr val="lt1"/>
-          </a:fontRef>
-        </p:style>
-        <p:txBody>
-          <a:bodyPr rtlCol="0" anchor="t"/>
-          <a:lstStyle/>
-          <a:p>
-            <a:pPr algn="ctr">
-              <a:lnSpc>
-                <a:spcPct val="200000"/>
-              </a:lnSpc>
-            </a:pPr>
-            <a:r>
-              <a:rPr lang="en-US" b="1" dirty="0">
-                <a:effectLst>
-                  <a:outerShdw blurRad="38100" dist="38100" dir="2700000" algn="tl">
-                    <a:srgbClr val="000000">
-                      <a:alpha val="43137"/>
-                    </a:srgbClr>
-                  </a:outerShdw>
-                </a:effectLst>
-                <a:latin typeface="+mj-lt"/>
-              </a:rPr>
-              <a:t>Local Repository</a:t>
-            </a:r>
-          </a:p>
-        </p:txBody>
-      </p:sp>
-      <p:pic>
-        <p:nvPicPr>
-          <p:cNvPr id="14" name="Picture 13">
-            <a:extLst>
-              <a:ext uri="{FF2B5EF4-FFF2-40B4-BE49-F238E27FC236}">
-                <a16:creationId xmlns:a16="http://schemas.microsoft.com/office/drawing/2014/main" id="{C4089F58-AA1E-3B04-4E9D-CB5EF34FD095}"/>
-              </a:ext>
-            </a:extLst>
-          </p:cNvPr>
-          <p:cNvPicPr>
-            <a:picLocks noChangeAspect="1"/>
-          </p:cNvPicPr>
-          <p:nvPr/>
-        </p:nvPicPr>
-        <p:blipFill>
-          <a:blip r:embed="rId3"/>
-          <a:stretch>
-            <a:fillRect/>
-          </a:stretch>
-        </p:blipFill>
-        <p:spPr>
-          <a:xfrm>
-            <a:off x="6957212" y="5311861"/>
-            <a:ext cx="712532" cy="1063082"/>
-          </a:xfrm>
-          <a:prstGeom prst="rect">
-            <a:avLst/>
-          </a:prstGeom>
-        </p:spPr>
-      </p:pic>
-      <p:sp>
-        <p:nvSpPr>
-          <p:cNvPr id="2" name="Arrow: Right 1">
-            <a:extLst>
-              <a:ext uri="{FF2B5EF4-FFF2-40B4-BE49-F238E27FC236}">
-                <a16:creationId xmlns:a16="http://schemas.microsoft.com/office/drawing/2014/main" id="{B480D365-49AC-0D30-2298-20BF4595EA0D}"/>
-              </a:ext>
-            </a:extLst>
-          </p:cNvPr>
-          <p:cNvSpPr/>
-          <p:nvPr/>
-        </p:nvSpPr>
-        <p:spPr>
-          <a:xfrm>
-            <a:off x="1597083" y="2556956"/>
-            <a:ext cx="3533718" cy="1041400"/>
-          </a:xfrm>
-          <a:prstGeom prst="rightArrow">
-            <a:avLst/>
-          </a:prstGeom>
-        </p:spPr>
-        <p:style>
-          <a:lnRef idx="2">
-            <a:schemeClr val="accent2">
-              <a:shade val="15000"/>
-            </a:schemeClr>
-          </a:lnRef>
-          <a:fillRef idx="1">
-            <a:schemeClr val="accent2"/>
-          </a:fillRef>
-          <a:effectRef idx="0">
-            <a:schemeClr val="accent2"/>
-          </a:effectRef>
-          <a:fontRef idx="minor">
-            <a:schemeClr val="lt1"/>
-          </a:fontRef>
-        </p:style>
-        <p:txBody>
-          <a:bodyPr rtlCol="0" anchor="ctr"/>
-          <a:lstStyle/>
-          <a:p>
-            <a:pPr algn="ctr"/>
-            <a:r>
-              <a:rPr lang="en-US" sz="1600" dirty="0">
-                <a:solidFill>
-                  <a:schemeClr val="bg1"/>
-                </a:solidFill>
-                <a:latin typeface="Consolas" panose="020B0609020204030204" pitchFamily="49" charset="0"/>
-              </a:rPr>
-              <a:t>$ git add new-text-file.txt</a:t>
-            </a:r>
-          </a:p>
-        </p:txBody>
-      </p:sp>
-      <p:sp>
-        <p:nvSpPr>
-          <p:cNvPr id="6" name="Arrow: Right 5">
-            <a:extLst>
-              <a:ext uri="{FF2B5EF4-FFF2-40B4-BE49-F238E27FC236}">
-                <a16:creationId xmlns:a16="http://schemas.microsoft.com/office/drawing/2014/main" id="{5977F649-798A-20CD-A0D7-3CD748840C52}"/>
-              </a:ext>
-            </a:extLst>
-          </p:cNvPr>
-          <p:cNvSpPr/>
-          <p:nvPr/>
-        </p:nvSpPr>
-        <p:spPr>
-          <a:xfrm>
-            <a:off x="4598515" y="3433256"/>
-            <a:ext cx="3533718" cy="1041400"/>
-          </a:xfrm>
-          <a:prstGeom prst="rightArrow">
-            <a:avLst/>
-          </a:prstGeom>
-        </p:spPr>
-        <p:style>
-          <a:lnRef idx="2">
-            <a:schemeClr val="accent1">
-              <a:shade val="15000"/>
-            </a:schemeClr>
-          </a:lnRef>
-          <a:fillRef idx="1">
-            <a:schemeClr val="accent1"/>
-          </a:fillRef>
-          <a:effectRef idx="0">
-            <a:schemeClr val="accent1"/>
-          </a:effectRef>
-          <a:fontRef idx="minor">
-            <a:schemeClr val="lt1"/>
-          </a:fontRef>
-        </p:style>
-        <p:txBody>
-          <a:bodyPr rtlCol="0" anchor="ctr"/>
-          <a:lstStyle/>
-          <a:p>
-            <a:pPr algn="ctr"/>
-            <a:r>
-              <a:rPr lang="en-US" sz="1600" dirty="0">
-                <a:solidFill>
-                  <a:schemeClr val="bg1"/>
-                </a:solidFill>
-                <a:latin typeface="Consolas" panose="020B0609020204030204" pitchFamily="49" charset="0"/>
-              </a:rPr>
-              <a:t>$ git commit –m “Message”</a:t>
-            </a:r>
-          </a:p>
-        </p:txBody>
-      </p:sp>
-      <p:sp>
-        <p:nvSpPr>
-          <p:cNvPr id="3" name="Arrow: Right 2">
-            <a:extLst>
-              <a:ext uri="{FF2B5EF4-FFF2-40B4-BE49-F238E27FC236}">
-                <a16:creationId xmlns:a16="http://schemas.microsoft.com/office/drawing/2014/main" id="{AE698CB8-9DED-2603-18DF-A1A6EBAC07A7}"/>
-              </a:ext>
-            </a:extLst>
-          </p:cNvPr>
-          <p:cNvSpPr/>
-          <p:nvPr/>
-        </p:nvSpPr>
-        <p:spPr>
-          <a:xfrm>
-            <a:off x="7669746" y="4430194"/>
-            <a:ext cx="3106042" cy="1041400"/>
-          </a:xfrm>
-          <a:prstGeom prst="rightArrow">
-            <a:avLst/>
-          </a:prstGeom>
-        </p:spPr>
-        <p:style>
-          <a:lnRef idx="2">
-            <a:schemeClr val="accent1">
-              <a:shade val="15000"/>
-            </a:schemeClr>
-          </a:lnRef>
-          <a:fillRef idx="1">
-            <a:schemeClr val="accent1"/>
-          </a:fillRef>
-          <a:effectRef idx="0">
-            <a:schemeClr val="accent1"/>
-          </a:effectRef>
-          <a:fontRef idx="minor">
-            <a:schemeClr val="lt1"/>
-          </a:fontRef>
-        </p:style>
-        <p:txBody>
-          <a:bodyPr rtlCol="0" anchor="ctr"/>
-          <a:lstStyle/>
-          <a:p>
-            <a:pPr algn="ctr"/>
-            <a:r>
-              <a:rPr lang="en-US" sz="1600" dirty="0">
-                <a:solidFill>
-                  <a:schemeClr val="bg1"/>
-                </a:solidFill>
-                <a:latin typeface="Consolas" panose="020B0609020204030204" pitchFamily="49" charset="0"/>
-              </a:rPr>
-              <a:t>$ git push</a:t>
-            </a:r>
-          </a:p>
-        </p:txBody>
-      </p:sp>
-      <p:sp>
-        <p:nvSpPr>
-          <p:cNvPr id="10" name="Arrow: Right 9">
-            <a:extLst>
-              <a:ext uri="{FF2B5EF4-FFF2-40B4-BE49-F238E27FC236}">
-                <a16:creationId xmlns:a16="http://schemas.microsoft.com/office/drawing/2014/main" id="{F58DCBF1-D2C2-E59B-F512-2DFA868D4E28}"/>
-              </a:ext>
-            </a:extLst>
-          </p:cNvPr>
-          <p:cNvSpPr/>
-          <p:nvPr/>
-        </p:nvSpPr>
-        <p:spPr>
-          <a:xfrm flipH="1">
-            <a:off x="7669745" y="5350558"/>
-            <a:ext cx="3056188" cy="1041400"/>
-          </a:xfrm>
-          <a:prstGeom prst="rightArrow">
-            <a:avLst/>
-          </a:prstGeom>
-        </p:spPr>
-        <p:style>
-          <a:lnRef idx="2">
-            <a:schemeClr val="accent1">
-              <a:shade val="15000"/>
-            </a:schemeClr>
-          </a:lnRef>
-          <a:fillRef idx="1">
-            <a:schemeClr val="accent1"/>
-          </a:fillRef>
-          <a:effectRef idx="0">
-            <a:schemeClr val="accent1"/>
-          </a:effectRef>
-          <a:fontRef idx="minor">
-            <a:schemeClr val="lt1"/>
-          </a:fontRef>
-        </p:style>
-        <p:txBody>
-          <a:bodyPr rtlCol="0" anchor="ctr"/>
-          <a:lstStyle/>
-          <a:p>
-            <a:pPr algn="ctr"/>
-            <a:r>
-              <a:rPr lang="en-US" sz="1600" dirty="0">
-                <a:solidFill>
-                  <a:schemeClr val="bg1"/>
-                </a:solidFill>
-                <a:latin typeface="Consolas" panose="020B0609020204030204" pitchFamily="49" charset="0"/>
-              </a:rPr>
-              <a:t>$ git pull</a:t>
-            </a:r>
-          </a:p>
-        </p:txBody>
-      </p:sp>
-    </p:spTree>
-    <p:extLst>
-      <p:ext uri="{BB962C8B-B14F-4D97-AF65-F5344CB8AC3E}">
         <p14:creationId xmlns:p14="http://schemas.microsoft.com/office/powerpoint/2010/main" val="303766631"/>
       </p:ext>
     </p:extLst>
@@ -14674,7 +15685,7 @@
 </p:sld>
 </file>
 
-<file path=ppt/slides/slide32.xml><?xml version="1.0" encoding="utf-8"?>
+<file path=ppt/slides/slide31.xml><?xml version="1.0" encoding="utf-8"?>
 <p:sld xmlns:a="http://schemas.openxmlformats.org/drawingml/2006/main" xmlns:r="http://schemas.openxmlformats.org/officeDocument/2006/relationships" xmlns:p="http://schemas.openxmlformats.org/presentationml/2006/main">
   <p:cSld>
     <p:spTree>
@@ -15035,7 +16046,7 @@
             <p:nvPr/>
           </p:nvPicPr>
           <p:blipFill>
-            <a:blip r:embed="rId2">
+            <a:blip r:embed="rId3">
               <a:extLst>
                 <a:ext uri="{28A0092B-C50C-407E-A947-70E740481C1C}">
                   <a14:useLocalDpi xmlns:a14="http://schemas.microsoft.com/office/drawing/2010/main" val="0"/>
@@ -15082,7 +16093,7 @@
             <p:nvPr/>
           </p:nvPicPr>
           <p:blipFill>
-            <a:blip r:embed="rId3"/>
+            <a:blip r:embed="rId4"/>
             <a:stretch>
               <a:fillRect/>
             </a:stretch>
@@ -15112,7 +16123,7 @@
             <p:nvPr/>
           </p:nvPicPr>
           <p:blipFill>
-            <a:blip r:embed="rId4"/>
+            <a:blip r:embed="rId5"/>
             <a:stretch>
               <a:fillRect/>
             </a:stretch>
@@ -15142,7 +16153,7 @@
             <p:nvPr/>
           </p:nvPicPr>
           <p:blipFill>
-            <a:blip r:embed="rId5"/>
+            <a:blip r:embed="rId6"/>
             <a:stretch>
               <a:fillRect/>
             </a:stretch>
@@ -15172,7 +16183,7 @@
             <p:nvPr/>
           </p:nvPicPr>
           <p:blipFill>
-            <a:blip r:embed="rId5"/>
+            <a:blip r:embed="rId6"/>
             <a:stretch>
               <a:fillRect/>
             </a:stretch>
@@ -15202,7 +16213,7 @@
             <p:nvPr/>
           </p:nvPicPr>
           <p:blipFill>
-            <a:blip r:embed="rId3"/>
+            <a:blip r:embed="rId4"/>
             <a:stretch>
               <a:fillRect/>
             </a:stretch>
@@ -15232,7 +16243,7 @@
             <p:nvPr/>
           </p:nvPicPr>
           <p:blipFill>
-            <a:blip r:embed="rId4"/>
+            <a:blip r:embed="rId5"/>
             <a:stretch>
               <a:fillRect/>
             </a:stretch>
@@ -15929,7 +16940,7 @@
           <p:nvPr/>
         </p:nvPicPr>
         <p:blipFill rotWithShape="1">
-          <a:blip r:embed="rId2"/>
+          <a:blip r:embed="rId3"/>
           <a:srcRect l="1183" t="35757" r="58597"/>
           <a:stretch/>
         </p:blipFill>
@@ -15958,7 +16969,7 @@
           <p:nvPr/>
         </p:nvPicPr>
         <p:blipFill rotWithShape="1">
-          <a:blip r:embed="rId2"/>
+          <a:blip r:embed="rId3"/>
           <a:srcRect l="59158" t="36883" r="622" b="-1126"/>
           <a:stretch/>
         </p:blipFill>
@@ -16361,7 +17372,7 @@
                 <a:solidFill>
                   <a:schemeClr val="bg1"/>
                 </a:solidFill>
-                <a:hlinkClick r:id="rId2">
+                <a:hlinkClick r:id="rId3">
                   <a:extLst>
                     <a:ext uri="{A12FA001-AC4F-418D-AE19-62706E023703}">
                       <ahyp:hlinkClr xmlns:ahyp="http://schemas.microsoft.com/office/drawing/2018/hyperlinkcolor" val="tx"/>
@@ -16390,7 +17401,7 @@
                 <a:solidFill>
                   <a:schemeClr val="bg1"/>
                 </a:solidFill>
-                <a:hlinkClick r:id="rId3">
+                <a:hlinkClick r:id="rId4">
                   <a:extLst>
                     <a:ext uri="{A12FA001-AC4F-418D-AE19-62706E023703}">
                       <ahyp:hlinkClr xmlns:ahyp="http://schemas.microsoft.com/office/drawing/2018/hyperlinkcolor" val="tx"/>
@@ -16419,7 +17430,7 @@
                 <a:solidFill>
                   <a:schemeClr val="bg1"/>
                 </a:solidFill>
-                <a:hlinkClick r:id="rId4">
+                <a:hlinkClick r:id="rId5">
                   <a:extLst>
                     <a:ext uri="{A12FA001-AC4F-418D-AE19-62706E023703}">
                       <ahyp:hlinkClr xmlns:ahyp="http://schemas.microsoft.com/office/drawing/2018/hyperlinkcolor" val="tx"/>
@@ -16553,7 +17564,7 @@
           <p:nvPr/>
         </p:nvPicPr>
         <p:blipFill>
-          <a:blip r:embed="rId2"/>
+          <a:blip r:embed="rId3"/>
           <a:stretch>
             <a:fillRect/>
           </a:stretch>
@@ -16583,7 +17594,7 @@
           <p:nvPr/>
         </p:nvPicPr>
         <p:blipFill>
-          <a:blip r:embed="rId3">
+          <a:blip r:embed="rId4">
             <a:extLst>
               <a:ext uri="{28A0092B-C50C-407E-A947-70E740481C1C}">
                 <a14:useLocalDpi xmlns:a14="http://schemas.microsoft.com/office/drawing/2010/main" val="0"/>
@@ -16630,7 +17641,7 @@
           <p:nvPr/>
         </p:nvPicPr>
         <p:blipFill>
-          <a:blip r:embed="rId2"/>
+          <a:blip r:embed="rId3"/>
           <a:stretch>
             <a:fillRect/>
           </a:stretch>
@@ -18440,7 +19451,7 @@
                 <a:solidFill>
                   <a:schemeClr val="bg1"/>
                 </a:solidFill>
-                <a:hlinkClick r:id="rId2">
+                <a:hlinkClick r:id="rId3">
                   <a:extLst>
                     <a:ext uri="{A12FA001-AC4F-418D-AE19-62706E023703}">
                       <ahyp:hlinkClr xmlns:ahyp="http://schemas.microsoft.com/office/drawing/2018/hyperlinkcolor" val="tx"/>
@@ -19306,35 +20317,39 @@
 <file path=customXml/item2.xml><?xml version="1.0" encoding="utf-8"?>
 <p:properties xmlns:p="http://schemas.microsoft.com/office/2006/metadata/properties" xmlns:xsi="http://www.w3.org/2001/XMLSchema-instance" xmlns:pc="http://schemas.microsoft.com/office/infopath/2007/PartnerControls">
   <documentManagement>
-    <Status xmlns="71af3243-3dd4-4a8d-8c0d-dd76da1f02a5">Not started</Status>
-    <MediaServiceKeyPoints xmlns="71af3243-3dd4-4a8d-8c0d-dd76da1f02a5" xsi:nil="true"/>
+    <MediaServiceKeyPoints xmlns="8882fcd3-a902-4219-bcef-bb2726691434" xsi:nil="true"/>
+    <_activity xmlns="8882fcd3-a902-4219-bcef-bb2726691434" xsi:nil="true"/>
   </documentManagement>
 </p:properties>
 </file>
 
 <file path=customXml/item3.xml><?xml version="1.0" encoding="utf-8"?>
-<ct:contentTypeSchema xmlns:ct="http://schemas.microsoft.com/office/2006/metadata/contentType" xmlns:ma="http://schemas.microsoft.com/office/2006/metadata/properties/metaAttributes" ct:_="" ma:_="" ma:contentTypeName="Document" ma:contentTypeID="0x01010079F111ED35F8CC479449609E8A0923A6" ma:contentTypeVersion="12" ma:contentTypeDescription="Create a new document." ma:contentTypeScope="" ma:versionID="426e97fa315356fffbdcd9876fe988c2">
-  <xsd:schema xmlns:xsd="http://www.w3.org/2001/XMLSchema" xmlns:xs="http://www.w3.org/2001/XMLSchema" xmlns:p="http://schemas.microsoft.com/office/2006/metadata/properties" xmlns:ns2="71af3243-3dd4-4a8d-8c0d-dd76da1f02a5" xmlns:ns3="16c05727-aa75-4e4a-9b5f-8a80a1165891" targetNamespace="http://schemas.microsoft.com/office/2006/metadata/properties" ma:root="true" ma:fieldsID="14b8f0def80e6d70ce3def20c90759ae" ns2:_="" ns3:_="">
-    <xsd:import namespace="71af3243-3dd4-4a8d-8c0d-dd76da1f02a5"/>
-    <xsd:import namespace="16c05727-aa75-4e4a-9b5f-8a80a1165891"/>
+<ct:contentTypeSchema xmlns:ct="http://schemas.microsoft.com/office/2006/metadata/contentType" xmlns:ma="http://schemas.microsoft.com/office/2006/metadata/properties/metaAttributes" ct:_="" ma:_="" ma:contentTypeName="Document" ma:contentTypeID="0x010100EB70875F8A162F4281B25BED318E0D04" ma:contentTypeVersion="16" ma:contentTypeDescription="Create a new document." ma:contentTypeScope="" ma:versionID="15968fd430609c8262933dc94c0599f6">
+  <xsd:schema xmlns:xsd="http://www.w3.org/2001/XMLSchema" xmlns:xs="http://www.w3.org/2001/XMLSchema" xmlns:p="http://schemas.microsoft.com/office/2006/metadata/properties" xmlns:ns3="8882fcd3-a902-4219-bcef-bb2726691434" xmlns:ns4="32baed4a-51d4-41c7-8bbd-49e13508bcc4" targetNamespace="http://schemas.microsoft.com/office/2006/metadata/properties" ma:root="true" ma:fieldsID="273952e2207286055fa540176239cd1b" ns3:_="" ns4:_="">
+    <xsd:import namespace="8882fcd3-a902-4219-bcef-bb2726691434"/>
+    <xsd:import namespace="32baed4a-51d4-41c7-8bbd-49e13508bcc4"/>
     <xsd:element name="properties">
       <xsd:complexType>
         <xsd:sequence>
           <xsd:element name="documentManagement">
             <xsd:complexType>
               <xsd:all>
-                <xsd:element ref="ns2:MediaServiceMetadata" minOccurs="0"/>
-                <xsd:element ref="ns2:MediaServiceFastMetadata" minOccurs="0"/>
-                <xsd:element ref="ns2:MediaServiceOCR" minOccurs="0"/>
-                <xsd:element ref="ns2:MediaServiceAutoTags" minOccurs="0"/>
-                <xsd:element ref="ns2:MediaServiceEventHashCode" minOccurs="0"/>
-                <xsd:element ref="ns2:MediaServiceGenerationTime" minOccurs="0"/>
-                <xsd:element ref="ns3:SharedWithUsers" minOccurs="0"/>
-                <xsd:element ref="ns3:SharedWithDetails" minOccurs="0"/>
-                <xsd:element ref="ns2:MediaServiceAutoKeyPoints" minOccurs="0"/>
-                <xsd:element ref="ns2:MediaServiceKeyPoints" minOccurs="0"/>
-                <xsd:element ref="ns2:MediaServiceDateTaken" minOccurs="0"/>
-                <xsd:element ref="ns2:Status" minOccurs="0"/>
+                <xsd:element ref="ns3:MediaServiceMetadata" minOccurs="0"/>
+                <xsd:element ref="ns3:MediaServiceFastMetadata" minOccurs="0"/>
+                <xsd:element ref="ns3:MediaServiceAutoKeyPoints" minOccurs="0"/>
+                <xsd:element ref="ns3:MediaServiceKeyPoints" minOccurs="0"/>
+                <xsd:element ref="ns3:MediaServiceDateTaken" minOccurs="0"/>
+                <xsd:element ref="ns3:MediaServiceAutoTags" minOccurs="0"/>
+                <xsd:element ref="ns3:MediaServiceOCR" minOccurs="0"/>
+                <xsd:element ref="ns3:MediaServiceGenerationTime" minOccurs="0"/>
+                <xsd:element ref="ns3:MediaServiceEventHashCode" minOccurs="0"/>
+                <xsd:element ref="ns4:SharedWithUsers" minOccurs="0"/>
+                <xsd:element ref="ns4:SharedWithDetails" minOccurs="0"/>
+                <xsd:element ref="ns4:SharingHintHash" minOccurs="0"/>
+                <xsd:element ref="ns3:MediaServiceLocation" minOccurs="0"/>
+                <xsd:element ref="ns3:_activity" minOccurs="0"/>
+                <xsd:element ref="ns3:MediaServiceObjectDetectorVersions" minOccurs="0"/>
+                <xsd:element ref="ns3:MediaLengthInSeconds" minOccurs="0"/>
               </xsd:all>
             </xsd:complexType>
           </xsd:element>
@@ -19342,7 +20357,7 @@
       </xsd:complexType>
     </xsd:element>
   </xsd:schema>
-  <xsd:schema xmlns:xsd="http://www.w3.org/2001/XMLSchema" xmlns:xs="http://www.w3.org/2001/XMLSchema" xmlns:dms="http://schemas.microsoft.com/office/2006/documentManagement/types" xmlns:pc="http://schemas.microsoft.com/office/infopath/2007/PartnerControls" targetNamespace="71af3243-3dd4-4a8d-8c0d-dd76da1f02a5" elementFormDefault="qualified">
+  <xsd:schema xmlns:xsd="http://www.w3.org/2001/XMLSchema" xmlns:xs="http://www.w3.org/2001/XMLSchema" xmlns:dms="http://schemas.microsoft.com/office/2006/documentManagement/types" xmlns:pc="http://schemas.microsoft.com/office/infopath/2007/PartnerControls" targetNamespace="8882fcd3-a902-4219-bcef-bb2726691434" elementFormDefault="qualified">
     <xsd:import namespace="http://schemas.microsoft.com/office/2006/documentManagement/types"/>
     <xsd:import namespace="http://schemas.microsoft.com/office/infopath/2007/PartnerControls"/>
     <xsd:element name="MediaServiceMetadata" ma:index="8" nillable="true" ma:displayName="MediaServiceMetadata" ma:hidden="true" ma:internalName="MediaServiceMetadata" ma:readOnly="true">
@@ -19355,59 +20370,70 @@
         <xsd:restriction base="dms:Note"/>
       </xsd:simpleType>
     </xsd:element>
-    <xsd:element name="MediaServiceOCR" ma:index="10" nillable="true" ma:displayName="MediaServiceOCR" ma:internalName="MediaServiceOCR" ma:readOnly="true">
+    <xsd:element name="MediaServiceAutoKeyPoints" ma:index="10" nillable="true" ma:displayName="MediaServiceAutoKeyPoints" ma:hidden="true" ma:internalName="MediaServiceAutoKeyPoints" ma:readOnly="true">
+      <xsd:simpleType>
+        <xsd:restriction base="dms:Note"/>
+      </xsd:simpleType>
+    </xsd:element>
+    <xsd:element name="MediaServiceKeyPoints" ma:index="11" nillable="true" ma:displayName="KeyPoints" ma:internalName="MediaServiceKeyPoints" ma:readOnly="true">
       <xsd:simpleType>
         <xsd:restriction base="dms:Note">
           <xsd:maxLength value="255"/>
         </xsd:restriction>
       </xsd:simpleType>
     </xsd:element>
-    <xsd:element name="MediaServiceAutoTags" ma:index="11" nillable="true" ma:displayName="MediaServiceAutoTags" ma:internalName="MediaServiceAutoTags" ma:readOnly="true">
+    <xsd:element name="MediaServiceDateTaken" ma:index="12" nillable="true" ma:displayName="MediaServiceDateTaken" ma:hidden="true" ma:internalName="MediaServiceDateTaken" ma:readOnly="true">
       <xsd:simpleType>
         <xsd:restriction base="dms:Text"/>
       </xsd:simpleType>
     </xsd:element>
-    <xsd:element name="MediaServiceEventHashCode" ma:index="12" nillable="true" ma:displayName="MediaServiceEventHashCode" ma:hidden="true" ma:internalName="MediaServiceEventHashCode" ma:readOnly="true">
+    <xsd:element name="MediaServiceAutoTags" ma:index="13" nillable="true" ma:displayName="Tags" ma:internalName="MediaServiceAutoTags" ma:readOnly="true">
       <xsd:simpleType>
         <xsd:restriction base="dms:Text"/>
       </xsd:simpleType>
     </xsd:element>
-    <xsd:element name="MediaServiceGenerationTime" ma:index="13" nillable="true" ma:displayName="MediaServiceGenerationTime" ma:hidden="true" ma:internalName="MediaServiceGenerationTime" ma:readOnly="true">
-      <xsd:simpleType>
-        <xsd:restriction base="dms:Text"/>
-      </xsd:simpleType>
-    </xsd:element>
-    <xsd:element name="MediaServiceAutoKeyPoints" ma:index="16" nillable="true" ma:displayName="MediaServiceAutoKeyPoints" ma:hidden="true" ma:internalName="MediaServiceAutoKeyPoints" ma:readOnly="true">
-      <xsd:simpleType>
-        <xsd:restriction base="dms:Note"/>
-      </xsd:simpleType>
-    </xsd:element>
-    <xsd:element name="MediaServiceKeyPoints" ma:index="17" nillable="true" ma:displayName="KeyPoints" ma:internalName="MediaServiceKeyPoints" ma:readOnly="false">
+    <xsd:element name="MediaServiceOCR" ma:index="14" nillable="true" ma:displayName="Extracted Text" ma:internalName="MediaServiceOCR" ma:readOnly="true">
       <xsd:simpleType>
         <xsd:restriction base="dms:Note">
           <xsd:maxLength value="255"/>
         </xsd:restriction>
       </xsd:simpleType>
     </xsd:element>
-    <xsd:element name="MediaServiceDateTaken" ma:index="18" nillable="true" ma:displayName="MediaServiceDateTaken" ma:hidden="true" ma:internalName="MediaServiceDateTaken" ma:readOnly="true">
+    <xsd:element name="MediaServiceGenerationTime" ma:index="15" nillable="true" ma:displayName="MediaServiceGenerationTime" ma:hidden="true" ma:internalName="MediaServiceGenerationTime" ma:readOnly="true">
       <xsd:simpleType>
         <xsd:restriction base="dms:Text"/>
       </xsd:simpleType>
     </xsd:element>
-    <xsd:element name="Status" ma:index="19" nillable="true" ma:displayName="Status" ma:default="Not started" ma:format="Dropdown" ma:internalName="Status">
+    <xsd:element name="MediaServiceEventHashCode" ma:index="16" nillable="true" ma:displayName="MediaServiceEventHashCode" ma:hidden="true" ma:internalName="MediaServiceEventHashCode" ma:readOnly="true">
       <xsd:simpleType>
-        <xsd:restriction base="dms:Choice">
-          <xsd:enumeration value="Not started"/>
-          <xsd:enumeration value="In Progress"/>
-          <xsd:enumeration value="Completed"/>
-        </xsd:restriction>
+        <xsd:restriction base="dms:Text"/>
+      </xsd:simpleType>
+    </xsd:element>
+    <xsd:element name="MediaServiceLocation" ma:index="20" nillable="true" ma:displayName="Location" ma:internalName="MediaServiceLocation" ma:readOnly="true">
+      <xsd:simpleType>
+        <xsd:restriction base="dms:Text"/>
+      </xsd:simpleType>
+    </xsd:element>
+    <xsd:element name="_activity" ma:index="21" nillable="true" ma:displayName="_activity" ma:hidden="true" ma:internalName="_activity">
+      <xsd:simpleType>
+        <xsd:restriction base="dms:Note"/>
+      </xsd:simpleType>
+    </xsd:element>
+    <xsd:element name="MediaServiceObjectDetectorVersions" ma:index="22" nillable="true" ma:displayName="MediaServiceObjectDetectorVersions" ma:hidden="true" ma:indexed="true" ma:internalName="MediaServiceObjectDetectorVersions" ma:readOnly="true">
+      <xsd:simpleType>
+        <xsd:restriction base="dms:Text"/>
+      </xsd:simpleType>
+    </xsd:element>
+    <xsd:element name="MediaLengthInSeconds" ma:index="23" nillable="true" ma:displayName="MediaLengthInSeconds" ma:hidden="true" ma:internalName="MediaLengthInSeconds" ma:readOnly="true">
+      <xsd:simpleType>
+        <xsd:restriction base="dms:Unknown"/>
       </xsd:simpleType>
     </xsd:element>
   </xsd:schema>
-  <xsd:schema xmlns:xsd="http://www.w3.org/2001/XMLSchema" xmlns:xs="http://www.w3.org/2001/XMLSchema" xmlns:dms="http://schemas.microsoft.com/office/2006/documentManagement/types" xmlns:pc="http://schemas.microsoft.com/office/infopath/2007/PartnerControls" targetNamespace="16c05727-aa75-4e4a-9b5f-8a80a1165891" elementFormDefault="qualified">
+  <xsd:schema xmlns:xsd="http://www.w3.org/2001/XMLSchema" xmlns:xs="http://www.w3.org/2001/XMLSchema" xmlns:dms="http://schemas.microsoft.com/office/2006/documentManagement/types" xmlns:pc="http://schemas.microsoft.com/office/infopath/2007/PartnerControls" targetNamespace="32baed4a-51d4-41c7-8bbd-49e13508bcc4" elementFormDefault="qualified">
     <xsd:import namespace="http://schemas.microsoft.com/office/2006/documentManagement/types"/>
     <xsd:import namespace="http://schemas.microsoft.com/office/infopath/2007/PartnerControls"/>
-    <xsd:element name="SharedWithUsers" ma:index="14" nillable="true" ma:displayName="Shared With" ma:internalName="SharedWithUsers" ma:readOnly="true">
+    <xsd:element name="SharedWithUsers" ma:index="17" nillable="true" ma:displayName="Shared With" ma:internalName="SharedWithUsers" ma:readOnly="true">
       <xsd:complexType>
         <xsd:complexContent>
           <xsd:extension base="dms:UserMulti">
@@ -19426,11 +20452,16 @@
         </xsd:complexContent>
       </xsd:complexType>
     </xsd:element>
-    <xsd:element name="SharedWithDetails" ma:index="15" nillable="true" ma:displayName="Shared With Details" ma:internalName="SharedWithDetails" ma:readOnly="true">
+    <xsd:element name="SharedWithDetails" ma:index="18" nillable="true" ma:displayName="Shared With Details" ma:internalName="SharedWithDetails" ma:readOnly="true">
       <xsd:simpleType>
         <xsd:restriction base="dms:Note">
           <xsd:maxLength value="255"/>
         </xsd:restriction>
+      </xsd:simpleType>
+    </xsd:element>
+    <xsd:element name="SharingHintHash" ma:index="19" nillable="true" ma:displayName="Sharing Hint Hash" ma:hidden="true" ma:internalName="SharingHintHash" ma:readOnly="true">
+      <xsd:simpleType>
+        <xsd:restriction base="dms:Text"/>
       </xsd:simpleType>
     </xsd:element>
   </xsd:schema>
@@ -19544,29 +20575,29 @@
 <file path=customXml/itemProps2.xml><?xml version="1.0" encoding="utf-8"?>
 <ds:datastoreItem xmlns:ds="http://schemas.openxmlformats.org/officeDocument/2006/customXml" ds:itemID="{984EED2D-C894-47C4-9CDD-55EC03B2713B}">
   <ds:schemaRefs>
+    <ds:schemaRef ds:uri="http://schemas.microsoft.com/office/2006/metadata/properties"/>
+    <ds:schemaRef ds:uri="8882fcd3-a902-4219-bcef-bb2726691434"/>
+    <ds:schemaRef ds:uri="http://purl.org/dc/dcmitype/"/>
+    <ds:schemaRef ds:uri="http://purl.org/dc/elements/1.1/"/>
+    <ds:schemaRef ds:uri="http://schemas.microsoft.com/office/2006/documentManagement/types"/>
+    <ds:schemaRef ds:uri="http://schemas.microsoft.com/office/infopath/2007/PartnerControls"/>
     <ds:schemaRef ds:uri="http://schemas.openxmlformats.org/package/2006/metadata/core-properties"/>
+    <ds:schemaRef ds:uri="32baed4a-51d4-41c7-8bbd-49e13508bcc4"/>
+    <ds:schemaRef ds:uri="http://www.w3.org/XML/1998/namespace"/>
     <ds:schemaRef ds:uri="http://purl.org/dc/terms/"/>
-    <ds:schemaRef ds:uri="http://schemas.microsoft.com/office/infopath/2007/PartnerControls"/>
-    <ds:schemaRef ds:uri="71af3243-3dd4-4a8d-8c0d-dd76da1f02a5"/>
-    <ds:schemaRef ds:uri="http://schemas.microsoft.com/office/2006/documentManagement/types"/>
-    <ds:schemaRef ds:uri="http://purl.org/dc/dcmitype/"/>
-    <ds:schemaRef ds:uri="http://www.w3.org/XML/1998/namespace"/>
-    <ds:schemaRef ds:uri="16c05727-aa75-4e4a-9b5f-8a80a1165891"/>
-    <ds:schemaRef ds:uri="http://schemas.microsoft.com/office/2006/metadata/properties"/>
-    <ds:schemaRef ds:uri="http://purl.org/dc/elements/1.1/"/>
   </ds:schemaRefs>
 </ds:datastoreItem>
 </file>
 
 <file path=customXml/itemProps3.xml><?xml version="1.0" encoding="utf-8"?>
-<ds:datastoreItem xmlns:ds="http://schemas.openxmlformats.org/officeDocument/2006/customXml" ds:itemID="{60F07EB6-DDE3-49D2-9047-A171C0D29C2B}">
+<ds:datastoreItem xmlns:ds="http://schemas.openxmlformats.org/officeDocument/2006/customXml" ds:itemID="{B83093EB-75FC-407A-8D58-D25EE2478EC0}">
   <ds:schemaRefs>
     <ds:schemaRef ds:uri="http://schemas.microsoft.com/office/2006/metadata/contentType"/>
     <ds:schemaRef ds:uri="http://schemas.microsoft.com/office/2006/metadata/properties/metaAttributes"/>
     <ds:schemaRef ds:uri="http://www.w3.org/2001/XMLSchema"/>
     <ds:schemaRef ds:uri="http://schemas.microsoft.com/office/2006/metadata/properties"/>
-    <ds:schemaRef ds:uri="71af3243-3dd4-4a8d-8c0d-dd76da1f02a5"/>
-    <ds:schemaRef ds:uri="16c05727-aa75-4e4a-9b5f-8a80a1165891"/>
+    <ds:schemaRef ds:uri="8882fcd3-a902-4219-bcef-bb2726691434"/>
+    <ds:schemaRef ds:uri="32baed4a-51d4-41c7-8bbd-49e13508bcc4"/>
     <ds:schemaRef ds:uri="http://schemas.microsoft.com/office/2006/documentManagement/types"/>
     <ds:schemaRef ds:uri="http://schemas.microsoft.com/office/infopath/2007/PartnerControls"/>
     <ds:schemaRef ds:uri="http://schemas.openxmlformats.org/package/2006/metadata/core-properties"/>
